--- a/notebook/part03/images/part3_images.pptx
+++ b/notebook/part03/images/part3_images.pptx
@@ -5,7 +5,7 @@
     <p:sldMasterId id="2147483648" r:id="rId1"/>
   </p:sldMasterIdLst>
   <p:notesMasterIdLst>
-    <p:notesMasterId r:id="rId8"/>
+    <p:notesMasterId r:id="rId9"/>
   </p:notesMasterIdLst>
   <p:sldIdLst>
     <p:sldId id="256" r:id="rId2"/>
@@ -14,11 +14,12 @@
     <p:sldId id="258" r:id="rId5"/>
     <p:sldId id="262" r:id="rId6"/>
     <p:sldId id="263" r:id="rId7"/>
+    <p:sldId id="264" r:id="rId8"/>
   </p:sldIdLst>
   <p:sldSz cx="12192000" cy="6858000"/>
   <p:notesSz cx="6858000" cy="9144000"/>
   <p:custDataLst>
-    <p:tags r:id="rId9"/>
+    <p:tags r:id="rId10"/>
   </p:custDataLst>
   <p:defaultTextStyle>
     <a:defPPr>
@@ -117,7 +118,18 @@
   </p:defaultTextStyle>
   <p:extLst>
     <p:ext uri="{EFAFB233-063F-42B5-8137-9DF3F51BA10A}">
-      <p15:sldGuideLst xmlns:p15="http://schemas.microsoft.com/office/powerpoint/2012/main"/>
+      <p15:sldGuideLst xmlns:p15="http://schemas.microsoft.com/office/powerpoint/2012/main">
+        <p15:guide id="1" orient="horz" pos="2160" userDrawn="1">
+          <p15:clr>
+            <a:srgbClr val="A4A3A4"/>
+          </p15:clr>
+        </p15:guide>
+        <p15:guide id="2" pos="3840" userDrawn="1">
+          <p15:clr>
+            <a:srgbClr val="A4A3A4"/>
+          </p15:clr>
+        </p15:guide>
+      </p15:sldGuideLst>
     </p:ext>
   </p:extLst>
 </p:presentation>
@@ -211,7 +223,7 @@
           <a:p>
             <a:fld id="{3E23BA8A-4716-451E-A4D4-04BD32CBCBD5}" type="datetimeFigureOut">
               <a:rPr lang="zh-CN" altLang="en-US" smtClean="0"/>
-              <a:t>2023/3/8</a:t>
+              <a:t>2023/3/9</a:t>
             </a:fld>
             <a:endParaRPr lang="zh-CN" altLang="en-US"/>
           </a:p>
@@ -500,7 +512,12 @@
             <p:ph type="sldImg"/>
           </p:nvPr>
         </p:nvSpPr>
-        <p:spPr/>
+        <p:spPr>
+          <a:xfrm>
+            <a:off x="685800" y="1143000"/>
+            <a:ext cx="5486400" cy="3086100"/>
+          </a:xfrm>
+        </p:spPr>
       </p:sp>
       <p:sp>
         <p:nvSpPr>
@@ -581,7 +598,7 @@
         </p:nvSpPr>
         <p:spPr>
           <a:xfrm>
-            <a:off x="1524000" y="1122363"/>
+            <a:off x="1524001" y="1122363"/>
             <a:ext cx="9144000" cy="2387600"/>
           </a:xfrm>
         </p:spPr>
@@ -612,7 +629,7 @@
         </p:nvSpPr>
         <p:spPr>
           <a:xfrm>
-            <a:off x="1524000" y="3602038"/>
+            <a:off x="1524001" y="3602038"/>
             <a:ext cx="9144000" cy="1655762"/>
           </a:xfrm>
         </p:spPr>
@@ -623,35 +640,35 @@
               <a:buNone/>
               <a:defRPr sz="2400"/>
             </a:lvl1pPr>
-            <a:lvl2pPr marL="457200" indent="0" algn="ctr">
+            <a:lvl2pPr marL="457163" indent="0" algn="ctr">
               <a:buNone/>
               <a:defRPr sz="2000"/>
             </a:lvl2pPr>
-            <a:lvl3pPr marL="914400" indent="0" algn="ctr">
+            <a:lvl3pPr marL="914326" indent="0" algn="ctr">
               <a:buNone/>
               <a:defRPr sz="1800"/>
             </a:lvl3pPr>
-            <a:lvl4pPr marL="1371600" indent="0" algn="ctr">
+            <a:lvl4pPr marL="1371489" indent="0" algn="ctr">
               <a:buNone/>
               <a:defRPr sz="1600"/>
             </a:lvl4pPr>
-            <a:lvl5pPr marL="1828800" indent="0" algn="ctr">
+            <a:lvl5pPr marL="1828654" indent="0" algn="ctr">
               <a:buNone/>
               <a:defRPr sz="1600"/>
             </a:lvl5pPr>
-            <a:lvl6pPr marL="2286000" indent="0" algn="ctr">
+            <a:lvl6pPr marL="2285817" indent="0" algn="ctr">
               <a:buNone/>
               <a:defRPr sz="1600"/>
             </a:lvl6pPr>
-            <a:lvl7pPr marL="2743200" indent="0" algn="ctr">
+            <a:lvl7pPr marL="2742980" indent="0" algn="ctr">
               <a:buNone/>
               <a:defRPr sz="1600"/>
             </a:lvl7pPr>
-            <a:lvl8pPr marL="3200400" indent="0" algn="ctr">
+            <a:lvl8pPr marL="3200143" indent="0" algn="ctr">
               <a:buNone/>
               <a:defRPr sz="1600"/>
             </a:lvl8pPr>
-            <a:lvl9pPr marL="3657600" indent="0" algn="ctr">
+            <a:lvl9pPr marL="3657307" indent="0" algn="ctr">
               <a:buNone/>
               <a:defRPr sz="1600"/>
             </a:lvl9pPr>
@@ -681,7 +698,7 @@
           <a:p>
             <a:fld id="{1DB60883-920C-4B48-9B9B-3BEA8895691C}" type="datetimeFigureOut">
               <a:rPr lang="zh-CN" altLang="en-US" smtClean="0"/>
-              <a:t>2023/3/8</a:t>
+              <a:t>2023/3/9</a:t>
             </a:fld>
             <a:endParaRPr lang="zh-CN" altLang="en-US"/>
           </a:p>
@@ -844,7 +861,7 @@
           <a:p>
             <a:fld id="{1DB60883-920C-4B48-9B9B-3BEA8895691C}" type="datetimeFigureOut">
               <a:rPr lang="zh-CN" altLang="en-US" smtClean="0"/>
-              <a:t>2023/3/8</a:t>
+              <a:t>2023/3/9</a:t>
             </a:fld>
             <a:endParaRPr lang="zh-CN" altLang="en-US"/>
           </a:p>
@@ -929,7 +946,7 @@
         </p:nvSpPr>
         <p:spPr>
           <a:xfrm>
-            <a:off x="8724900" y="365125"/>
+            <a:off x="8724900" y="365126"/>
             <a:ext cx="2628900" cy="5811838"/>
           </a:xfrm>
         </p:spPr>
@@ -956,7 +973,7 @@
         </p:nvSpPr>
         <p:spPr>
           <a:xfrm>
-            <a:off x="838200" y="365125"/>
+            <a:off x="838200" y="365126"/>
             <a:ext cx="7734300" cy="5811838"/>
           </a:xfrm>
         </p:spPr>
@@ -1017,7 +1034,7 @@
           <a:p>
             <a:fld id="{1DB60883-920C-4B48-9B9B-3BEA8895691C}" type="datetimeFigureOut">
               <a:rPr lang="zh-CN" altLang="en-US" smtClean="0"/>
-              <a:t>2023/3/8</a:t>
+              <a:t>2023/3/9</a:t>
             </a:fld>
             <a:endParaRPr lang="zh-CN" altLang="en-US"/>
           </a:p>
@@ -1180,7 +1197,7 @@
           <a:p>
             <a:fld id="{1DB60883-920C-4B48-9B9B-3BEA8895691C}" type="datetimeFigureOut">
               <a:rPr lang="zh-CN" altLang="en-US" smtClean="0"/>
-              <a:t>2023/3/8</a:t>
+              <a:t>2023/3/9</a:t>
             </a:fld>
             <a:endParaRPr lang="zh-CN" altLang="en-US"/>
           </a:p>
@@ -1265,7 +1282,7 @@
         </p:nvSpPr>
         <p:spPr>
           <a:xfrm>
-            <a:off x="831850" y="1709738"/>
+            <a:off x="831850" y="1709742"/>
             <a:ext cx="10515600" cy="2852737"/>
           </a:xfrm>
         </p:spPr>
@@ -1296,7 +1313,7 @@
         </p:nvSpPr>
         <p:spPr>
           <a:xfrm>
-            <a:off x="831850" y="4589463"/>
+            <a:off x="831850" y="4589467"/>
             <a:ext cx="10515600" cy="1500187"/>
           </a:xfrm>
         </p:spPr>
@@ -1313,7 +1330,7 @@
                 </a:solidFill>
               </a:defRPr>
             </a:lvl1pPr>
-            <a:lvl2pPr marL="457200" indent="0">
+            <a:lvl2pPr marL="457163" indent="0">
               <a:buNone/>
               <a:defRPr sz="2000">
                 <a:solidFill>
@@ -1323,7 +1340,7 @@
                 </a:solidFill>
               </a:defRPr>
             </a:lvl2pPr>
-            <a:lvl3pPr marL="914400" indent="0">
+            <a:lvl3pPr marL="914326" indent="0">
               <a:buNone/>
               <a:defRPr sz="1800">
                 <a:solidFill>
@@ -1333,7 +1350,7 @@
                 </a:solidFill>
               </a:defRPr>
             </a:lvl3pPr>
-            <a:lvl4pPr marL="1371600" indent="0">
+            <a:lvl4pPr marL="1371489" indent="0">
               <a:buNone/>
               <a:defRPr sz="1600">
                 <a:solidFill>
@@ -1343,7 +1360,7 @@
                 </a:solidFill>
               </a:defRPr>
             </a:lvl4pPr>
-            <a:lvl5pPr marL="1828800" indent="0">
+            <a:lvl5pPr marL="1828654" indent="0">
               <a:buNone/>
               <a:defRPr sz="1600">
                 <a:solidFill>
@@ -1353,7 +1370,7 @@
                 </a:solidFill>
               </a:defRPr>
             </a:lvl5pPr>
-            <a:lvl6pPr marL="2286000" indent="0">
+            <a:lvl6pPr marL="2285817" indent="0">
               <a:buNone/>
               <a:defRPr sz="1600">
                 <a:solidFill>
@@ -1363,7 +1380,7 @@
                 </a:solidFill>
               </a:defRPr>
             </a:lvl6pPr>
-            <a:lvl7pPr marL="2743200" indent="0">
+            <a:lvl7pPr marL="2742980" indent="0">
               <a:buNone/>
               <a:defRPr sz="1600">
                 <a:solidFill>
@@ -1373,7 +1390,7 @@
                 </a:solidFill>
               </a:defRPr>
             </a:lvl7pPr>
-            <a:lvl8pPr marL="3200400" indent="0">
+            <a:lvl8pPr marL="3200143" indent="0">
               <a:buNone/>
               <a:defRPr sz="1600">
                 <a:solidFill>
@@ -1383,7 +1400,7 @@
                 </a:solidFill>
               </a:defRPr>
             </a:lvl8pPr>
-            <a:lvl9pPr marL="3657600" indent="0">
+            <a:lvl9pPr marL="3657307" indent="0">
               <a:buNone/>
               <a:defRPr sz="1600">
                 <a:solidFill>
@@ -1420,7 +1437,7 @@
           <a:p>
             <a:fld id="{1DB60883-920C-4B48-9B9B-3BEA8895691C}" type="datetimeFigureOut">
               <a:rPr lang="zh-CN" altLang="en-US" smtClean="0"/>
-              <a:t>2023/3/8</a:t>
+              <a:t>2023/3/9</a:t>
             </a:fld>
             <a:endParaRPr lang="zh-CN" altLang="en-US"/>
           </a:p>
@@ -1527,8 +1544,8 @@
         </p:nvSpPr>
         <p:spPr>
           <a:xfrm>
-            <a:off x="838200" y="1825625"/>
-            <a:ext cx="5181600" cy="4351338"/>
+            <a:off x="838203" y="1825626"/>
+            <a:ext cx="5181601" cy="4351338"/>
           </a:xfrm>
         </p:spPr>
         <p:txBody>
@@ -1583,8 +1600,8 @@
         </p:nvSpPr>
         <p:spPr>
           <a:xfrm>
-            <a:off x="6172200" y="1825625"/>
-            <a:ext cx="5181600" cy="4351338"/>
+            <a:off x="6172206" y="1825626"/>
+            <a:ext cx="5181601" cy="4351338"/>
           </a:xfrm>
         </p:spPr>
         <p:txBody>
@@ -1644,7 +1661,7 @@
           <a:p>
             <a:fld id="{1DB60883-920C-4B48-9B9B-3BEA8895691C}" type="datetimeFigureOut">
               <a:rPr lang="zh-CN" altLang="en-US" smtClean="0"/>
-              <a:t>2023/3/8</a:t>
+              <a:t>2023/3/9</a:t>
             </a:fld>
             <a:endParaRPr lang="zh-CN" altLang="en-US"/>
           </a:p>
@@ -1729,7 +1746,7 @@
         </p:nvSpPr>
         <p:spPr>
           <a:xfrm>
-            <a:off x="839788" y="365125"/>
+            <a:off x="839789" y="365129"/>
             <a:ext cx="10515600" cy="1325563"/>
           </a:xfrm>
         </p:spPr>
@@ -1756,7 +1773,7 @@
         </p:nvSpPr>
         <p:spPr>
           <a:xfrm>
-            <a:off x="839788" y="1681163"/>
+            <a:off x="839791" y="1681163"/>
             <a:ext cx="5157787" cy="823912"/>
           </a:xfrm>
         </p:spPr>
@@ -1767,35 +1784,35 @@
               <a:buNone/>
               <a:defRPr sz="2400" b="1"/>
             </a:lvl1pPr>
-            <a:lvl2pPr marL="457200" indent="0">
+            <a:lvl2pPr marL="457163" indent="0">
               <a:buNone/>
               <a:defRPr sz="2000" b="1"/>
             </a:lvl2pPr>
-            <a:lvl3pPr marL="914400" indent="0">
+            <a:lvl3pPr marL="914326" indent="0">
               <a:buNone/>
               <a:defRPr sz="1800" b="1"/>
             </a:lvl3pPr>
-            <a:lvl4pPr marL="1371600" indent="0">
+            <a:lvl4pPr marL="1371489" indent="0">
               <a:buNone/>
               <a:defRPr sz="1600" b="1"/>
             </a:lvl4pPr>
-            <a:lvl5pPr marL="1828800" indent="0">
+            <a:lvl5pPr marL="1828654" indent="0">
               <a:buNone/>
               <a:defRPr sz="1600" b="1"/>
             </a:lvl5pPr>
-            <a:lvl6pPr marL="2286000" indent="0">
+            <a:lvl6pPr marL="2285817" indent="0">
               <a:buNone/>
               <a:defRPr sz="1600" b="1"/>
             </a:lvl6pPr>
-            <a:lvl7pPr marL="2743200" indent="0">
+            <a:lvl7pPr marL="2742980" indent="0">
               <a:buNone/>
               <a:defRPr sz="1600" b="1"/>
             </a:lvl7pPr>
-            <a:lvl8pPr marL="3200400" indent="0">
+            <a:lvl8pPr marL="3200143" indent="0">
               <a:buNone/>
               <a:defRPr sz="1600" b="1"/>
             </a:lvl8pPr>
-            <a:lvl9pPr marL="3657600" indent="0">
+            <a:lvl9pPr marL="3657307" indent="0">
               <a:buNone/>
               <a:defRPr sz="1600" b="1"/>
             </a:lvl9pPr>
@@ -1821,7 +1838,7 @@
         </p:nvSpPr>
         <p:spPr>
           <a:xfrm>
-            <a:off x="839788" y="2505075"/>
+            <a:off x="839791" y="2505075"/>
             <a:ext cx="5157787" cy="3684588"/>
           </a:xfrm>
         </p:spPr>
@@ -1888,35 +1905,35 @@
               <a:buNone/>
               <a:defRPr sz="2400" b="1"/>
             </a:lvl1pPr>
-            <a:lvl2pPr marL="457200" indent="0">
+            <a:lvl2pPr marL="457163" indent="0">
               <a:buNone/>
               <a:defRPr sz="2000" b="1"/>
             </a:lvl2pPr>
-            <a:lvl3pPr marL="914400" indent="0">
+            <a:lvl3pPr marL="914326" indent="0">
               <a:buNone/>
               <a:defRPr sz="1800" b="1"/>
             </a:lvl3pPr>
-            <a:lvl4pPr marL="1371600" indent="0">
+            <a:lvl4pPr marL="1371489" indent="0">
               <a:buNone/>
               <a:defRPr sz="1600" b="1"/>
             </a:lvl4pPr>
-            <a:lvl5pPr marL="1828800" indent="0">
+            <a:lvl5pPr marL="1828654" indent="0">
               <a:buNone/>
               <a:defRPr sz="1600" b="1"/>
             </a:lvl5pPr>
-            <a:lvl6pPr marL="2286000" indent="0">
+            <a:lvl6pPr marL="2285817" indent="0">
               <a:buNone/>
               <a:defRPr sz="1600" b="1"/>
             </a:lvl6pPr>
-            <a:lvl7pPr marL="2743200" indent="0">
+            <a:lvl7pPr marL="2742980" indent="0">
               <a:buNone/>
               <a:defRPr sz="1600" b="1"/>
             </a:lvl7pPr>
-            <a:lvl8pPr marL="3200400" indent="0">
+            <a:lvl8pPr marL="3200143" indent="0">
               <a:buNone/>
               <a:defRPr sz="1600" b="1"/>
             </a:lvl8pPr>
-            <a:lvl9pPr marL="3657600" indent="0">
+            <a:lvl9pPr marL="3657307" indent="0">
               <a:buNone/>
               <a:defRPr sz="1600" b="1"/>
             </a:lvl9pPr>
@@ -2003,7 +2020,7 @@
           <a:p>
             <a:fld id="{1DB60883-920C-4B48-9B9B-3BEA8895691C}" type="datetimeFigureOut">
               <a:rPr lang="zh-CN" altLang="en-US" smtClean="0"/>
-              <a:t>2023/3/8</a:t>
+              <a:t>2023/3/9</a:t>
             </a:fld>
             <a:endParaRPr lang="zh-CN" altLang="en-US"/>
           </a:p>
@@ -2115,7 +2132,7 @@
           <a:p>
             <a:fld id="{1DB60883-920C-4B48-9B9B-3BEA8895691C}" type="datetimeFigureOut">
               <a:rPr lang="zh-CN" altLang="en-US" smtClean="0"/>
-              <a:t>2023/3/8</a:t>
+              <a:t>2023/3/9</a:t>
             </a:fld>
             <a:endParaRPr lang="zh-CN" altLang="en-US"/>
           </a:p>
@@ -2205,7 +2222,7 @@
           <a:p>
             <a:fld id="{1DB60883-920C-4B48-9B9B-3BEA8895691C}" type="datetimeFigureOut">
               <a:rPr lang="zh-CN" altLang="en-US" smtClean="0"/>
-              <a:t>2023/3/8</a:t>
+              <a:t>2023/3/9</a:t>
             </a:fld>
             <a:endParaRPr lang="zh-CN" altLang="en-US"/>
           </a:p>
@@ -2290,7 +2307,7 @@
         </p:nvSpPr>
         <p:spPr>
           <a:xfrm>
-            <a:off x="839788" y="457200"/>
+            <a:off x="839794" y="457202"/>
             <a:ext cx="3932237" cy="1600200"/>
           </a:xfrm>
         </p:spPr>
@@ -2321,7 +2338,7 @@
         </p:nvSpPr>
         <p:spPr>
           <a:xfrm>
-            <a:off x="5183188" y="987425"/>
+            <a:off x="5183188" y="987429"/>
             <a:ext cx="6172200" cy="4873625"/>
           </a:xfrm>
         </p:spPr>
@@ -2405,7 +2422,7 @@
         </p:nvSpPr>
         <p:spPr>
           <a:xfrm>
-            <a:off x="839788" y="2057400"/>
+            <a:off x="839794" y="2057402"/>
             <a:ext cx="3932237" cy="3811588"/>
           </a:xfrm>
         </p:spPr>
@@ -2416,35 +2433,35 @@
               <a:buNone/>
               <a:defRPr sz="1600"/>
             </a:lvl1pPr>
-            <a:lvl2pPr marL="457200" indent="0">
+            <a:lvl2pPr marL="457163" indent="0">
               <a:buNone/>
               <a:defRPr sz="1400"/>
             </a:lvl2pPr>
-            <a:lvl3pPr marL="914400" indent="0">
+            <a:lvl3pPr marL="914326" indent="0">
               <a:buNone/>
               <a:defRPr sz="1200"/>
             </a:lvl3pPr>
-            <a:lvl4pPr marL="1371600" indent="0">
+            <a:lvl4pPr marL="1371489" indent="0">
               <a:buNone/>
               <a:defRPr sz="1000"/>
             </a:lvl4pPr>
-            <a:lvl5pPr marL="1828800" indent="0">
+            <a:lvl5pPr marL="1828654" indent="0">
               <a:buNone/>
               <a:defRPr sz="1000"/>
             </a:lvl5pPr>
-            <a:lvl6pPr marL="2286000" indent="0">
+            <a:lvl6pPr marL="2285817" indent="0">
               <a:buNone/>
               <a:defRPr sz="1000"/>
             </a:lvl6pPr>
-            <a:lvl7pPr marL="2743200" indent="0">
+            <a:lvl7pPr marL="2742980" indent="0">
               <a:buNone/>
               <a:defRPr sz="1000"/>
             </a:lvl7pPr>
-            <a:lvl8pPr marL="3200400" indent="0">
+            <a:lvl8pPr marL="3200143" indent="0">
               <a:buNone/>
               <a:defRPr sz="1000"/>
             </a:lvl8pPr>
-            <a:lvl9pPr marL="3657600" indent="0">
+            <a:lvl9pPr marL="3657307" indent="0">
               <a:buNone/>
               <a:defRPr sz="1000"/>
             </a:lvl9pPr>
@@ -2475,7 +2492,7 @@
           <a:p>
             <a:fld id="{1DB60883-920C-4B48-9B9B-3BEA8895691C}" type="datetimeFigureOut">
               <a:rPr lang="zh-CN" altLang="en-US" smtClean="0"/>
-              <a:t>2023/3/8</a:t>
+              <a:t>2023/3/9</a:t>
             </a:fld>
             <a:endParaRPr lang="zh-CN" altLang="en-US"/>
           </a:p>
@@ -2560,7 +2577,7 @@
         </p:nvSpPr>
         <p:spPr>
           <a:xfrm>
-            <a:off x="839788" y="457200"/>
+            <a:off x="839794" y="457202"/>
             <a:ext cx="3932237" cy="1600200"/>
           </a:xfrm>
         </p:spPr>
@@ -2591,7 +2608,7 @@
         </p:nvSpPr>
         <p:spPr>
           <a:xfrm>
-            <a:off x="5183188" y="987425"/>
+            <a:off x="5183188" y="987429"/>
             <a:ext cx="6172200" cy="4873625"/>
           </a:xfrm>
         </p:spPr>
@@ -2602,35 +2619,35 @@
               <a:buNone/>
               <a:defRPr sz="3200"/>
             </a:lvl1pPr>
-            <a:lvl2pPr marL="457200" indent="0">
+            <a:lvl2pPr marL="457163" indent="0">
               <a:buNone/>
               <a:defRPr sz="2800"/>
             </a:lvl2pPr>
-            <a:lvl3pPr marL="914400" indent="0">
+            <a:lvl3pPr marL="914326" indent="0">
               <a:buNone/>
               <a:defRPr sz="2400"/>
             </a:lvl3pPr>
-            <a:lvl4pPr marL="1371600" indent="0">
+            <a:lvl4pPr marL="1371489" indent="0">
               <a:buNone/>
               <a:defRPr sz="2000"/>
             </a:lvl4pPr>
-            <a:lvl5pPr marL="1828800" indent="0">
+            <a:lvl5pPr marL="1828654" indent="0">
               <a:buNone/>
               <a:defRPr sz="2000"/>
             </a:lvl5pPr>
-            <a:lvl6pPr marL="2286000" indent="0">
+            <a:lvl6pPr marL="2285817" indent="0">
               <a:buNone/>
               <a:defRPr sz="2000"/>
             </a:lvl6pPr>
-            <a:lvl7pPr marL="2743200" indent="0">
+            <a:lvl7pPr marL="2742980" indent="0">
               <a:buNone/>
               <a:defRPr sz="2000"/>
             </a:lvl7pPr>
-            <a:lvl8pPr marL="3200400" indent="0">
+            <a:lvl8pPr marL="3200143" indent="0">
               <a:buNone/>
               <a:defRPr sz="2000"/>
             </a:lvl8pPr>
-            <a:lvl9pPr marL="3657600" indent="0">
+            <a:lvl9pPr marL="3657307" indent="0">
               <a:buNone/>
               <a:defRPr sz="2000"/>
             </a:lvl9pPr>
@@ -2652,7 +2669,7 @@
         </p:nvSpPr>
         <p:spPr>
           <a:xfrm>
-            <a:off x="839788" y="2057400"/>
+            <a:off x="839794" y="2057402"/>
             <a:ext cx="3932237" cy="3811588"/>
           </a:xfrm>
         </p:spPr>
@@ -2663,35 +2680,35 @@
               <a:buNone/>
               <a:defRPr sz="1600"/>
             </a:lvl1pPr>
-            <a:lvl2pPr marL="457200" indent="0">
+            <a:lvl2pPr marL="457163" indent="0">
               <a:buNone/>
               <a:defRPr sz="1400"/>
             </a:lvl2pPr>
-            <a:lvl3pPr marL="914400" indent="0">
+            <a:lvl3pPr marL="914326" indent="0">
               <a:buNone/>
               <a:defRPr sz="1200"/>
             </a:lvl3pPr>
-            <a:lvl4pPr marL="1371600" indent="0">
+            <a:lvl4pPr marL="1371489" indent="0">
               <a:buNone/>
               <a:defRPr sz="1000"/>
             </a:lvl4pPr>
-            <a:lvl5pPr marL="1828800" indent="0">
+            <a:lvl5pPr marL="1828654" indent="0">
               <a:buNone/>
               <a:defRPr sz="1000"/>
             </a:lvl5pPr>
-            <a:lvl6pPr marL="2286000" indent="0">
+            <a:lvl6pPr marL="2285817" indent="0">
               <a:buNone/>
               <a:defRPr sz="1000"/>
             </a:lvl6pPr>
-            <a:lvl7pPr marL="2743200" indent="0">
+            <a:lvl7pPr marL="2742980" indent="0">
               <a:buNone/>
               <a:defRPr sz="1000"/>
             </a:lvl7pPr>
-            <a:lvl8pPr marL="3200400" indent="0">
+            <a:lvl8pPr marL="3200143" indent="0">
               <a:buNone/>
               <a:defRPr sz="1000"/>
             </a:lvl8pPr>
-            <a:lvl9pPr marL="3657600" indent="0">
+            <a:lvl9pPr marL="3657307" indent="0">
               <a:buNone/>
               <a:defRPr sz="1000"/>
             </a:lvl9pPr>
@@ -2722,7 +2739,7 @@
           <a:p>
             <a:fld id="{1DB60883-920C-4B48-9B9B-3BEA8895691C}" type="datetimeFigureOut">
               <a:rPr lang="zh-CN" altLang="en-US" smtClean="0"/>
-              <a:t>2023/3/8</a:t>
+              <a:t>2023/3/9</a:t>
             </a:fld>
             <a:endParaRPr lang="zh-CN" altLang="en-US"/>
           </a:p>
@@ -2812,7 +2829,7 @@
         </p:nvSpPr>
         <p:spPr>
           <a:xfrm>
-            <a:off x="838200" y="365125"/>
+            <a:off x="838201" y="365129"/>
             <a:ext cx="10515600" cy="1325563"/>
           </a:xfrm>
           <a:prstGeom prst="rect">
@@ -2844,7 +2861,7 @@
         </p:nvSpPr>
         <p:spPr>
           <a:xfrm>
-            <a:off x="838200" y="1825625"/>
+            <a:off x="838201" y="1825626"/>
             <a:ext cx="10515600" cy="4351338"/>
           </a:xfrm>
           <a:prstGeom prst="rect">
@@ -2905,7 +2922,7 @@
         </p:nvSpPr>
         <p:spPr>
           <a:xfrm>
-            <a:off x="838200" y="6356350"/>
+            <a:off x="838200" y="6356351"/>
             <a:ext cx="2743200" cy="365125"/>
           </a:xfrm>
           <a:prstGeom prst="rect">
@@ -2928,7 +2945,7 @@
           <a:p>
             <a:fld id="{1DB60883-920C-4B48-9B9B-3BEA8895691C}" type="datetimeFigureOut">
               <a:rPr lang="zh-CN" altLang="en-US" smtClean="0"/>
-              <a:t>2023/3/8</a:t>
+              <a:t>2023/3/9</a:t>
             </a:fld>
             <a:endParaRPr lang="zh-CN" altLang="en-US"/>
           </a:p>
@@ -2946,7 +2963,7 @@
         </p:nvSpPr>
         <p:spPr>
           <a:xfrm>
-            <a:off x="4038600" y="6356350"/>
+            <a:off x="4038601" y="6356351"/>
             <a:ext cx="4114800" cy="365125"/>
           </a:xfrm>
           <a:prstGeom prst="rect">
@@ -2983,7 +3000,7 @@
         </p:nvSpPr>
         <p:spPr>
           <a:xfrm>
-            <a:off x="8610600" y="6356350"/>
+            <a:off x="8610600" y="6356351"/>
             <a:ext cx="2743200" cy="365125"/>
           </a:xfrm>
           <a:prstGeom prst="rect">
@@ -3030,7 +3047,7 @@
   </p:sldLayoutIdLst>
   <p:txStyles>
     <p:titleStyle>
-      <a:lvl1pPr algn="l" defTabSz="914400" rtl="0" eaLnBrk="1" latinLnBrk="0" hangingPunct="1">
+      <a:lvl1pPr algn="l" defTabSz="914326" rtl="0" eaLnBrk="1" latinLnBrk="0" hangingPunct="1">
         <a:lnSpc>
           <a:spcPct val="90000"/>
         </a:lnSpc>
@@ -3049,7 +3066,7 @@
       </a:lvl1pPr>
     </p:titleStyle>
     <p:bodyStyle>
-      <a:lvl1pPr marL="228600" indent="-228600" algn="l" defTabSz="914400" rtl="0" eaLnBrk="1" latinLnBrk="0" hangingPunct="1">
+      <a:lvl1pPr marL="228582" indent="-228582" algn="l" defTabSz="914326" rtl="0" eaLnBrk="1" latinLnBrk="0" hangingPunct="1">
         <a:lnSpc>
           <a:spcPct val="90000"/>
         </a:lnSpc>
@@ -3067,7 +3084,7 @@
           <a:cs typeface="+mn-cs"/>
         </a:defRPr>
       </a:lvl1pPr>
-      <a:lvl2pPr marL="685800" indent="-228600" algn="l" defTabSz="914400" rtl="0" eaLnBrk="1" latinLnBrk="0" hangingPunct="1">
+      <a:lvl2pPr marL="685745" indent="-228582" algn="l" defTabSz="914326" rtl="0" eaLnBrk="1" latinLnBrk="0" hangingPunct="1">
         <a:lnSpc>
           <a:spcPct val="90000"/>
         </a:lnSpc>
@@ -3085,7 +3102,7 @@
           <a:cs typeface="+mn-cs"/>
         </a:defRPr>
       </a:lvl2pPr>
-      <a:lvl3pPr marL="1143000" indent="-228600" algn="l" defTabSz="914400" rtl="0" eaLnBrk="1" latinLnBrk="0" hangingPunct="1">
+      <a:lvl3pPr marL="1142909" indent="-228582" algn="l" defTabSz="914326" rtl="0" eaLnBrk="1" latinLnBrk="0" hangingPunct="1">
         <a:lnSpc>
           <a:spcPct val="90000"/>
         </a:lnSpc>
@@ -3103,7 +3120,7 @@
           <a:cs typeface="+mn-cs"/>
         </a:defRPr>
       </a:lvl3pPr>
-      <a:lvl4pPr marL="1600200" indent="-228600" algn="l" defTabSz="914400" rtl="0" eaLnBrk="1" latinLnBrk="0" hangingPunct="1">
+      <a:lvl4pPr marL="1600072" indent="-228582" algn="l" defTabSz="914326" rtl="0" eaLnBrk="1" latinLnBrk="0" hangingPunct="1">
         <a:lnSpc>
           <a:spcPct val="90000"/>
         </a:lnSpc>
@@ -3121,7 +3138,7 @@
           <a:cs typeface="+mn-cs"/>
         </a:defRPr>
       </a:lvl4pPr>
-      <a:lvl5pPr marL="2057400" indent="-228600" algn="l" defTabSz="914400" rtl="0" eaLnBrk="1" latinLnBrk="0" hangingPunct="1">
+      <a:lvl5pPr marL="2057236" indent="-228582" algn="l" defTabSz="914326" rtl="0" eaLnBrk="1" latinLnBrk="0" hangingPunct="1">
         <a:lnSpc>
           <a:spcPct val="90000"/>
         </a:lnSpc>
@@ -3139,7 +3156,7 @@
           <a:cs typeface="+mn-cs"/>
         </a:defRPr>
       </a:lvl5pPr>
-      <a:lvl6pPr marL="2514600" indent="-228600" algn="l" defTabSz="914400" rtl="0" eaLnBrk="1" latinLnBrk="0" hangingPunct="1">
+      <a:lvl6pPr marL="2514399" indent="-228582" algn="l" defTabSz="914326" rtl="0" eaLnBrk="1" latinLnBrk="0" hangingPunct="1">
         <a:lnSpc>
           <a:spcPct val="90000"/>
         </a:lnSpc>
@@ -3157,7 +3174,7 @@
           <a:cs typeface="+mn-cs"/>
         </a:defRPr>
       </a:lvl6pPr>
-      <a:lvl7pPr marL="2971800" indent="-228600" algn="l" defTabSz="914400" rtl="0" eaLnBrk="1" latinLnBrk="0" hangingPunct="1">
+      <a:lvl7pPr marL="2971562" indent="-228582" algn="l" defTabSz="914326" rtl="0" eaLnBrk="1" latinLnBrk="0" hangingPunct="1">
         <a:lnSpc>
           <a:spcPct val="90000"/>
         </a:lnSpc>
@@ -3175,7 +3192,7 @@
           <a:cs typeface="+mn-cs"/>
         </a:defRPr>
       </a:lvl7pPr>
-      <a:lvl8pPr marL="3429000" indent="-228600" algn="l" defTabSz="914400" rtl="0" eaLnBrk="1" latinLnBrk="0" hangingPunct="1">
+      <a:lvl8pPr marL="3428725" indent="-228582" algn="l" defTabSz="914326" rtl="0" eaLnBrk="1" latinLnBrk="0" hangingPunct="1">
         <a:lnSpc>
           <a:spcPct val="90000"/>
         </a:lnSpc>
@@ -3193,7 +3210,7 @@
           <a:cs typeface="+mn-cs"/>
         </a:defRPr>
       </a:lvl8pPr>
-      <a:lvl9pPr marL="3886200" indent="-228600" algn="l" defTabSz="914400" rtl="0" eaLnBrk="1" latinLnBrk="0" hangingPunct="1">
+      <a:lvl9pPr marL="3885888" indent="-228582" algn="l" defTabSz="914326" rtl="0" eaLnBrk="1" latinLnBrk="0" hangingPunct="1">
         <a:lnSpc>
           <a:spcPct val="90000"/>
         </a:lnSpc>
@@ -3216,7 +3233,7 @@
       <a:defPPr>
         <a:defRPr lang="zh-CN"/>
       </a:defPPr>
-      <a:lvl1pPr marL="0" algn="l" defTabSz="914400" rtl="0" eaLnBrk="1" latinLnBrk="0" hangingPunct="1">
+      <a:lvl1pPr marL="0" algn="l" defTabSz="914326" rtl="0" eaLnBrk="1" latinLnBrk="0" hangingPunct="1">
         <a:defRPr sz="1800" kern="1200">
           <a:solidFill>
             <a:schemeClr val="tx1"/>
@@ -3226,7 +3243,7 @@
           <a:cs typeface="+mn-cs"/>
         </a:defRPr>
       </a:lvl1pPr>
-      <a:lvl2pPr marL="457200" algn="l" defTabSz="914400" rtl="0" eaLnBrk="1" latinLnBrk="0" hangingPunct="1">
+      <a:lvl2pPr marL="457163" algn="l" defTabSz="914326" rtl="0" eaLnBrk="1" latinLnBrk="0" hangingPunct="1">
         <a:defRPr sz="1800" kern="1200">
           <a:solidFill>
             <a:schemeClr val="tx1"/>
@@ -3236,7 +3253,7 @@
           <a:cs typeface="+mn-cs"/>
         </a:defRPr>
       </a:lvl2pPr>
-      <a:lvl3pPr marL="914400" algn="l" defTabSz="914400" rtl="0" eaLnBrk="1" latinLnBrk="0" hangingPunct="1">
+      <a:lvl3pPr marL="914326" algn="l" defTabSz="914326" rtl="0" eaLnBrk="1" latinLnBrk="0" hangingPunct="1">
         <a:defRPr sz="1800" kern="1200">
           <a:solidFill>
             <a:schemeClr val="tx1"/>
@@ -3246,7 +3263,7 @@
           <a:cs typeface="+mn-cs"/>
         </a:defRPr>
       </a:lvl3pPr>
-      <a:lvl4pPr marL="1371600" algn="l" defTabSz="914400" rtl="0" eaLnBrk="1" latinLnBrk="0" hangingPunct="1">
+      <a:lvl4pPr marL="1371489" algn="l" defTabSz="914326" rtl="0" eaLnBrk="1" latinLnBrk="0" hangingPunct="1">
         <a:defRPr sz="1800" kern="1200">
           <a:solidFill>
             <a:schemeClr val="tx1"/>
@@ -3256,7 +3273,7 @@
           <a:cs typeface="+mn-cs"/>
         </a:defRPr>
       </a:lvl4pPr>
-      <a:lvl5pPr marL="1828800" algn="l" defTabSz="914400" rtl="0" eaLnBrk="1" latinLnBrk="0" hangingPunct="1">
+      <a:lvl5pPr marL="1828654" algn="l" defTabSz="914326" rtl="0" eaLnBrk="1" latinLnBrk="0" hangingPunct="1">
         <a:defRPr sz="1800" kern="1200">
           <a:solidFill>
             <a:schemeClr val="tx1"/>
@@ -3266,7 +3283,7 @@
           <a:cs typeface="+mn-cs"/>
         </a:defRPr>
       </a:lvl5pPr>
-      <a:lvl6pPr marL="2286000" algn="l" defTabSz="914400" rtl="0" eaLnBrk="1" latinLnBrk="0" hangingPunct="1">
+      <a:lvl6pPr marL="2285817" algn="l" defTabSz="914326" rtl="0" eaLnBrk="1" latinLnBrk="0" hangingPunct="1">
         <a:defRPr sz="1800" kern="1200">
           <a:solidFill>
             <a:schemeClr val="tx1"/>
@@ -3276,7 +3293,7 @@
           <a:cs typeface="+mn-cs"/>
         </a:defRPr>
       </a:lvl6pPr>
-      <a:lvl7pPr marL="2743200" algn="l" defTabSz="914400" rtl="0" eaLnBrk="1" latinLnBrk="0" hangingPunct="1">
+      <a:lvl7pPr marL="2742980" algn="l" defTabSz="914326" rtl="0" eaLnBrk="1" latinLnBrk="0" hangingPunct="1">
         <a:defRPr sz="1800" kern="1200">
           <a:solidFill>
             <a:schemeClr val="tx1"/>
@@ -3286,7 +3303,7 @@
           <a:cs typeface="+mn-cs"/>
         </a:defRPr>
       </a:lvl7pPr>
-      <a:lvl8pPr marL="3200400" algn="l" defTabSz="914400" rtl="0" eaLnBrk="1" latinLnBrk="0" hangingPunct="1">
+      <a:lvl8pPr marL="3200143" algn="l" defTabSz="914326" rtl="0" eaLnBrk="1" latinLnBrk="0" hangingPunct="1">
         <a:defRPr sz="1800" kern="1200">
           <a:solidFill>
             <a:schemeClr val="tx1"/>
@@ -3296,7 +3313,7 @@
           <a:cs typeface="+mn-cs"/>
         </a:defRPr>
       </a:lvl8pPr>
-      <a:lvl9pPr marL="3657600" algn="l" defTabSz="914400" rtl="0" eaLnBrk="1" latinLnBrk="0" hangingPunct="1">
+      <a:lvl9pPr marL="3657307" algn="l" defTabSz="914326" rtl="0" eaLnBrk="1" latinLnBrk="0" hangingPunct="1">
         <a:defRPr sz="1800" kern="1200">
           <a:solidFill>
             <a:schemeClr val="tx1"/>
@@ -3336,7 +3353,7 @@
         </p:nvSpPr>
         <p:spPr>
           <a:xfrm>
-            <a:off x="4575256" y="2637780"/>
+            <a:off x="4575256" y="2637781"/>
             <a:ext cx="287258" cy="369332"/>
           </a:xfrm>
           <a:prstGeom prst="rect">
@@ -3376,7 +3393,7 @@
         </p:nvSpPr>
         <p:spPr>
           <a:xfrm>
-            <a:off x="1669623" y="1829974"/>
+            <a:off x="1669627" y="1829978"/>
             <a:ext cx="285471" cy="285471"/>
           </a:xfrm>
           <a:prstGeom prst="flowChartConnector">
@@ -3430,7 +3447,7 @@
         </p:nvCxnSpPr>
         <p:spPr>
           <a:xfrm>
-            <a:off x="1955094" y="1972710"/>
+            <a:off x="1955099" y="1972715"/>
             <a:ext cx="1056479" cy="433537"/>
           </a:xfrm>
           <a:prstGeom prst="straightConnector1">
@@ -3466,7 +3483,7 @@
         </p:nvSpPr>
         <p:spPr>
           <a:xfrm>
-            <a:off x="1669622" y="2758499"/>
+            <a:off x="1669627" y="2758504"/>
             <a:ext cx="285471" cy="285471"/>
           </a:xfrm>
           <a:prstGeom prst="flowChartConnector">
@@ -3512,7 +3529,7 @@
         </p:nvSpPr>
         <p:spPr>
           <a:xfrm>
-            <a:off x="1669621" y="3579229"/>
+            <a:off x="1669625" y="3579234"/>
             <a:ext cx="285471" cy="285471"/>
           </a:xfrm>
           <a:prstGeom prst="flowChartConnector">
@@ -3558,7 +3575,7 @@
         </p:nvSpPr>
         <p:spPr>
           <a:xfrm>
-            <a:off x="3011573" y="2263511"/>
+            <a:off x="3011579" y="2263516"/>
             <a:ext cx="285471" cy="285471"/>
           </a:xfrm>
           <a:prstGeom prst="flowChartConnector">
@@ -3604,7 +3621,7 @@
         </p:nvSpPr>
         <p:spPr>
           <a:xfrm>
-            <a:off x="3011572" y="3143529"/>
+            <a:off x="3011577" y="3143534"/>
             <a:ext cx="285471" cy="285471"/>
           </a:xfrm>
           <a:prstGeom prst="flowChartConnector">
@@ -3650,7 +3667,7 @@
         </p:nvSpPr>
         <p:spPr>
           <a:xfrm>
-            <a:off x="2952971" y="3917783"/>
+            <a:off x="2952976" y="3917788"/>
             <a:ext cx="285471" cy="285471"/>
           </a:xfrm>
           <a:prstGeom prst="flowChartConnector">
@@ -3696,7 +3713,7 @@
         </p:nvSpPr>
         <p:spPr>
           <a:xfrm>
-            <a:off x="4554902" y="2721641"/>
+            <a:off x="4554908" y="2721646"/>
             <a:ext cx="285471" cy="285471"/>
           </a:xfrm>
           <a:prstGeom prst="flowChartConnector">
@@ -3788,7 +3805,7 @@
         </p:nvCxnSpPr>
         <p:spPr>
           <a:xfrm flipV="1">
-            <a:off x="1955092" y="2406247"/>
+            <a:off x="1955097" y="2406247"/>
             <a:ext cx="1056481" cy="1315718"/>
           </a:xfrm>
           <a:prstGeom prst="straightConnector1">
@@ -3827,7 +3844,7 @@
         </p:nvCxnSpPr>
         <p:spPr>
           <a:xfrm>
-            <a:off x="1955094" y="1972710"/>
+            <a:off x="1955094" y="1972715"/>
             <a:ext cx="1056478" cy="1313555"/>
           </a:xfrm>
           <a:prstGeom prst="straightConnector1">
@@ -3866,7 +3883,7 @@
         </p:nvCxnSpPr>
         <p:spPr>
           <a:xfrm>
-            <a:off x="1955093" y="2901235"/>
+            <a:off x="1955098" y="2901235"/>
             <a:ext cx="1056479" cy="385030"/>
           </a:xfrm>
           <a:prstGeom prst="straightConnector1">
@@ -3983,7 +4000,7 @@
         </p:nvCxnSpPr>
         <p:spPr>
           <a:xfrm flipV="1">
-            <a:off x="3297043" y="2864377"/>
+            <a:off x="3297049" y="2864377"/>
             <a:ext cx="1257859" cy="421888"/>
           </a:xfrm>
           <a:prstGeom prst="straightConnector1">
@@ -4138,7 +4155,7 @@
         </p:nvSpPr>
         <p:spPr>
           <a:xfrm>
-            <a:off x="1611020" y="3545994"/>
+            <a:off x="1611020" y="3545995"/>
             <a:ext cx="402674" cy="338554"/>
           </a:xfrm>
           <a:prstGeom prst="rect">
@@ -4172,7 +4189,7 @@
         </p:nvSpPr>
         <p:spPr>
           <a:xfrm>
-            <a:off x="2894369" y="3882779"/>
+            <a:off x="2894369" y="3882780"/>
             <a:ext cx="402674" cy="338554"/>
           </a:xfrm>
           <a:prstGeom prst="rect">
@@ -4206,7 +4223,7 @@
         </p:nvSpPr>
         <p:spPr>
           <a:xfrm>
-            <a:off x="2969566" y="3062049"/>
+            <a:off x="2969566" y="3062050"/>
             <a:ext cx="377026" cy="369332"/>
           </a:xfrm>
           <a:prstGeom prst="rect">
@@ -4255,7 +4272,7 @@
         </p:nvSpPr>
         <p:spPr>
           <a:xfrm>
-            <a:off x="2971665" y="2199323"/>
+            <a:off x="2971665" y="2199324"/>
             <a:ext cx="377026" cy="369332"/>
           </a:xfrm>
           <a:prstGeom prst="rect">
@@ -4304,7 +4321,7 @@
         </p:nvSpPr>
         <p:spPr>
           <a:xfrm>
-            <a:off x="2684203" y="2555750"/>
+            <a:off x="2684204" y="2555755"/>
             <a:ext cx="441146" cy="323165"/>
           </a:xfrm>
           <a:prstGeom prst="rect">
@@ -4344,7 +4361,7 @@
         </p:nvSpPr>
         <p:spPr>
           <a:xfrm>
-            <a:off x="2567554" y="2034892"/>
+            <a:off x="2567554" y="2034897"/>
             <a:ext cx="377026" cy="323165"/>
           </a:xfrm>
           <a:prstGeom prst="rect">
@@ -4384,7 +4401,7 @@
         </p:nvSpPr>
         <p:spPr>
           <a:xfrm>
-            <a:off x="2422944" y="2322800"/>
+            <a:off x="2422944" y="2322805"/>
             <a:ext cx="377026" cy="323165"/>
           </a:xfrm>
           <a:prstGeom prst="rect">
@@ -4424,7 +4441,7 @@
         </p:nvSpPr>
         <p:spPr>
           <a:xfrm>
-            <a:off x="2450883" y="3397154"/>
+            <a:off x="2450883" y="3397160"/>
             <a:ext cx="377026" cy="323165"/>
           </a:xfrm>
           <a:prstGeom prst="rect">
@@ -4464,7 +4481,7 @@
         </p:nvSpPr>
         <p:spPr>
           <a:xfrm>
-            <a:off x="2384082" y="3090735"/>
+            <a:off x="2384082" y="3090740"/>
             <a:ext cx="441146" cy="323165"/>
           </a:xfrm>
           <a:prstGeom prst="rect">
@@ -4504,7 +4521,7 @@
         </p:nvSpPr>
         <p:spPr>
           <a:xfrm>
-            <a:off x="2725942" y="2834204"/>
+            <a:off x="2725943" y="2834209"/>
             <a:ext cx="441146" cy="323165"/>
           </a:xfrm>
           <a:prstGeom prst="rect">
@@ -4544,7 +4561,7 @@
         </p:nvSpPr>
         <p:spPr>
           <a:xfrm>
-            <a:off x="3589131" y="3222829"/>
+            <a:off x="3589132" y="3222834"/>
             <a:ext cx="441146" cy="323165"/>
           </a:xfrm>
           <a:prstGeom prst="rect">
@@ -4584,7 +4601,7 @@
         </p:nvSpPr>
         <p:spPr>
           <a:xfrm>
-            <a:off x="3653251" y="2843706"/>
+            <a:off x="3653251" y="2843712"/>
             <a:ext cx="377026" cy="323165"/>
           </a:xfrm>
           <a:prstGeom prst="rect">
@@ -4624,7 +4641,7 @@
         </p:nvSpPr>
         <p:spPr>
           <a:xfrm>
-            <a:off x="3651117" y="2301811"/>
+            <a:off x="3651117" y="2301817"/>
             <a:ext cx="377026" cy="323165"/>
           </a:xfrm>
           <a:prstGeom prst="rect">
@@ -4665,8 +4682,8 @@
           <p:nvPr/>
         </p:nvGraphicFramePr>
         <p:xfrm>
-          <a:off x="5364998" y="2275221"/>
-          <a:ext cx="1798935" cy="1600200"/>
+          <a:off x="5365004" y="2275226"/>
+          <a:ext cx="1798935" cy="1618345"/>
         </p:xfrm>
         <a:graphic>
           <a:graphicData uri="http://schemas.openxmlformats.org/drawingml/2006/table">
@@ -4711,7 +4728,7 @@
                   </a:extLst>
                 </a:gridCol>
               </a:tblGrid>
-              <a:tr h="201974">
+              <a:tr h="323669">
                 <a:tc>
                   <a:txBody>
                     <a:bodyPr/>
@@ -4916,7 +4933,7 @@
                   </a:ext>
                 </a:extLst>
               </a:tr>
-              <a:tr h="295828">
+              <a:tr h="323669">
                 <a:tc>
                   <a:txBody>
                     <a:bodyPr/>
@@ -5076,7 +5093,7 @@
                   </a:ext>
                 </a:extLst>
               </a:tr>
-              <a:tr h="295828">
+              <a:tr h="323669">
                 <a:tc>
                   <a:txBody>
                     <a:bodyPr/>
@@ -5236,7 +5253,7 @@
                   </a:ext>
                 </a:extLst>
               </a:tr>
-              <a:tr h="295828">
+              <a:tr h="323669">
                 <a:tc>
                   <a:txBody>
                     <a:bodyPr/>
@@ -5396,7 +5413,7 @@
                   </a:ext>
                 </a:extLst>
               </a:tr>
-              <a:tr h="295828">
+              <a:tr h="323669">
                 <a:tc>
                   <a:txBody>
                     <a:bodyPr/>
@@ -5593,7 +5610,7 @@
         </p:nvSpPr>
         <p:spPr>
           <a:xfrm>
-            <a:off x="5180026" y="1676715"/>
+            <a:off x="5180032" y="1676720"/>
             <a:ext cx="285471" cy="285471"/>
           </a:xfrm>
           <a:prstGeom prst="flowChartConnector">
@@ -5647,7 +5664,7 @@
         </p:nvCxnSpPr>
         <p:spPr>
           <a:xfrm>
-            <a:off x="5465497" y="1819451"/>
+            <a:off x="5465498" y="1819456"/>
             <a:ext cx="1004354" cy="5263"/>
           </a:xfrm>
           <a:prstGeom prst="straightConnector1">
@@ -5683,7 +5700,7 @@
         </p:nvSpPr>
         <p:spPr>
           <a:xfrm>
-            <a:off x="6469851" y="1681978"/>
+            <a:off x="6469856" y="1681983"/>
             <a:ext cx="285471" cy="285471"/>
           </a:xfrm>
           <a:prstGeom prst="flowChartConnector">
@@ -5768,7 +5785,7 @@
         </p:nvSpPr>
         <p:spPr>
           <a:xfrm>
-            <a:off x="5180025" y="1111776"/>
+            <a:off x="5180030" y="1111781"/>
             <a:ext cx="285471" cy="285471"/>
           </a:xfrm>
           <a:prstGeom prst="flowChartConnector">
@@ -5822,7 +5839,7 @@
         </p:nvCxnSpPr>
         <p:spPr>
           <a:xfrm>
-            <a:off x="5465496" y="1254512"/>
+            <a:off x="5465501" y="1254512"/>
             <a:ext cx="1004355" cy="570202"/>
           </a:xfrm>
           <a:prstGeom prst="straightConnector1">
@@ -5858,7 +5875,7 @@
         </p:nvSpPr>
         <p:spPr>
           <a:xfrm>
-            <a:off x="3856005" y="1676716"/>
+            <a:off x="3856011" y="1676721"/>
             <a:ext cx="285471" cy="285471"/>
           </a:xfrm>
           <a:prstGeom prst="flowChartConnector">
@@ -5912,7 +5929,7 @@
         </p:nvCxnSpPr>
         <p:spPr>
           <a:xfrm flipV="1">
-            <a:off x="4141476" y="1819451"/>
+            <a:off x="4141477" y="1819457"/>
             <a:ext cx="1038550" cy="1"/>
           </a:xfrm>
           <a:prstGeom prst="straightConnector1">
@@ -6050,7 +6067,7 @@
         </p:nvSpPr>
         <p:spPr>
           <a:xfrm>
-            <a:off x="4515394" y="1492049"/>
+            <a:off x="4515394" y="1492050"/>
             <a:ext cx="298480" cy="369332"/>
           </a:xfrm>
           <a:prstGeom prst="rect">
@@ -6084,7 +6101,7 @@
         </p:nvSpPr>
         <p:spPr>
           <a:xfrm>
-            <a:off x="5797520" y="1492049"/>
+            <a:off x="5797520" y="1492050"/>
             <a:ext cx="248786" cy="369332"/>
           </a:xfrm>
           <a:prstGeom prst="rect">
@@ -6118,7 +6135,7 @@
         </p:nvSpPr>
         <p:spPr>
           <a:xfrm>
-            <a:off x="6192724" y="2020320"/>
+            <a:off x="6192728" y="2020320"/>
             <a:ext cx="910827" cy="369332"/>
           </a:xfrm>
           <a:prstGeom prst="rect">
@@ -6170,7 +6187,7 @@
         </p:nvSpPr>
         <p:spPr>
           <a:xfrm>
-            <a:off x="4825249" y="2007533"/>
+            <a:off x="4825255" y="2007533"/>
             <a:ext cx="761747" cy="369332"/>
           </a:xfrm>
           <a:prstGeom prst="rect">
@@ -6222,7 +6239,7 @@
         </p:nvSpPr>
         <p:spPr>
           <a:xfrm>
-            <a:off x="5100481" y="3755412"/>
+            <a:off x="5100486" y="3755418"/>
             <a:ext cx="285471" cy="285471"/>
           </a:xfrm>
           <a:prstGeom prst="flowChartConnector">
@@ -6276,7 +6293,7 @@
         </p:nvCxnSpPr>
         <p:spPr>
           <a:xfrm>
-            <a:off x="5385952" y="3898148"/>
+            <a:off x="5385953" y="3898153"/>
             <a:ext cx="1004354" cy="5263"/>
           </a:xfrm>
           <a:prstGeom prst="straightConnector1">
@@ -6312,7 +6329,7 @@
         </p:nvSpPr>
         <p:spPr>
           <a:xfrm>
-            <a:off x="6390306" y="3760675"/>
+            <a:off x="6390311" y="3760680"/>
             <a:ext cx="285471" cy="285471"/>
           </a:xfrm>
           <a:prstGeom prst="flowChartConnector">
@@ -6397,7 +6414,7 @@
         </p:nvSpPr>
         <p:spPr>
           <a:xfrm>
-            <a:off x="5100480" y="3190473"/>
+            <a:off x="5100485" y="3190479"/>
             <a:ext cx="285471" cy="285471"/>
           </a:xfrm>
           <a:prstGeom prst="flowChartConnector">
@@ -6451,7 +6468,7 @@
         </p:nvCxnSpPr>
         <p:spPr>
           <a:xfrm>
-            <a:off x="5385951" y="3333209"/>
+            <a:off x="5385956" y="3333209"/>
             <a:ext cx="1004355" cy="570202"/>
           </a:xfrm>
           <a:prstGeom prst="straightConnector1">
@@ -6487,7 +6504,7 @@
         </p:nvSpPr>
         <p:spPr>
           <a:xfrm>
-            <a:off x="3776460" y="3755413"/>
+            <a:off x="3776466" y="3755418"/>
             <a:ext cx="285471" cy="285471"/>
           </a:xfrm>
           <a:prstGeom prst="flowChartConnector">
@@ -6541,7 +6558,7 @@
         </p:nvCxnSpPr>
         <p:spPr>
           <a:xfrm flipV="1">
-            <a:off x="4061931" y="3898148"/>
+            <a:off x="4061931" y="3898154"/>
             <a:ext cx="1038550" cy="1"/>
           </a:xfrm>
           <a:prstGeom prst="straightConnector1">
@@ -6645,7 +6662,7 @@
         </p:nvSpPr>
         <p:spPr>
           <a:xfrm>
-            <a:off x="3787496" y="3713481"/>
+            <a:off x="3787495" y="3713481"/>
             <a:ext cx="274434" cy="369332"/>
           </a:xfrm>
           <a:prstGeom prst="rect">
@@ -6739,8 +6756,8 @@
           </a:p>
         </p:txBody>
       </p:sp>
-      <mc:AlternateContent xmlns:mc="http://schemas.openxmlformats.org/markup-compatibility/2006" xmlns:a14="http://schemas.microsoft.com/office/drawing/2010/main">
-        <mc:Choice Requires="a14">
+      <mc:AlternateContent xmlns:mc="http://schemas.openxmlformats.org/markup-compatibility/2006">
+        <mc:Choice xmlns:a14="http://schemas.microsoft.com/office/drawing/2010/main" Requires="a14">
           <p:sp>
             <p:nvSpPr>
               <p:cNvPr id="58" name="文本框 57"/>
@@ -6749,7 +6766,7 @@
             </p:nvSpPr>
             <p:spPr>
               <a:xfrm>
-                <a:off x="5708233" y="4064398"/>
+                <a:off x="5708233" y="4064402"/>
                 <a:ext cx="443738" cy="507383"/>
               </a:xfrm>
               <a:prstGeom prst="rect">
@@ -6773,7 +6790,7 @@
                       <m:f>
                         <m:fPr>
                           <m:ctrlPr>
-                            <a:rPr lang="en-US" altLang="zh-CN" sz="1300" i="1" dirty="0" smtClean="0">
+                            <a:rPr lang="en-US" altLang="zh-CN" sz="1300" i="1" dirty="0">
                               <a:latin typeface="Cambria Math" panose="02040503050406030204" pitchFamily="18" charset="0"/>
                             </a:rPr>
                           </m:ctrlPr>
@@ -6783,7 +6800,7 @@
                             <m:rPr>
                               <m:sty m:val="p"/>
                             </m:rPr>
-                            <a:rPr lang="en-US" altLang="zh-CN" sz="1300" i="0" dirty="0">
+                            <a:rPr lang="en-US" altLang="zh-CN" sz="1300" dirty="0">
                               <a:latin typeface="Cambria Math" panose="02040503050406030204" pitchFamily="18" charset="0"/>
                             </a:rPr>
                             <m:t>d</m:t>
@@ -6800,13 +6817,13 @@
                             <m:rPr>
                               <m:sty m:val="p"/>
                             </m:rPr>
-                            <a:rPr lang="en-US" altLang="zh-CN" sz="1300" b="0" i="0" dirty="0" smtClean="0">
+                            <a:rPr lang="en-US" altLang="zh-CN" sz="1300" dirty="0">
                               <a:latin typeface="Cambria Math" panose="02040503050406030204" pitchFamily="18" charset="0"/>
                             </a:rPr>
                             <m:t>d</m:t>
                           </m:r>
                           <m:r>
-                            <a:rPr lang="en-US" altLang="zh-CN" sz="1300" b="0" i="1" dirty="0" smtClean="0">
+                            <a:rPr lang="en-US" altLang="zh-CN" sz="1300" i="1" dirty="0">
                               <a:latin typeface="Cambria Math" panose="02040503050406030204" pitchFamily="18" charset="0"/>
                             </a:rPr>
                             <m:t>𝑓</m:t>
@@ -6823,7 +6840,7 @@
             </p:txBody>
           </p:sp>
         </mc:Choice>
-        <mc:Fallback xmlns="">
+        <mc:Fallback>
           <p:sp>
             <p:nvSpPr>
               <p:cNvPr id="58" name="文本框 57"/>
@@ -6834,16 +6851,16 @@
             </p:nvSpPr>
             <p:spPr>
               <a:xfrm>
-                <a:off x="5708233" y="4064398"/>
+                <a:off x="5708233" y="4064402"/>
                 <a:ext cx="443738" cy="507383"/>
               </a:xfrm>
               <a:prstGeom prst="rect">
                 <a:avLst/>
               </a:prstGeom>
-              <a:blipFill rotWithShape="1">
+              <a:blipFill>
                 <a:blip r:embed="rId2"/>
                 <a:stretch>
-                  <a:fillRect l="-49" t="-78" r="21" b="82"/>
+                  <a:fillRect b="-4819"/>
                 </a:stretch>
               </a:blipFill>
             </p:spPr>
@@ -6862,8 +6879,8 @@
           </p:sp>
         </mc:Fallback>
       </mc:AlternateContent>
-      <mc:AlternateContent xmlns:mc="http://schemas.openxmlformats.org/markup-compatibility/2006" xmlns:a14="http://schemas.microsoft.com/office/drawing/2010/main">
-        <mc:Choice Requires="a14">
+      <mc:AlternateContent xmlns:mc="http://schemas.openxmlformats.org/markup-compatibility/2006">
+        <mc:Choice xmlns:a14="http://schemas.microsoft.com/office/drawing/2010/main" Requires="a14">
           <p:sp>
             <p:nvSpPr>
               <p:cNvPr id="59" name="文本框 58"/>
@@ -6872,7 +6889,7 @@
             </p:nvSpPr>
             <p:spPr>
               <a:xfrm>
-                <a:off x="4033682" y="4050748"/>
+                <a:off x="4033687" y="4050753"/>
                 <a:ext cx="928139" cy="529953"/>
               </a:xfrm>
               <a:prstGeom prst="rect">
@@ -6891,7 +6908,7 @@
                     <m:f>
                       <m:fPr>
                         <m:ctrlPr>
-                          <a:rPr lang="en-US" altLang="zh-CN" sz="1800" i="1" dirty="0" smtClean="0">
+                          <a:rPr lang="en-US" altLang="zh-CN" i="1" dirty="0">
                             <a:latin typeface="Cambria Math" panose="02040503050406030204" pitchFamily="18" charset="0"/>
                           </a:rPr>
                         </m:ctrlPr>
@@ -6901,13 +6918,13 @@
                           <m:rPr>
                             <m:sty m:val="p"/>
                           </m:rPr>
-                          <a:rPr lang="en-US" altLang="zh-CN" sz="1800" i="0" dirty="0">
+                          <a:rPr lang="en-US" altLang="zh-CN" dirty="0">
                             <a:latin typeface="Cambria Math" panose="02040503050406030204" pitchFamily="18" charset="0"/>
                           </a:rPr>
                           <m:t>d</m:t>
                         </m:r>
                         <m:r>
-                          <a:rPr lang="en-US" altLang="zh-CN" sz="1800" i="1" dirty="0">
+                          <a:rPr lang="en-US" altLang="zh-CN" i="1" dirty="0">
                             <a:latin typeface="Cambria Math" panose="02040503050406030204" pitchFamily="18" charset="0"/>
                           </a:rPr>
                           <m:t>𝐿</m:t>
@@ -6918,13 +6935,13 @@
                           <m:rPr>
                             <m:sty m:val="p"/>
                           </m:rPr>
-                          <a:rPr lang="en-US" altLang="zh-CN" sz="1800" b="0" i="0" dirty="0" smtClean="0">
+                          <a:rPr lang="en-US" altLang="zh-CN" dirty="0">
                             <a:latin typeface="Cambria Math" panose="02040503050406030204" pitchFamily="18" charset="0"/>
                           </a:rPr>
                           <m:t>d</m:t>
                         </m:r>
                         <m:r>
-                          <a:rPr lang="en-US" altLang="zh-CN" sz="1800" b="0" i="1" dirty="0" smtClean="0">
+                          <a:rPr lang="en-US" altLang="zh-CN" i="1" dirty="0">
                             <a:latin typeface="Cambria Math" panose="02040503050406030204" pitchFamily="18" charset="0"/>
                           </a:rPr>
                           <m:t>𝑓</m:t>
@@ -6964,7 +6981,7 @@
             </p:txBody>
           </p:sp>
         </mc:Choice>
-        <mc:Fallback xmlns="">
+        <mc:Fallback>
           <p:sp>
             <p:nvSpPr>
               <p:cNvPr id="59" name="文本框 58"/>
@@ -6975,16 +6992,16 @@
             </p:nvSpPr>
             <p:spPr>
               <a:xfrm>
-                <a:off x="4033682" y="4050748"/>
+                <a:off x="4033687" y="4050753"/>
                 <a:ext cx="928139" cy="529953"/>
               </a:xfrm>
               <a:prstGeom prst="rect">
                 <a:avLst/>
               </a:prstGeom>
-              <a:blipFill rotWithShape="1">
+              <a:blipFill>
                 <a:blip r:embed="rId3"/>
                 <a:stretch>
-                  <a:fillRect l="-17" t="-16" r="61" b="84"/>
+                  <a:fillRect r="-5921" b="-6897"/>
                 </a:stretch>
               </a:blipFill>
             </p:spPr>
@@ -7003,8 +7020,8 @@
           </p:sp>
         </mc:Fallback>
       </mc:AlternateContent>
-      <mc:AlternateContent xmlns:mc="http://schemas.openxmlformats.org/markup-compatibility/2006" xmlns:a14="http://schemas.microsoft.com/office/drawing/2010/main">
-        <mc:Choice Requires="a14">
+      <mc:AlternateContent xmlns:mc="http://schemas.openxmlformats.org/markup-compatibility/2006">
+        <mc:Choice xmlns:a14="http://schemas.microsoft.com/office/drawing/2010/main" Requires="a14">
           <p:sp>
             <p:nvSpPr>
               <p:cNvPr id="60" name="文本框 59"/>
@@ -7013,8 +7030,8 @@
             </p:nvSpPr>
             <p:spPr>
               <a:xfrm>
-                <a:off x="5724700" y="3079516"/>
-                <a:ext cx="443738" cy="507383"/>
+                <a:off x="5724700" y="3079521"/>
+                <a:ext cx="443738" cy="506485"/>
               </a:xfrm>
               <a:prstGeom prst="rect">
                 <a:avLst/>
@@ -7037,7 +7054,7 @@
                       <m:f>
                         <m:fPr>
                           <m:ctrlPr>
-                            <a:rPr lang="en-US" altLang="zh-CN" sz="1300" i="1" dirty="0" smtClean="0">
+                            <a:rPr lang="en-US" altLang="zh-CN" sz="1300" i="1" dirty="0">
                               <a:latin typeface="Cambria Math" panose="02040503050406030204" pitchFamily="18" charset="0"/>
                             </a:rPr>
                           </m:ctrlPr>
@@ -7047,7 +7064,7 @@
                             <m:rPr>
                               <m:sty m:val="p"/>
                             </m:rPr>
-                            <a:rPr lang="en-US" altLang="zh-CN" sz="1300" i="0" dirty="0">
+                            <a:rPr lang="en-US" altLang="zh-CN" sz="1300" dirty="0">
                               <a:latin typeface="Cambria Math" panose="02040503050406030204" pitchFamily="18" charset="0"/>
                             </a:rPr>
                             <m:t>d</m:t>
@@ -7064,13 +7081,13 @@
                             <m:rPr>
                               <m:sty m:val="p"/>
                             </m:rPr>
-                            <a:rPr lang="en-US" altLang="zh-CN" sz="1300" b="0" i="0" dirty="0" smtClean="0">
+                            <a:rPr lang="en-US" altLang="zh-CN" sz="1300" dirty="0">
                               <a:latin typeface="Cambria Math" panose="02040503050406030204" pitchFamily="18" charset="0"/>
                             </a:rPr>
                             <m:t>d</m:t>
                           </m:r>
                           <m:r>
-                            <a:rPr lang="en-US" altLang="zh-CN" sz="1300" b="0" i="1" dirty="0" smtClean="0">
+                            <a:rPr lang="en-US" altLang="zh-CN" sz="1300" i="1" dirty="0">
                               <a:latin typeface="Cambria Math" panose="02040503050406030204" pitchFamily="18" charset="0"/>
                             </a:rPr>
                             <m:t>𝑦</m:t>
@@ -7087,7 +7104,7 @@
             </p:txBody>
           </p:sp>
         </mc:Choice>
-        <mc:Fallback xmlns="">
+        <mc:Fallback>
           <p:sp>
             <p:nvSpPr>
               <p:cNvPr id="60" name="文本框 59"/>
@@ -7098,16 +7115,16 @@
             </p:nvSpPr>
             <p:spPr>
               <a:xfrm>
-                <a:off x="5724700" y="3079516"/>
-                <a:ext cx="443738" cy="507383"/>
+                <a:off x="5724700" y="3079521"/>
+                <a:ext cx="443738" cy="506485"/>
               </a:xfrm>
               <a:prstGeom prst="rect">
                 <a:avLst/>
               </a:prstGeom>
-              <a:blipFill rotWithShape="1">
+              <a:blipFill>
                 <a:blip r:embed="rId4"/>
                 <a:stretch>
-                  <a:fillRect l="-39" t="-79" r="11" b="83"/>
+                  <a:fillRect b="-2410"/>
                 </a:stretch>
               </a:blipFill>
             </p:spPr>
@@ -7159,7 +7176,7 @@
         </p:nvSpPr>
         <p:spPr>
           <a:xfrm>
-            <a:off x="4263267" y="2278881"/>
+            <a:off x="4263272" y="2278886"/>
             <a:ext cx="285471" cy="285471"/>
           </a:xfrm>
           <a:prstGeom prst="flowChartConnector">
@@ -7213,7 +7230,7 @@
         </p:nvCxnSpPr>
         <p:spPr>
           <a:xfrm>
-            <a:off x="4548738" y="2421617"/>
+            <a:off x="4548738" y="2421622"/>
             <a:ext cx="1004354" cy="5263"/>
           </a:xfrm>
           <a:prstGeom prst="straightConnector1">
@@ -7249,7 +7266,7 @@
         </p:nvSpPr>
         <p:spPr>
           <a:xfrm>
-            <a:off x="5553092" y="2284144"/>
+            <a:off x="5553098" y="2284149"/>
             <a:ext cx="285471" cy="285471"/>
           </a:xfrm>
           <a:prstGeom prst="flowChartConnector">
@@ -7303,7 +7320,7 @@
         </p:nvCxnSpPr>
         <p:spPr>
           <a:xfrm>
-            <a:off x="3632462" y="1754621"/>
+            <a:off x="3632468" y="1754621"/>
             <a:ext cx="630805" cy="666996"/>
           </a:xfrm>
           <a:prstGeom prst="straightConnector1">
@@ -7339,7 +7356,7 @@
         </p:nvSpPr>
         <p:spPr>
           <a:xfrm>
-            <a:off x="1843945" y="2284144"/>
+            <a:off x="1843950" y="2284148"/>
             <a:ext cx="285471" cy="285471"/>
           </a:xfrm>
           <a:prstGeom prst="flowChartConnector">
@@ -7393,7 +7410,7 @@
         </p:nvCxnSpPr>
         <p:spPr>
           <a:xfrm flipV="1">
-            <a:off x="2129416" y="2421617"/>
+            <a:off x="2129422" y="2421622"/>
             <a:ext cx="2133851" cy="5263"/>
           </a:xfrm>
           <a:prstGeom prst="straightConnector1">
@@ -7469,7 +7486,7 @@
         </p:nvSpPr>
         <p:spPr>
           <a:xfrm>
-            <a:off x="2833513" y="2081469"/>
+            <a:off x="2833519" y="2081469"/>
             <a:ext cx="697627" cy="369332"/>
           </a:xfrm>
           <a:prstGeom prst="rect">
@@ -7515,7 +7532,7 @@
         </p:nvSpPr>
         <p:spPr>
           <a:xfrm>
-            <a:off x="6762628" y="2284145"/>
+            <a:off x="6762634" y="2284151"/>
             <a:ext cx="285471" cy="285471"/>
           </a:xfrm>
           <a:prstGeom prst="flowChartConnector">
@@ -7569,7 +7586,7 @@
         </p:nvCxnSpPr>
         <p:spPr>
           <a:xfrm>
-            <a:off x="5838563" y="2426880"/>
+            <a:off x="5838569" y="2426886"/>
             <a:ext cx="924065" cy="1"/>
           </a:xfrm>
           <a:prstGeom prst="straightConnector1">
@@ -7607,7 +7624,7 @@
         </p:nvCxnSpPr>
         <p:spPr>
           <a:xfrm flipV="1">
-            <a:off x="1428238" y="2426880"/>
+            <a:off x="1428242" y="2426880"/>
             <a:ext cx="415707" cy="6480"/>
           </a:xfrm>
           <a:prstGeom prst="straightConnector1">
@@ -7643,7 +7660,7 @@
         </p:nvSpPr>
         <p:spPr>
           <a:xfrm>
-            <a:off x="2623069" y="1510956"/>
+            <a:off x="2623075" y="1510961"/>
             <a:ext cx="285471" cy="285471"/>
           </a:xfrm>
           <a:prstGeom prst="flowChartConnector">
@@ -7694,7 +7711,7 @@
         </p:nvSpPr>
         <p:spPr>
           <a:xfrm>
-            <a:off x="3388797" y="1510956"/>
+            <a:off x="3388803" y="1510961"/>
             <a:ext cx="285471" cy="285471"/>
           </a:xfrm>
           <a:prstGeom prst="flowChartConnector">
@@ -7748,7 +7765,7 @@
         </p:nvCxnSpPr>
         <p:spPr>
           <a:xfrm>
-            <a:off x="2908540" y="1653692"/>
+            <a:off x="2908546" y="1653692"/>
             <a:ext cx="480257" cy="0"/>
           </a:xfrm>
           <a:prstGeom prst="straightConnector1">
@@ -7787,7 +7804,7 @@
         </p:nvCxnSpPr>
         <p:spPr>
           <a:xfrm flipV="1">
-            <a:off x="2129416" y="1754621"/>
+            <a:off x="2129421" y="1754626"/>
             <a:ext cx="535459" cy="672259"/>
           </a:xfrm>
           <a:prstGeom prst="straightConnector1">
@@ -7825,7 +7842,7 @@
         </p:nvCxnSpPr>
         <p:spPr>
           <a:xfrm>
-            <a:off x="6374877" y="1754621"/>
+            <a:off x="6374883" y="1754622"/>
             <a:ext cx="387751" cy="672260"/>
           </a:xfrm>
           <a:prstGeom prst="straightConnector1">
@@ -7861,7 +7878,7 @@
         </p:nvSpPr>
         <p:spPr>
           <a:xfrm>
-            <a:off x="7872154" y="3423615"/>
+            <a:off x="7872160" y="3423620"/>
             <a:ext cx="285471" cy="285471"/>
           </a:xfrm>
           <a:prstGeom prst="flowChartConnector">
@@ -7912,7 +7929,7 @@
         </p:nvSpPr>
         <p:spPr>
           <a:xfrm>
-            <a:off x="9072769" y="3423615"/>
+            <a:off x="9072774" y="3423620"/>
             <a:ext cx="285471" cy="285471"/>
           </a:xfrm>
           <a:prstGeom prst="flowChartConnector">
@@ -7966,7 +7983,7 @@
         </p:nvCxnSpPr>
         <p:spPr>
           <a:xfrm>
-            <a:off x="7006293" y="2527810"/>
+            <a:off x="7006299" y="2527816"/>
             <a:ext cx="865861" cy="1038541"/>
           </a:xfrm>
           <a:prstGeom prst="straightConnector1">
@@ -8005,7 +8022,7 @@
         </p:nvCxnSpPr>
         <p:spPr>
           <a:xfrm>
-            <a:off x="8157625" y="3566351"/>
+            <a:off x="8157626" y="3566351"/>
             <a:ext cx="915144" cy="0"/>
           </a:xfrm>
           <a:prstGeom prst="straightConnector1">
@@ -8079,7 +8096,7 @@
         </p:nvSpPr>
         <p:spPr>
           <a:xfrm>
-            <a:off x="4263267" y="3429882"/>
+            <a:off x="4263272" y="3429888"/>
             <a:ext cx="285471" cy="285471"/>
           </a:xfrm>
           <a:prstGeom prst="flowChartConnector">
@@ -8133,7 +8150,7 @@
         </p:nvCxnSpPr>
         <p:spPr>
           <a:xfrm>
-            <a:off x="4548738" y="3572618"/>
+            <a:off x="4548738" y="3572623"/>
             <a:ext cx="1004354" cy="5263"/>
           </a:xfrm>
           <a:prstGeom prst="straightConnector1">
@@ -8169,7 +8186,7 @@
         </p:nvSpPr>
         <p:spPr>
           <a:xfrm>
-            <a:off x="5553092" y="3435145"/>
+            <a:off x="5553098" y="3435151"/>
             <a:ext cx="285471" cy="285471"/>
           </a:xfrm>
           <a:prstGeom prst="flowChartConnector">
@@ -8220,7 +8237,7 @@
         </p:nvSpPr>
         <p:spPr>
           <a:xfrm>
-            <a:off x="1843945" y="3435145"/>
+            <a:off x="1843950" y="3435150"/>
             <a:ext cx="285471" cy="285471"/>
           </a:xfrm>
           <a:prstGeom prst="flowChartConnector">
@@ -8274,7 +8291,7 @@
         </p:nvCxnSpPr>
         <p:spPr>
           <a:xfrm flipV="1">
-            <a:off x="2129416" y="3572618"/>
+            <a:off x="2129422" y="3572623"/>
             <a:ext cx="2133851" cy="5263"/>
           </a:xfrm>
           <a:prstGeom prst="straightConnector1">
@@ -8310,7 +8327,7 @@
         </p:nvSpPr>
         <p:spPr>
           <a:xfrm>
-            <a:off x="6762628" y="3435146"/>
+            <a:off x="6762634" y="3435151"/>
             <a:ext cx="285471" cy="285471"/>
           </a:xfrm>
           <a:prstGeom prst="flowChartConnector">
@@ -8364,7 +8381,7 @@
         </p:nvCxnSpPr>
         <p:spPr>
           <a:xfrm>
-            <a:off x="5838563" y="3577881"/>
+            <a:off x="5838569" y="3577887"/>
             <a:ext cx="924065" cy="1"/>
           </a:xfrm>
           <a:prstGeom prst="straightConnector1">
@@ -8400,7 +8417,7 @@
         </p:nvSpPr>
         <p:spPr>
           <a:xfrm>
-            <a:off x="4263267" y="4552280"/>
+            <a:off x="4263272" y="4552285"/>
             <a:ext cx="285471" cy="285471"/>
           </a:xfrm>
           <a:prstGeom prst="flowChartConnector">
@@ -8454,7 +8471,7 @@
         </p:nvCxnSpPr>
         <p:spPr>
           <a:xfrm>
-            <a:off x="4548738" y="4695016"/>
+            <a:off x="4548738" y="4695022"/>
             <a:ext cx="1004354" cy="5263"/>
           </a:xfrm>
           <a:prstGeom prst="straightConnector1">
@@ -8490,7 +8507,7 @@
         </p:nvSpPr>
         <p:spPr>
           <a:xfrm>
-            <a:off x="5553092" y="4557543"/>
+            <a:off x="5553098" y="4557548"/>
             <a:ext cx="285471" cy="285471"/>
           </a:xfrm>
           <a:prstGeom prst="flowChartConnector">
@@ -8541,7 +8558,7 @@
         </p:nvSpPr>
         <p:spPr>
           <a:xfrm>
-            <a:off x="1843945" y="4557543"/>
+            <a:off x="1843950" y="4557547"/>
             <a:ext cx="285471" cy="285471"/>
           </a:xfrm>
           <a:prstGeom prst="flowChartConnector">
@@ -8595,7 +8612,7 @@
         </p:nvCxnSpPr>
         <p:spPr>
           <a:xfrm flipV="1">
-            <a:off x="2129416" y="4695016"/>
+            <a:off x="2129422" y="4695022"/>
             <a:ext cx="2133851" cy="5263"/>
           </a:xfrm>
           <a:prstGeom prst="straightConnector1">
@@ -8631,7 +8648,7 @@
         </p:nvSpPr>
         <p:spPr>
           <a:xfrm>
-            <a:off x="6762628" y="4557544"/>
+            <a:off x="6762634" y="4557550"/>
             <a:ext cx="285471" cy="285471"/>
           </a:xfrm>
           <a:prstGeom prst="flowChartConnector">
@@ -8685,7 +8702,7 @@
         </p:nvCxnSpPr>
         <p:spPr>
           <a:xfrm>
-            <a:off x="5838563" y="4700279"/>
+            <a:off x="5838569" y="4700285"/>
             <a:ext cx="924065" cy="1"/>
           </a:xfrm>
           <a:prstGeom prst="straightConnector1">
@@ -8723,7 +8740,7 @@
         </p:nvCxnSpPr>
         <p:spPr>
           <a:xfrm>
-            <a:off x="6382475" y="2996629"/>
+            <a:off x="6382481" y="2996635"/>
             <a:ext cx="380153" cy="581253"/>
           </a:xfrm>
           <a:prstGeom prst="straightConnector1">
@@ -8800,7 +8817,7 @@
         </p:nvCxnSpPr>
         <p:spPr>
           <a:xfrm flipV="1">
-            <a:off x="7048099" y="3566351"/>
+            <a:off x="7048105" y="3566356"/>
             <a:ext cx="824055" cy="11531"/>
           </a:xfrm>
           <a:prstGeom prst="straightConnector1">
@@ -8839,7 +8856,7 @@
         </p:nvCxnSpPr>
         <p:spPr>
           <a:xfrm flipV="1">
-            <a:off x="7048099" y="3566351"/>
+            <a:off x="7048105" y="3566357"/>
             <a:ext cx="824055" cy="1133929"/>
           </a:xfrm>
           <a:prstGeom prst="straightConnector1">
@@ -8878,7 +8895,7 @@
         </p:nvCxnSpPr>
         <p:spPr>
           <a:xfrm flipV="1">
-            <a:off x="2129416" y="1754621"/>
+            <a:off x="2129421" y="1754621"/>
             <a:ext cx="535459" cy="1823260"/>
           </a:xfrm>
           <a:prstGeom prst="straightConnector1">
@@ -8917,7 +8934,7 @@
         </p:nvCxnSpPr>
         <p:spPr>
           <a:xfrm flipV="1">
-            <a:off x="2129416" y="1754621"/>
+            <a:off x="2129421" y="1754621"/>
             <a:ext cx="535459" cy="2945658"/>
           </a:xfrm>
           <a:prstGeom prst="straightConnector1">
@@ -8956,7 +8973,7 @@
         </p:nvCxnSpPr>
         <p:spPr>
           <a:xfrm>
-            <a:off x="3632462" y="1754621"/>
+            <a:off x="3632468" y="1754626"/>
             <a:ext cx="630805" cy="1817997"/>
           </a:xfrm>
           <a:prstGeom prst="straightConnector1">
@@ -8995,7 +9012,7 @@
         </p:nvCxnSpPr>
         <p:spPr>
           <a:xfrm>
-            <a:off x="3632462" y="1754621"/>
+            <a:off x="3632468" y="1754626"/>
             <a:ext cx="630805" cy="2940395"/>
           </a:xfrm>
           <a:prstGeom prst="straightConnector1">
@@ -9031,10 +9048,10 @@
         </p:nvGrpSpPr>
         <p:grpSpPr>
           <a:xfrm>
-            <a:off x="1757913" y="1468602"/>
-            <a:ext cx="7605352" cy="3410373"/>
+            <a:off x="1757913" y="1468603"/>
+            <a:ext cx="7605352" cy="3570152"/>
             <a:chOff x="1760938" y="1462336"/>
-            <a:chExt cx="7605352" cy="3410373"/>
+            <a:chExt cx="7605352" cy="3391937"/>
           </a:xfrm>
         </p:grpSpPr>
         <p:sp>
@@ -9046,7 +9063,7 @@
           <p:spPr>
             <a:xfrm>
               <a:off x="5498213" y="2248313"/>
-              <a:ext cx="413896" cy="307777"/>
+              <a:ext cx="413896" cy="292413"/>
             </a:xfrm>
             <a:prstGeom prst="rect">
               <a:avLst/>
@@ -9080,7 +9097,7 @@
           <p:spPr>
             <a:xfrm>
               <a:off x="9070652" y="3387950"/>
-              <a:ext cx="295638" cy="369332"/>
+              <a:ext cx="295638" cy="350896"/>
             </a:xfrm>
             <a:prstGeom prst="rect">
               <a:avLst/>
@@ -9114,7 +9131,7 @@
           <p:spPr>
             <a:xfrm>
               <a:off x="2617321" y="1462336"/>
-              <a:ext cx="314510" cy="369332"/>
+              <a:ext cx="314510" cy="350896"/>
             </a:xfrm>
             <a:prstGeom prst="rect">
               <a:avLst/>
@@ -9148,7 +9165,7 @@
           <p:spPr>
             <a:xfrm>
               <a:off x="3414609" y="1466135"/>
-              <a:ext cx="252126" cy="369332"/>
+              <a:ext cx="252126" cy="350896"/>
             </a:xfrm>
             <a:prstGeom prst="rect">
               <a:avLst/>
@@ -9182,7 +9199,7 @@
           <p:spPr>
             <a:xfrm>
               <a:off x="7860927" y="3387950"/>
-              <a:ext cx="314510" cy="369332"/>
+              <a:ext cx="314510" cy="350896"/>
             </a:xfrm>
             <a:prstGeom prst="rect">
               <a:avLst/>
@@ -9216,7 +9233,7 @@
           <p:spPr>
             <a:xfrm>
               <a:off x="6747378" y="4495788"/>
-              <a:ext cx="295638" cy="369332"/>
+              <a:ext cx="295638" cy="350896"/>
             </a:xfrm>
             <a:prstGeom prst="rect">
               <a:avLst/>
@@ -9250,7 +9267,7 @@
           <p:spPr>
             <a:xfrm>
               <a:off x="6736642" y="3370758"/>
-              <a:ext cx="295638" cy="369332"/>
+              <a:ext cx="295638" cy="350896"/>
             </a:xfrm>
             <a:prstGeom prst="rect">
               <a:avLst/>
@@ -9284,7 +9301,7 @@
           <p:spPr>
             <a:xfrm>
               <a:off x="6747378" y="2240724"/>
-              <a:ext cx="295638" cy="369332"/>
+              <a:ext cx="295638" cy="350896"/>
             </a:xfrm>
             <a:prstGeom prst="rect">
               <a:avLst/>
@@ -9318,7 +9335,7 @@
           <p:spPr>
             <a:xfrm>
               <a:off x="5488879" y="3406413"/>
-              <a:ext cx="413896" cy="307777"/>
+              <a:ext cx="413896" cy="292413"/>
             </a:xfrm>
             <a:prstGeom prst="rect">
               <a:avLst/>
@@ -9352,7 +9369,7 @@
           <p:spPr>
             <a:xfrm>
               <a:off x="5492608" y="4526082"/>
-              <a:ext cx="413896" cy="307777"/>
+              <a:ext cx="413896" cy="292413"/>
             </a:xfrm>
             <a:prstGeom prst="rect">
               <a:avLst/>
@@ -9386,7 +9403,7 @@
           <p:spPr>
             <a:xfrm>
               <a:off x="4240482" y="4503377"/>
-              <a:ext cx="295638" cy="369332"/>
+              <a:ext cx="295638" cy="350896"/>
             </a:xfrm>
             <a:prstGeom prst="rect">
               <a:avLst/>
@@ -9420,7 +9437,7 @@
           <p:spPr>
             <a:xfrm>
               <a:off x="4229746" y="3378347"/>
-              <a:ext cx="295638" cy="369332"/>
+              <a:ext cx="295638" cy="350896"/>
             </a:xfrm>
             <a:prstGeom prst="rect">
               <a:avLst/>
@@ -9454,7 +9471,7 @@
           <p:spPr>
             <a:xfrm>
               <a:off x="4240482" y="2248313"/>
-              <a:ext cx="295638" cy="369332"/>
+              <a:ext cx="295638" cy="350896"/>
             </a:xfrm>
             <a:prstGeom prst="rect">
               <a:avLst/>
@@ -9488,7 +9505,7 @@
           <p:spPr>
             <a:xfrm>
               <a:off x="1760938" y="2255994"/>
-              <a:ext cx="444352" cy="307777"/>
+              <a:ext cx="444352" cy="292413"/>
             </a:xfrm>
             <a:prstGeom prst="rect">
               <a:avLst/>
@@ -9522,7 +9539,7 @@
           <p:spPr>
             <a:xfrm>
               <a:off x="1766471" y="3414485"/>
-              <a:ext cx="444352" cy="307777"/>
+              <a:ext cx="444352" cy="292413"/>
             </a:xfrm>
             <a:prstGeom prst="rect">
               <a:avLst/>
@@ -9556,7 +9573,7 @@
           <p:spPr>
             <a:xfrm>
               <a:off x="1770200" y="4534154"/>
-              <a:ext cx="444352" cy="307777"/>
+              <a:ext cx="444352" cy="292413"/>
             </a:xfrm>
             <a:prstGeom prst="rect">
               <a:avLst/>
@@ -9590,7 +9607,7 @@
         </p:nvSpPr>
         <p:spPr>
           <a:xfrm>
-            <a:off x="5765403" y="3083716"/>
+            <a:off x="5765409" y="3083717"/>
             <a:ext cx="671979" cy="369332"/>
           </a:xfrm>
           <a:prstGeom prst="rect">
@@ -9636,7 +9653,7 @@
         </p:nvSpPr>
         <p:spPr>
           <a:xfrm>
-            <a:off x="5773761" y="4204948"/>
+            <a:off x="5773767" y="4204949"/>
             <a:ext cx="671979" cy="369332"/>
           </a:xfrm>
           <a:prstGeom prst="rect">
@@ -9682,7 +9699,7 @@
         </p:nvSpPr>
         <p:spPr>
           <a:xfrm>
-            <a:off x="8332325" y="2416148"/>
+            <a:off x="8332326" y="2416149"/>
             <a:ext cx="463038" cy="369332"/>
           </a:xfrm>
           <a:prstGeom prst="rect">
@@ -9718,8 +9735,8 @@
         </p:nvCxnSpPr>
         <p:spPr>
           <a:xfrm>
-            <a:off x="8615197" y="2723847"/>
-            <a:ext cx="452430" cy="855035"/>
+            <a:off x="8615203" y="2723847"/>
+            <a:ext cx="452424" cy="956209"/>
           </a:xfrm>
           <a:prstGeom prst="straightConnector1">
             <a:avLst/>
@@ -9754,7 +9771,7 @@
         </p:nvSpPr>
         <p:spPr>
           <a:xfrm>
-            <a:off x="9450612" y="3229819"/>
+            <a:off x="9450612" y="3229820"/>
             <a:ext cx="463038" cy="369332"/>
           </a:xfrm>
           <a:prstGeom prst="rect">
@@ -9788,7 +9805,7 @@
         </p:nvSpPr>
         <p:spPr>
           <a:xfrm>
-            <a:off x="5779190" y="1894522"/>
+            <a:off x="5779196" y="1894522"/>
             <a:ext cx="706075" cy="369332"/>
           </a:xfrm>
           <a:prstGeom prst="rect">
@@ -9874,7 +9891,7 @@
         </p:nvSpPr>
         <p:spPr>
           <a:xfrm>
-            <a:off x="6088045" y="3771448"/>
+            <a:off x="6088045" y="3771449"/>
             <a:ext cx="463038" cy="369332"/>
           </a:xfrm>
           <a:prstGeom prst="rect">
@@ -9956,7 +9973,7 @@
         </p:nvCxnSpPr>
         <p:spPr>
           <a:xfrm flipV="1">
-            <a:off x="1417680" y="3577881"/>
+            <a:off x="1417684" y="3577881"/>
             <a:ext cx="426265" cy="6056"/>
           </a:xfrm>
           <a:prstGeom prst="straightConnector1">
@@ -10110,7 +10127,7 @@
         </p:nvSpPr>
         <p:spPr>
           <a:xfrm>
-            <a:off x="7672323" y="3670837"/>
+            <a:off x="7672323" y="3670838"/>
             <a:ext cx="2675732" cy="369332"/>
           </a:xfrm>
           <a:prstGeom prst="rect">
@@ -10240,7 +10257,7 @@
         </p:nvSpPr>
         <p:spPr>
           <a:xfrm>
-            <a:off x="1763979" y="1148058"/>
+            <a:off x="1763984" y="1148058"/>
             <a:ext cx="2254143" cy="369332"/>
           </a:xfrm>
           <a:prstGeom prst="rect">
@@ -10328,7 +10345,7 @@
         </p:nvSpPr>
         <p:spPr>
           <a:xfrm>
-            <a:off x="2808401" y="3214010"/>
+            <a:off x="2808407" y="3214010"/>
             <a:ext cx="697627" cy="369332"/>
           </a:xfrm>
           <a:prstGeom prst="rect">
@@ -10374,7 +10391,7 @@
         </p:nvSpPr>
         <p:spPr>
           <a:xfrm>
-            <a:off x="2786933" y="4342690"/>
+            <a:off x="2786939" y="4342691"/>
             <a:ext cx="697627" cy="369332"/>
           </a:xfrm>
           <a:prstGeom prst="rect">
@@ -10420,7 +10437,7 @@
         </p:nvSpPr>
         <p:spPr>
           <a:xfrm>
-            <a:off x="3775590" y="1701899"/>
+            <a:off x="3775590" y="1701900"/>
             <a:ext cx="479618" cy="369332"/>
           </a:xfrm>
           <a:prstGeom prst="rect">
@@ -10460,7 +10477,7 @@
         </p:nvSpPr>
         <p:spPr>
           <a:xfrm>
-            <a:off x="3943163" y="2658988"/>
+            <a:off x="3943164" y="2658988"/>
             <a:ext cx="479618" cy="369332"/>
           </a:xfrm>
           <a:prstGeom prst="rect">
@@ -10500,7 +10517,7 @@
         </p:nvSpPr>
         <p:spPr>
           <a:xfrm>
-            <a:off x="4018089" y="3795103"/>
+            <a:off x="4018089" y="3795104"/>
             <a:ext cx="479618" cy="369332"/>
           </a:xfrm>
           <a:prstGeom prst="rect">
@@ -10532,8 +10549,8 @@
           </a:p>
         </p:txBody>
       </p:sp>
-      <mc:AlternateContent xmlns:mc="http://schemas.openxmlformats.org/markup-compatibility/2006" xmlns:a14="http://schemas.microsoft.com/office/drawing/2010/main">
-        <mc:Choice Requires="a14">
+      <mc:AlternateContent xmlns:mc="http://schemas.openxmlformats.org/markup-compatibility/2006">
+        <mc:Choice xmlns:a14="http://schemas.microsoft.com/office/drawing/2010/main" Requires="a14">
           <p:sp>
             <p:nvSpPr>
               <p:cNvPr id="137" name="文本框 136"/>
@@ -10542,7 +10559,7 @@
             </p:nvSpPr>
             <p:spPr>
               <a:xfrm>
-                <a:off x="4435853" y="1906814"/>
+                <a:off x="4435858" y="1906815"/>
                 <a:ext cx="963725" cy="463268"/>
               </a:xfrm>
               <a:prstGeom prst="rect">
@@ -10579,7 +10596,7 @@
                     <m:f>
                       <m:fPr>
                         <m:ctrlPr>
-                          <a:rPr lang="en-US" altLang="zh-CN" i="1" smtClean="0">
+                          <a:rPr lang="en-US" altLang="zh-CN" i="1">
                             <a:latin typeface="Cambria Math" panose="02040503050406030204" pitchFamily="18" charset="0"/>
                           </a:rPr>
                         </m:ctrlPr>
@@ -10589,19 +10606,19 @@
                           <m:rPr>
                             <m:sty m:val="p"/>
                           </m:rPr>
-                          <a:rPr lang="en-US" altLang="zh-CN" b="0" i="0" smtClean="0">
+                          <a:rPr lang="en-US" altLang="zh-CN">
                             <a:latin typeface="Cambria Math" panose="02040503050406030204" pitchFamily="18" charset="0"/>
                           </a:rPr>
                           <m:t>exp</m:t>
                         </m:r>
                         <m:r>
-                          <a:rPr lang="en-US" altLang="zh-CN" b="0" i="1" smtClean="0">
+                          <a:rPr lang="en-US" altLang="zh-CN" i="1">
                             <a:latin typeface="Cambria Math" panose="02040503050406030204" pitchFamily="18" charset="0"/>
                           </a:rPr>
                           <m:t>𝑥</m:t>
                         </m:r>
                         <m:r>
-                          <a:rPr lang="en-US" altLang="zh-CN" b="0" i="1" baseline="-25000" smtClean="0">
+                          <a:rPr lang="en-US" altLang="zh-CN" i="1" baseline="-25000">
                             <a:latin typeface="Cambria Math" panose="02040503050406030204" pitchFamily="18" charset="0"/>
                           </a:rPr>
                           <m:t>1</m:t>
@@ -10609,7 +10626,7 @@
                       </m:num>
                       <m:den>
                         <m:r>
-                          <a:rPr lang="en-US" altLang="zh-CN" b="0" i="1" smtClean="0">
+                          <a:rPr lang="en-US" altLang="zh-CN" i="1">
                             <a:latin typeface="Cambria Math" panose="02040503050406030204" pitchFamily="18" charset="0"/>
                           </a:rPr>
                           <m:t>𝑆</m:t>
@@ -10625,7 +10642,7 @@
             </p:txBody>
           </p:sp>
         </mc:Choice>
-        <mc:Fallback xmlns="">
+        <mc:Fallback>
           <p:sp>
             <p:nvSpPr>
               <p:cNvPr id="137" name="文本框 136"/>
@@ -10636,16 +10653,16 @@
             </p:nvSpPr>
             <p:spPr>
               <a:xfrm>
-                <a:off x="4435853" y="1906814"/>
+                <a:off x="4435858" y="1906815"/>
                 <a:ext cx="963725" cy="463268"/>
               </a:xfrm>
               <a:prstGeom prst="rect">
                 <a:avLst/>
               </a:prstGeom>
-              <a:blipFill rotWithShape="1">
+              <a:blipFill>
                 <a:blip r:embed="rId3"/>
                 <a:stretch>
-                  <a:fillRect l="-39" t="-117" r="18" b="57"/>
+                  <a:fillRect l="-5696" t="-1316" b="-6579"/>
                 </a:stretch>
               </a:blipFill>
             </p:spPr>
@@ -10664,8 +10681,8 @@
           </p:sp>
         </mc:Fallback>
       </mc:AlternateContent>
-      <mc:AlternateContent xmlns:mc="http://schemas.openxmlformats.org/markup-compatibility/2006" xmlns:a14="http://schemas.microsoft.com/office/drawing/2010/main">
-        <mc:Choice Requires="a14">
+      <mc:AlternateContent xmlns:mc="http://schemas.openxmlformats.org/markup-compatibility/2006">
+        <mc:Choice xmlns:a14="http://schemas.microsoft.com/office/drawing/2010/main" Requires="a14">
           <p:sp>
             <p:nvSpPr>
               <p:cNvPr id="139" name="文本框 138"/>
@@ -10674,7 +10691,7 @@
             </p:nvSpPr>
             <p:spPr>
               <a:xfrm>
-                <a:off x="4388017" y="3069581"/>
+                <a:off x="4388022" y="3069581"/>
                 <a:ext cx="963725" cy="463268"/>
               </a:xfrm>
               <a:prstGeom prst="rect">
@@ -10711,7 +10728,7 @@
                     <m:f>
                       <m:fPr>
                         <m:ctrlPr>
-                          <a:rPr lang="en-US" altLang="zh-CN" i="1" smtClean="0">
+                          <a:rPr lang="en-US" altLang="zh-CN" i="1">
                             <a:latin typeface="Cambria Math" panose="02040503050406030204" pitchFamily="18" charset="0"/>
                           </a:rPr>
                         </m:ctrlPr>
@@ -10721,19 +10738,19 @@
                           <m:rPr>
                             <m:sty m:val="p"/>
                           </m:rPr>
-                          <a:rPr lang="en-US" altLang="zh-CN" b="0" i="0" smtClean="0">
+                          <a:rPr lang="en-US" altLang="zh-CN">
                             <a:latin typeface="Cambria Math" panose="02040503050406030204" pitchFamily="18" charset="0"/>
                           </a:rPr>
                           <m:t>exp</m:t>
                         </m:r>
                         <m:r>
-                          <a:rPr lang="en-US" altLang="zh-CN" b="0" i="1" smtClean="0">
+                          <a:rPr lang="en-US" altLang="zh-CN" i="1">
                             <a:latin typeface="Cambria Math" panose="02040503050406030204" pitchFamily="18" charset="0"/>
                           </a:rPr>
                           <m:t>𝑥</m:t>
                         </m:r>
                         <m:r>
-                          <a:rPr lang="en-US" altLang="zh-CN" b="0" i="1" baseline="-25000" smtClean="0">
+                          <a:rPr lang="en-US" altLang="zh-CN" i="1" baseline="-25000">
                             <a:latin typeface="Cambria Math" panose="02040503050406030204" pitchFamily="18" charset="0"/>
                           </a:rPr>
                           <m:t>2</m:t>
@@ -10741,7 +10758,7 @@
                       </m:num>
                       <m:den>
                         <m:r>
-                          <a:rPr lang="en-US" altLang="zh-CN" b="0" i="1" smtClean="0">
+                          <a:rPr lang="en-US" altLang="zh-CN" i="1">
                             <a:latin typeface="Cambria Math" panose="02040503050406030204" pitchFamily="18" charset="0"/>
                           </a:rPr>
                           <m:t>𝑆</m:t>
@@ -10757,7 +10774,7 @@
             </p:txBody>
           </p:sp>
         </mc:Choice>
-        <mc:Fallback xmlns="">
+        <mc:Fallback>
           <p:sp>
             <p:nvSpPr>
               <p:cNvPr id="139" name="文本框 138"/>
@@ -10768,16 +10785,16 @@
             </p:nvSpPr>
             <p:spPr>
               <a:xfrm>
-                <a:off x="4388017" y="3069581"/>
+                <a:off x="4388022" y="3069581"/>
                 <a:ext cx="963725" cy="463268"/>
               </a:xfrm>
               <a:prstGeom prst="rect">
                 <a:avLst/>
               </a:prstGeom>
-              <a:blipFill rotWithShape="1">
+              <a:blipFill>
                 <a:blip r:embed="rId4"/>
                 <a:stretch>
-                  <a:fillRect l="-17" t="-135" r="62" b="74"/>
+                  <a:fillRect l="-5696" t="-1316" b="-6579"/>
                 </a:stretch>
               </a:blipFill>
             </p:spPr>
@@ -10796,8 +10813,8 @@
           </p:sp>
         </mc:Fallback>
       </mc:AlternateContent>
-      <mc:AlternateContent xmlns:mc="http://schemas.openxmlformats.org/markup-compatibility/2006" xmlns:a14="http://schemas.microsoft.com/office/drawing/2010/main">
-        <mc:Choice Requires="a14">
+      <mc:AlternateContent xmlns:mc="http://schemas.openxmlformats.org/markup-compatibility/2006">
+        <mc:Choice xmlns:a14="http://schemas.microsoft.com/office/drawing/2010/main" Requires="a14">
           <p:sp>
             <p:nvSpPr>
               <p:cNvPr id="142" name="文本框 141"/>
@@ -10806,7 +10823,7 @@
             </p:nvSpPr>
             <p:spPr>
               <a:xfrm>
-                <a:off x="4399351" y="4184457"/>
+                <a:off x="4399356" y="4184458"/>
                 <a:ext cx="963725" cy="463268"/>
               </a:xfrm>
               <a:prstGeom prst="rect">
@@ -10843,7 +10860,7 @@
                     <m:f>
                       <m:fPr>
                         <m:ctrlPr>
-                          <a:rPr lang="en-US" altLang="zh-CN" i="1" smtClean="0">
+                          <a:rPr lang="en-US" altLang="zh-CN" i="1">
                             <a:latin typeface="Cambria Math" panose="02040503050406030204" pitchFamily="18" charset="0"/>
                           </a:rPr>
                         </m:ctrlPr>
@@ -10853,19 +10870,19 @@
                           <m:rPr>
                             <m:sty m:val="p"/>
                           </m:rPr>
-                          <a:rPr lang="en-US" altLang="zh-CN" b="0" i="0" smtClean="0">
+                          <a:rPr lang="en-US" altLang="zh-CN">
                             <a:latin typeface="Cambria Math" panose="02040503050406030204" pitchFamily="18" charset="0"/>
                           </a:rPr>
                           <m:t>exp</m:t>
                         </m:r>
                         <m:r>
-                          <a:rPr lang="en-US" altLang="zh-CN" b="0" i="1" smtClean="0">
+                          <a:rPr lang="en-US" altLang="zh-CN" i="1">
                             <a:latin typeface="Cambria Math" panose="02040503050406030204" pitchFamily="18" charset="0"/>
                           </a:rPr>
                           <m:t>𝑥</m:t>
                         </m:r>
                         <m:r>
-                          <a:rPr lang="en-US" altLang="zh-CN" b="0" i="1" baseline="-25000" smtClean="0">
+                          <a:rPr lang="en-US" altLang="zh-CN" i="1" baseline="-25000">
                             <a:latin typeface="Cambria Math" panose="02040503050406030204" pitchFamily="18" charset="0"/>
                           </a:rPr>
                           <m:t>3</m:t>
@@ -10873,7 +10890,7 @@
                       </m:num>
                       <m:den>
                         <m:r>
-                          <a:rPr lang="en-US" altLang="zh-CN" b="0" i="1" smtClean="0">
+                          <a:rPr lang="en-US" altLang="zh-CN" i="1">
                             <a:latin typeface="Cambria Math" panose="02040503050406030204" pitchFamily="18" charset="0"/>
                           </a:rPr>
                           <m:t>𝑆</m:t>
@@ -10889,7 +10906,7 @@
             </p:txBody>
           </p:sp>
         </mc:Choice>
-        <mc:Fallback xmlns="">
+        <mc:Fallback>
           <p:sp>
             <p:nvSpPr>
               <p:cNvPr id="142" name="文本框 141"/>
@@ -10900,16 +10917,16 @@
             </p:nvSpPr>
             <p:spPr>
               <a:xfrm>
-                <a:off x="4399351" y="4184457"/>
+                <a:off x="4399356" y="4184458"/>
                 <a:ext cx="963725" cy="463268"/>
               </a:xfrm>
               <a:prstGeom prst="rect">
                 <a:avLst/>
               </a:prstGeom>
-              <a:blipFill rotWithShape="1">
+              <a:blipFill>
                 <a:blip r:embed="rId5"/>
                 <a:stretch>
-                  <a:fillRect l="-7" t="-95" r="52" b="35"/>
+                  <a:fillRect l="-5696" b="-6579"/>
                 </a:stretch>
               </a:blipFill>
             </p:spPr>
@@ -10936,8 +10953,8 @@
         </p:nvSpPr>
         <p:spPr>
           <a:xfrm>
-            <a:off x="6915501" y="1548148"/>
-            <a:ext cx="2776722" cy="369332"/>
+            <a:off x="6915501" y="1548149"/>
+            <a:ext cx="2699778" cy="369332"/>
           </a:xfrm>
           <a:prstGeom prst="rect">
             <a:avLst/>
@@ -11112,7 +11129,7 @@
         </p:nvSpPr>
         <p:spPr>
           <a:xfrm>
-            <a:off x="6804741" y="3090140"/>
+            <a:off x="6804743" y="3090140"/>
             <a:ext cx="913456" cy="369332"/>
           </a:xfrm>
           <a:prstGeom prst="rect">
@@ -11253,7 +11270,7 @@
         </p:nvSpPr>
         <p:spPr>
           <a:xfrm>
-            <a:off x="4263267" y="2278881"/>
+            <a:off x="4263272" y="2278886"/>
             <a:ext cx="285471" cy="285471"/>
           </a:xfrm>
           <a:prstGeom prst="flowChartConnector">
@@ -11307,7 +11324,7 @@
         </p:nvCxnSpPr>
         <p:spPr>
           <a:xfrm flipH="1" flipV="1">
-            <a:off x="4548738" y="2421617"/>
+            <a:off x="4548738" y="2421622"/>
             <a:ext cx="1004354" cy="5263"/>
           </a:xfrm>
           <a:prstGeom prst="straightConnector1">
@@ -11343,7 +11360,7 @@
         </p:nvSpPr>
         <p:spPr>
           <a:xfrm>
-            <a:off x="5553092" y="2284144"/>
+            <a:off x="5553098" y="2284149"/>
             <a:ext cx="285471" cy="285471"/>
           </a:xfrm>
           <a:prstGeom prst="flowChartConnector">
@@ -11396,7 +11413,7 @@
         </p:nvCxnSpPr>
         <p:spPr>
           <a:xfrm flipH="1" flipV="1">
-            <a:off x="3602629" y="1762215"/>
+            <a:off x="3602629" y="1762216"/>
             <a:ext cx="632770" cy="659402"/>
           </a:xfrm>
           <a:prstGeom prst="straightConnector1">
@@ -11432,7 +11449,7 @@
         </p:nvSpPr>
         <p:spPr>
           <a:xfrm>
-            <a:off x="1843945" y="2284144"/>
+            <a:off x="1843950" y="2284148"/>
             <a:ext cx="285471" cy="285471"/>
           </a:xfrm>
           <a:prstGeom prst="flowChartConnector">
@@ -11486,7 +11503,7 @@
         </p:nvCxnSpPr>
         <p:spPr>
           <a:xfrm flipH="1">
-            <a:off x="2129416" y="2421617"/>
+            <a:off x="2129422" y="2421622"/>
             <a:ext cx="2133851" cy="5263"/>
           </a:xfrm>
           <a:prstGeom prst="straightConnector1">
@@ -11522,7 +11539,7 @@
         </p:nvSpPr>
         <p:spPr>
           <a:xfrm>
-            <a:off x="5759048" y="1741199"/>
+            <a:off x="5759049" y="1741200"/>
             <a:ext cx="364202" cy="369332"/>
           </a:xfrm>
           <a:prstGeom prst="rect">
@@ -11562,7 +11579,7 @@
         </p:nvSpPr>
         <p:spPr>
           <a:xfrm>
-            <a:off x="5498213" y="2248313"/>
+            <a:off x="5498213" y="2248319"/>
             <a:ext cx="413896" cy="307777"/>
           </a:xfrm>
           <a:prstGeom prst="rect">
@@ -11597,7 +11614,7 @@
         <p:spPr>
           <a:xfrm>
             <a:off x="9040688" y="3100717"/>
-            <a:ext cx="2776722" cy="369332"/>
+            <a:ext cx="2699778" cy="369332"/>
           </a:xfrm>
           <a:prstGeom prst="rect">
             <a:avLst/>
@@ -11714,7 +11731,7 @@
         </p:nvSpPr>
         <p:spPr>
           <a:xfrm>
-            <a:off x="6762628" y="2284145"/>
+            <a:off x="6762634" y="2284151"/>
             <a:ext cx="285471" cy="285471"/>
           </a:xfrm>
           <a:prstGeom prst="flowChartConnector">
@@ -11765,7 +11782,7 @@
         </p:nvSpPr>
         <p:spPr>
           <a:xfrm>
-            <a:off x="8745050" y="3387950"/>
+            <a:off x="8745050" y="3387951"/>
             <a:ext cx="295638" cy="369332"/>
           </a:xfrm>
           <a:prstGeom prst="rect">
@@ -11802,7 +11819,7 @@
         </p:nvCxnSpPr>
         <p:spPr>
           <a:xfrm flipH="1" flipV="1">
-            <a:off x="5838563" y="2426880"/>
+            <a:off x="5838569" y="2426886"/>
             <a:ext cx="924065" cy="1"/>
           </a:xfrm>
           <a:prstGeom prst="straightConnector1">
@@ -11840,7 +11857,7 @@
         </p:nvCxnSpPr>
         <p:spPr>
           <a:xfrm flipH="1">
-            <a:off x="1012531" y="2426880"/>
+            <a:off x="1012531" y="2426884"/>
             <a:ext cx="831414" cy="6099"/>
           </a:xfrm>
           <a:prstGeom prst="straightConnector1">
@@ -11876,7 +11893,7 @@
         </p:nvSpPr>
         <p:spPr>
           <a:xfrm>
-            <a:off x="2582795" y="1510956"/>
+            <a:off x="2582801" y="1510961"/>
             <a:ext cx="285471" cy="285471"/>
           </a:xfrm>
           <a:prstGeom prst="flowChartConnector">
@@ -11927,7 +11944,7 @@
         </p:nvSpPr>
         <p:spPr>
           <a:xfrm>
-            <a:off x="2566773" y="1472820"/>
+            <a:off x="2566772" y="1472821"/>
             <a:ext cx="314510" cy="369332"/>
           </a:xfrm>
           <a:prstGeom prst="rect">
@@ -11961,7 +11978,7 @@
         </p:nvSpPr>
         <p:spPr>
           <a:xfrm>
-            <a:off x="3358964" y="1518550"/>
+            <a:off x="3358970" y="1518556"/>
             <a:ext cx="285471" cy="285471"/>
           </a:xfrm>
           <a:prstGeom prst="flowChartConnector">
@@ -12012,7 +12029,7 @@
         </p:nvSpPr>
         <p:spPr>
           <a:xfrm>
-            <a:off x="3381901" y="1476619"/>
+            <a:off x="3381901" y="1476620"/>
             <a:ext cx="252126" cy="369332"/>
           </a:xfrm>
           <a:prstGeom prst="rect">
@@ -12088,7 +12105,7 @@
         </p:nvCxnSpPr>
         <p:spPr>
           <a:xfrm flipH="1">
-            <a:off x="2129416" y="1754621"/>
+            <a:off x="2129421" y="1754626"/>
             <a:ext cx="495185" cy="672259"/>
           </a:xfrm>
           <a:prstGeom prst="straightConnector1">
@@ -12126,7 +12143,7 @@
         </p:nvCxnSpPr>
         <p:spPr>
           <a:xfrm>
-            <a:off x="6096000" y="2037402"/>
+            <a:off x="6096001" y="2037408"/>
             <a:ext cx="666628" cy="389479"/>
           </a:xfrm>
           <a:prstGeom prst="straightConnector1">
@@ -12162,7 +12179,7 @@
         </p:nvSpPr>
         <p:spPr>
           <a:xfrm>
-            <a:off x="7554602" y="3429881"/>
+            <a:off x="7554607" y="3429887"/>
             <a:ext cx="285471" cy="285471"/>
           </a:xfrm>
           <a:prstGeom prst="flowChartConnector">
@@ -12213,7 +12230,7 @@
         </p:nvSpPr>
         <p:spPr>
           <a:xfrm>
-            <a:off x="8755217" y="3429881"/>
+            <a:off x="8755222" y="3429887"/>
             <a:ext cx="285471" cy="285471"/>
           </a:xfrm>
           <a:prstGeom prst="flowChartConnector">
@@ -12264,7 +12281,7 @@
         </p:nvCxnSpPr>
         <p:spPr>
           <a:xfrm flipH="1" flipV="1">
-            <a:off x="7006293" y="2540992"/>
+            <a:off x="7006299" y="2540997"/>
             <a:ext cx="548309" cy="1044807"/>
           </a:xfrm>
           <a:prstGeom prst="straightConnector1">
@@ -12303,7 +12320,7 @@
         </p:nvCxnSpPr>
         <p:spPr>
           <a:xfrm flipH="1">
-            <a:off x="7840073" y="3572617"/>
+            <a:off x="7840074" y="3572617"/>
             <a:ext cx="915144" cy="0"/>
           </a:xfrm>
           <a:prstGeom prst="straightConnector1">
@@ -12341,7 +12358,7 @@
         </p:nvCxnSpPr>
         <p:spPr>
           <a:xfrm flipH="1">
-            <a:off x="9040688" y="3572616"/>
+            <a:off x="9040694" y="3572622"/>
             <a:ext cx="2708237" cy="1"/>
           </a:xfrm>
           <a:prstGeom prst="straightConnector1">
@@ -12377,7 +12394,7 @@
         </p:nvSpPr>
         <p:spPr>
           <a:xfrm>
-            <a:off x="4263267" y="3429882"/>
+            <a:off x="4263272" y="3429888"/>
             <a:ext cx="285471" cy="285471"/>
           </a:xfrm>
           <a:prstGeom prst="flowChartConnector">
@@ -12431,7 +12448,7 @@
         </p:nvCxnSpPr>
         <p:spPr>
           <a:xfrm flipH="1" flipV="1">
-            <a:off x="4548738" y="3572618"/>
+            <a:off x="4548738" y="3572623"/>
             <a:ext cx="1004354" cy="5263"/>
           </a:xfrm>
           <a:prstGeom prst="straightConnector1">
@@ -12467,7 +12484,7 @@
         </p:nvSpPr>
         <p:spPr>
           <a:xfrm>
-            <a:off x="5553092" y="3435145"/>
+            <a:off x="5553098" y="3435151"/>
             <a:ext cx="285471" cy="285471"/>
           </a:xfrm>
           <a:prstGeom prst="flowChartConnector">
@@ -12518,7 +12535,7 @@
         </p:nvSpPr>
         <p:spPr>
           <a:xfrm>
-            <a:off x="1843945" y="3435145"/>
+            <a:off x="1843950" y="3435150"/>
             <a:ext cx="285471" cy="285471"/>
           </a:xfrm>
           <a:prstGeom prst="flowChartConnector">
@@ -12572,7 +12589,7 @@
         </p:nvCxnSpPr>
         <p:spPr>
           <a:xfrm flipH="1">
-            <a:off x="2129416" y="3572618"/>
+            <a:off x="2129422" y="3572623"/>
             <a:ext cx="2133851" cy="5263"/>
           </a:xfrm>
           <a:prstGeom prst="straightConnector1">
@@ -12608,7 +12625,7 @@
         </p:nvSpPr>
         <p:spPr>
           <a:xfrm>
-            <a:off x="6762628" y="3435146"/>
+            <a:off x="6762634" y="3435151"/>
             <a:ext cx="285471" cy="285471"/>
           </a:xfrm>
           <a:prstGeom prst="flowChartConnector">
@@ -12662,7 +12679,7 @@
         </p:nvCxnSpPr>
         <p:spPr>
           <a:xfrm flipH="1" flipV="1">
-            <a:off x="5838563" y="3577881"/>
+            <a:off x="5838569" y="3577887"/>
             <a:ext cx="924065" cy="1"/>
           </a:xfrm>
           <a:prstGeom prst="straightConnector1">
@@ -12700,7 +12717,7 @@
         </p:nvCxnSpPr>
         <p:spPr>
           <a:xfrm flipH="1" flipV="1">
-            <a:off x="1014857" y="3577880"/>
+            <a:off x="1014857" y="3577884"/>
             <a:ext cx="829088" cy="1"/>
           </a:xfrm>
           <a:prstGeom prst="straightConnector1">
@@ -12736,7 +12753,7 @@
         </p:nvSpPr>
         <p:spPr>
           <a:xfrm>
-            <a:off x="4263267" y="4552280"/>
+            <a:off x="4263272" y="4552285"/>
             <a:ext cx="285471" cy="285471"/>
           </a:xfrm>
           <a:prstGeom prst="flowChartConnector">
@@ -12790,7 +12807,7 @@
         </p:nvCxnSpPr>
         <p:spPr>
           <a:xfrm flipH="1" flipV="1">
-            <a:off x="4548738" y="4695016"/>
+            <a:off x="4548738" y="4695022"/>
             <a:ext cx="1004354" cy="5263"/>
           </a:xfrm>
           <a:prstGeom prst="straightConnector1">
@@ -12826,7 +12843,7 @@
         </p:nvSpPr>
         <p:spPr>
           <a:xfrm>
-            <a:off x="5553092" y="4557543"/>
+            <a:off x="5553098" y="4557548"/>
             <a:ext cx="285471" cy="285471"/>
           </a:xfrm>
           <a:prstGeom prst="flowChartConnector">
@@ -12877,7 +12894,7 @@
         </p:nvSpPr>
         <p:spPr>
           <a:xfrm>
-            <a:off x="1843945" y="4557543"/>
+            <a:off x="1843950" y="4557547"/>
             <a:ext cx="285471" cy="285471"/>
           </a:xfrm>
           <a:prstGeom prst="flowChartConnector">
@@ -12931,7 +12948,7 @@
         </p:nvCxnSpPr>
         <p:spPr>
           <a:xfrm flipH="1">
-            <a:off x="2129416" y="4695016"/>
+            <a:off x="2129422" y="4695022"/>
             <a:ext cx="2133851" cy="5263"/>
           </a:xfrm>
           <a:prstGeom prst="straightConnector1">
@@ -12967,7 +12984,7 @@
         </p:nvSpPr>
         <p:spPr>
           <a:xfrm>
-            <a:off x="6762628" y="4557544"/>
+            <a:off x="6762634" y="4557550"/>
             <a:ext cx="285471" cy="285471"/>
           </a:xfrm>
           <a:prstGeom prst="flowChartConnector">
@@ -13021,7 +13038,7 @@
         </p:nvCxnSpPr>
         <p:spPr>
           <a:xfrm flipH="1" flipV="1">
-            <a:off x="5838563" y="4700279"/>
+            <a:off x="5838569" y="4700285"/>
             <a:ext cx="924065" cy="1"/>
           </a:xfrm>
           <a:prstGeom prst="straightConnector1">
@@ -13097,7 +13114,7 @@
         </p:nvCxnSpPr>
         <p:spPr>
           <a:xfrm>
-            <a:off x="6108214" y="3182579"/>
+            <a:off x="6108215" y="3182584"/>
             <a:ext cx="654414" cy="395303"/>
           </a:xfrm>
           <a:prstGeom prst="straightConnector1">
@@ -13135,7 +13152,7 @@
         </p:nvCxnSpPr>
         <p:spPr>
           <a:xfrm>
-            <a:off x="6108214" y="4353053"/>
+            <a:off x="6108215" y="4353058"/>
             <a:ext cx="654414" cy="347227"/>
           </a:xfrm>
           <a:prstGeom prst="straightConnector1">
@@ -13174,7 +13191,7 @@
         </p:nvCxnSpPr>
         <p:spPr>
           <a:xfrm flipH="1">
-            <a:off x="7048099" y="3572617"/>
+            <a:off x="7048105" y="3572622"/>
             <a:ext cx="506503" cy="5265"/>
           </a:xfrm>
           <a:prstGeom prst="straightConnector1">
@@ -13213,8 +13230,8 @@
         </p:nvCxnSpPr>
         <p:spPr>
           <a:xfrm flipH="1">
-            <a:off x="7006293" y="3572616"/>
-            <a:ext cx="529032" cy="1026734"/>
+            <a:off x="7006299" y="3572617"/>
+            <a:ext cx="529026" cy="1026739"/>
           </a:xfrm>
           <a:prstGeom prst="straightConnector1">
             <a:avLst/>
@@ -13252,7 +13269,7 @@
         </p:nvCxnSpPr>
         <p:spPr>
           <a:xfrm flipH="1">
-            <a:off x="2129416" y="1754621"/>
+            <a:off x="2129421" y="1754621"/>
             <a:ext cx="495185" cy="1823260"/>
           </a:xfrm>
           <a:prstGeom prst="straightConnector1">
@@ -13291,7 +13308,7 @@
         </p:nvCxnSpPr>
         <p:spPr>
           <a:xfrm flipH="1">
-            <a:off x="2129416" y="1754621"/>
+            <a:off x="2129421" y="1754621"/>
             <a:ext cx="495185" cy="2945658"/>
           </a:xfrm>
           <a:prstGeom prst="straightConnector1">
@@ -13330,8 +13347,8 @@
         </p:nvCxnSpPr>
         <p:spPr>
           <a:xfrm flipH="1" flipV="1">
-            <a:off x="3602629" y="1762215"/>
-            <a:ext cx="627117" cy="1800798"/>
+            <a:off x="3602635" y="1762221"/>
+            <a:ext cx="627112" cy="1800793"/>
           </a:xfrm>
           <a:prstGeom prst="straightConnector1">
             <a:avLst/>
@@ -13368,8 +13385,8 @@
         </p:nvCxnSpPr>
         <p:spPr>
           <a:xfrm flipH="1" flipV="1">
-            <a:off x="3607579" y="1747413"/>
-            <a:ext cx="632903" cy="2940630"/>
+            <a:off x="3607585" y="1747417"/>
+            <a:ext cx="632898" cy="2940627"/>
           </a:xfrm>
           <a:prstGeom prst="straightConnector1">
             <a:avLst/>
@@ -13404,7 +13421,7 @@
         </p:nvSpPr>
         <p:spPr>
           <a:xfrm>
-            <a:off x="7535325" y="3387950"/>
+            <a:off x="7535325" y="3387951"/>
             <a:ext cx="314510" cy="369332"/>
           </a:xfrm>
           <a:prstGeom prst="rect">
@@ -13438,7 +13455,7 @@
         </p:nvSpPr>
         <p:spPr>
           <a:xfrm>
-            <a:off x="6747378" y="4495788"/>
+            <a:off x="6747379" y="4495788"/>
             <a:ext cx="295638" cy="369332"/>
           </a:xfrm>
           <a:prstGeom prst="rect">
@@ -13472,7 +13489,7 @@
         </p:nvSpPr>
         <p:spPr>
           <a:xfrm>
-            <a:off x="6736642" y="3370758"/>
+            <a:off x="6736643" y="3370758"/>
             <a:ext cx="295638" cy="369332"/>
           </a:xfrm>
           <a:prstGeom prst="rect">
@@ -13506,7 +13523,7 @@
         </p:nvSpPr>
         <p:spPr>
           <a:xfrm>
-            <a:off x="6747378" y="2240724"/>
+            <a:off x="6747379" y="2240725"/>
             <a:ext cx="295638" cy="369332"/>
           </a:xfrm>
           <a:prstGeom prst="rect">
@@ -13540,7 +13557,7 @@
         </p:nvSpPr>
         <p:spPr>
           <a:xfrm>
-            <a:off x="5488879" y="3406413"/>
+            <a:off x="5488879" y="3406419"/>
             <a:ext cx="413896" cy="307777"/>
           </a:xfrm>
           <a:prstGeom prst="rect">
@@ -13574,7 +13591,7 @@
         </p:nvSpPr>
         <p:spPr>
           <a:xfrm>
-            <a:off x="5492608" y="4526082"/>
+            <a:off x="5492608" y="4526087"/>
             <a:ext cx="413896" cy="307777"/>
           </a:xfrm>
           <a:prstGeom prst="rect">
@@ -13608,7 +13625,7 @@
         </p:nvSpPr>
         <p:spPr>
           <a:xfrm>
-            <a:off x="4240482" y="4503377"/>
+            <a:off x="4240483" y="4503378"/>
             <a:ext cx="295638" cy="369332"/>
           </a:xfrm>
           <a:prstGeom prst="rect">
@@ -13642,7 +13659,7 @@
         </p:nvSpPr>
         <p:spPr>
           <a:xfrm>
-            <a:off x="4229746" y="3378347"/>
+            <a:off x="4229747" y="3378348"/>
             <a:ext cx="295638" cy="369332"/>
           </a:xfrm>
           <a:prstGeom prst="rect">
@@ -13676,7 +13693,7 @@
         </p:nvSpPr>
         <p:spPr>
           <a:xfrm>
-            <a:off x="4240482" y="2248313"/>
+            <a:off x="4240483" y="2248313"/>
             <a:ext cx="295638" cy="369332"/>
           </a:xfrm>
           <a:prstGeom prst="rect">
@@ -13710,7 +13727,7 @@
         </p:nvSpPr>
         <p:spPr>
           <a:xfrm>
-            <a:off x="1773743" y="2248373"/>
+            <a:off x="1773743" y="2248377"/>
             <a:ext cx="444352" cy="307777"/>
           </a:xfrm>
           <a:prstGeom prst="rect">
@@ -13744,7 +13761,7 @@
         </p:nvSpPr>
         <p:spPr>
           <a:xfrm>
-            <a:off x="1779276" y="3406864"/>
+            <a:off x="1779276" y="3406869"/>
             <a:ext cx="444352" cy="307777"/>
           </a:xfrm>
           <a:prstGeom prst="rect">
@@ -13778,7 +13795,7 @@
         </p:nvSpPr>
         <p:spPr>
           <a:xfrm>
-            <a:off x="1783005" y="4526533"/>
+            <a:off x="1783005" y="4526537"/>
             <a:ext cx="444352" cy="307777"/>
           </a:xfrm>
           <a:prstGeom prst="rect">
@@ -13812,7 +13829,7 @@
         </p:nvSpPr>
         <p:spPr>
           <a:xfrm>
-            <a:off x="5783556" y="2892200"/>
+            <a:off x="5783556" y="2892201"/>
             <a:ext cx="364202" cy="369332"/>
           </a:xfrm>
           <a:prstGeom prst="rect">
@@ -13892,7 +13909,7 @@
         </p:nvSpPr>
         <p:spPr>
           <a:xfrm>
-            <a:off x="7749831" y="2813247"/>
+            <a:off x="7749831" y="2813248"/>
             <a:ext cx="463038" cy="369332"/>
           </a:xfrm>
           <a:prstGeom prst="rect">
@@ -13928,8 +13945,8 @@
         </p:nvCxnSpPr>
         <p:spPr>
           <a:xfrm>
-            <a:off x="8086783" y="3109450"/>
-            <a:ext cx="658267" cy="463166"/>
+            <a:off x="8086784" y="3109452"/>
+            <a:ext cx="658266" cy="463165"/>
           </a:xfrm>
           <a:prstGeom prst="straightConnector1">
             <a:avLst/>
@@ -13964,7 +13981,7 @@
         </p:nvSpPr>
         <p:spPr>
           <a:xfrm>
-            <a:off x="8147348" y="3628184"/>
+            <a:off x="8147348" y="3628185"/>
             <a:ext cx="463038" cy="369332"/>
           </a:xfrm>
           <a:prstGeom prst="rect">
@@ -14100,7 +14117,7 @@
         </p:nvSpPr>
         <p:spPr>
           <a:xfrm>
-            <a:off x="7032280" y="2971701"/>
+            <a:off x="7032281" y="2971702"/>
             <a:ext cx="463038" cy="369332"/>
           </a:xfrm>
           <a:prstGeom prst="rect">
@@ -14180,7 +14197,7 @@
         </p:nvSpPr>
         <p:spPr>
           <a:xfrm>
-            <a:off x="6195893" y="3544656"/>
+            <a:off x="6195894" y="3544656"/>
             <a:ext cx="463038" cy="369332"/>
           </a:xfrm>
           <a:prstGeom prst="rect">
@@ -14226,7 +14243,7 @@
         </p:nvSpPr>
         <p:spPr>
           <a:xfrm>
-            <a:off x="6196277" y="4692846"/>
+            <a:off x="6196278" y="4692846"/>
             <a:ext cx="463038" cy="369332"/>
           </a:xfrm>
           <a:prstGeom prst="rect">
@@ -14264,8 +14281,8 @@
           </a:p>
         </p:txBody>
       </p:sp>
-      <mc:AlternateContent xmlns:mc="http://schemas.openxmlformats.org/markup-compatibility/2006" xmlns:a14="http://schemas.microsoft.com/office/drawing/2010/main">
-        <mc:Choice Requires="a14">
+      <mc:AlternateContent xmlns:mc="http://schemas.openxmlformats.org/markup-compatibility/2006">
+        <mc:Choice xmlns:a14="http://schemas.microsoft.com/office/drawing/2010/main" Requires="a14">
           <p:sp>
             <p:nvSpPr>
               <p:cNvPr id="259" name="文本框 258"/>
@@ -14274,7 +14291,7 @@
             </p:nvSpPr>
             <p:spPr>
               <a:xfrm>
-                <a:off x="4916255" y="2410965"/>
+                <a:off x="4916255" y="2410971"/>
                 <a:ext cx="463038" cy="493405"/>
               </a:xfrm>
               <a:prstGeom prst="rect">
@@ -14299,7 +14316,7 @@
                     <m:f>
                       <m:fPr>
                         <m:ctrlPr>
-                          <a:rPr lang="en-US" altLang="zh-CN" i="1" dirty="0" smtClean="0">
+                          <a:rPr lang="en-US" altLang="zh-CN" i="1" dirty="0">
                             <a:latin typeface="Cambria Math" panose="02040503050406030204" pitchFamily="18" charset="0"/>
                           </a:rPr>
                         </m:ctrlPr>
@@ -14320,13 +14337,13 @@
                       </m:num>
                       <m:den>
                         <m:r>
-                          <a:rPr lang="en-US" altLang="zh-CN" b="0" i="1" dirty="0" smtClean="0">
+                          <a:rPr lang="en-US" altLang="zh-CN" i="1" dirty="0">
                             <a:latin typeface="Cambria Math" panose="02040503050406030204" pitchFamily="18" charset="0"/>
                           </a:rPr>
                           <m:t>𝑝</m:t>
                         </m:r>
                         <m:r>
-                          <a:rPr lang="en-US" altLang="zh-CN" b="0" i="1" baseline="-25000" dirty="0" smtClean="0">
+                          <a:rPr lang="en-US" altLang="zh-CN" i="1" baseline="-25000" dirty="0">
                             <a:latin typeface="Cambria Math" panose="02040503050406030204" pitchFamily="18" charset="0"/>
                           </a:rPr>
                           <m:t>1</m:t>
@@ -14342,7 +14359,7 @@
             </p:txBody>
           </p:sp>
         </mc:Choice>
-        <mc:Fallback xmlns="">
+        <mc:Fallback>
           <p:sp>
             <p:nvSpPr>
               <p:cNvPr id="259" name="文本框 258"/>
@@ -14353,16 +14370,16 @@
             </p:nvSpPr>
             <p:spPr>
               <a:xfrm>
-                <a:off x="4916255" y="2410965"/>
+                <a:off x="4916255" y="2410971"/>
                 <a:ext cx="463038" cy="493405"/>
               </a:xfrm>
               <a:prstGeom prst="rect">
                 <a:avLst/>
               </a:prstGeom>
-              <a:blipFill rotWithShape="1">
+              <a:blipFill>
                 <a:blip r:embed="rId2"/>
                 <a:stretch>
-                  <a:fillRect l="-18" t="-102" r="45" b="104"/>
+                  <a:fillRect l="-10526" t="-1250" b="-2500"/>
                 </a:stretch>
               </a:blipFill>
             </p:spPr>
@@ -14381,8 +14398,8 @@
           </p:sp>
         </mc:Fallback>
       </mc:AlternateContent>
-      <mc:AlternateContent xmlns:mc="http://schemas.openxmlformats.org/markup-compatibility/2006" xmlns:a14="http://schemas.microsoft.com/office/drawing/2010/main">
-        <mc:Choice Requires="a14">
+      <mc:AlternateContent xmlns:mc="http://schemas.openxmlformats.org/markup-compatibility/2006">
+        <mc:Choice xmlns:a14="http://schemas.microsoft.com/office/drawing/2010/main" Requires="a14">
           <p:sp>
             <p:nvSpPr>
               <p:cNvPr id="260" name="文本框 259"/>
@@ -14391,7 +14408,7 @@
             </p:nvSpPr>
             <p:spPr>
               <a:xfrm>
-                <a:off x="4948130" y="3624316"/>
+                <a:off x="4948131" y="3624322"/>
                 <a:ext cx="463038" cy="493405"/>
               </a:xfrm>
               <a:prstGeom prst="rect">
@@ -14416,7 +14433,7 @@
                     <m:f>
                       <m:fPr>
                         <m:ctrlPr>
-                          <a:rPr lang="en-US" altLang="zh-CN" i="1" dirty="0" smtClean="0">
+                          <a:rPr lang="en-US" altLang="zh-CN" i="1" dirty="0">
                             <a:latin typeface="Cambria Math" panose="02040503050406030204" pitchFamily="18" charset="0"/>
                           </a:rPr>
                         </m:ctrlPr>
@@ -14429,7 +14446,7 @@
                           <m:t>𝑦</m:t>
                         </m:r>
                         <m:r>
-                          <a:rPr lang="en-US" altLang="zh-CN" b="0" i="1" baseline="-25000" dirty="0" smtClean="0">
+                          <a:rPr lang="en-US" altLang="zh-CN" i="1" baseline="-25000" dirty="0">
                             <a:latin typeface="Cambria Math" panose="02040503050406030204" pitchFamily="18" charset="0"/>
                           </a:rPr>
                           <m:t>2</m:t>
@@ -14437,13 +14454,13 @@
                       </m:num>
                       <m:den>
                         <m:r>
-                          <a:rPr lang="en-US" altLang="zh-CN" b="0" i="1" dirty="0" smtClean="0">
+                          <a:rPr lang="en-US" altLang="zh-CN" i="1" dirty="0">
                             <a:latin typeface="Cambria Math" panose="02040503050406030204" pitchFamily="18" charset="0"/>
                           </a:rPr>
                           <m:t>𝑝</m:t>
                         </m:r>
                         <m:r>
-                          <a:rPr lang="en-US" altLang="zh-CN" b="0" i="1" baseline="-25000" dirty="0" smtClean="0">
+                          <a:rPr lang="en-US" altLang="zh-CN" i="1" baseline="-25000" dirty="0">
                             <a:latin typeface="Cambria Math" panose="02040503050406030204" pitchFamily="18" charset="0"/>
                           </a:rPr>
                           <m:t>2</m:t>
@@ -14459,7 +14476,7 @@
             </p:txBody>
           </p:sp>
         </mc:Choice>
-        <mc:Fallback xmlns="">
+        <mc:Fallback>
           <p:sp>
             <p:nvSpPr>
               <p:cNvPr id="260" name="文本框 259"/>
@@ -14470,16 +14487,16 @@
             </p:nvSpPr>
             <p:spPr>
               <a:xfrm>
-                <a:off x="4948130" y="3624316"/>
+                <a:off x="4948131" y="3624322"/>
                 <a:ext cx="463038" cy="493405"/>
               </a:xfrm>
               <a:prstGeom prst="rect">
                 <a:avLst/>
               </a:prstGeom>
-              <a:blipFill rotWithShape="1">
+              <a:blipFill>
                 <a:blip r:embed="rId3"/>
                 <a:stretch>
-                  <a:fillRect l="-45" t="-75" r="72" b="77"/>
+                  <a:fillRect l="-11842" t="-1250" b="-2500"/>
                 </a:stretch>
               </a:blipFill>
             </p:spPr>
@@ -14498,8 +14515,8 @@
           </p:sp>
         </mc:Fallback>
       </mc:AlternateContent>
-      <mc:AlternateContent xmlns:mc="http://schemas.openxmlformats.org/markup-compatibility/2006" xmlns:a14="http://schemas.microsoft.com/office/drawing/2010/main">
-        <mc:Choice Requires="a14">
+      <mc:AlternateContent xmlns:mc="http://schemas.openxmlformats.org/markup-compatibility/2006">
+        <mc:Choice xmlns:a14="http://schemas.microsoft.com/office/drawing/2010/main" Requires="a14">
           <p:sp>
             <p:nvSpPr>
               <p:cNvPr id="261" name="文本框 260"/>
@@ -14508,7 +14525,7 @@
             </p:nvSpPr>
             <p:spPr>
               <a:xfrm>
-                <a:off x="4952456" y="4741451"/>
+                <a:off x="4952457" y="4741457"/>
                 <a:ext cx="463038" cy="493405"/>
               </a:xfrm>
               <a:prstGeom prst="rect">
@@ -14533,7 +14550,7 @@
                     <m:f>
                       <m:fPr>
                         <m:ctrlPr>
-                          <a:rPr lang="en-US" altLang="zh-CN" i="1" dirty="0" smtClean="0">
+                          <a:rPr lang="en-US" altLang="zh-CN" i="1" dirty="0">
                             <a:latin typeface="Cambria Math" panose="02040503050406030204" pitchFamily="18" charset="0"/>
                           </a:rPr>
                         </m:ctrlPr>
@@ -14546,7 +14563,7 @@
                           <m:t>𝑦</m:t>
                         </m:r>
                         <m:r>
-                          <a:rPr lang="en-US" altLang="zh-CN" b="0" i="1" baseline="-25000" dirty="0" smtClean="0">
+                          <a:rPr lang="en-US" altLang="zh-CN" i="1" baseline="-25000" dirty="0">
                             <a:latin typeface="Cambria Math" panose="02040503050406030204" pitchFamily="18" charset="0"/>
                           </a:rPr>
                           <m:t>3</m:t>
@@ -14554,13 +14571,13 @@
                       </m:num>
                       <m:den>
                         <m:r>
-                          <a:rPr lang="en-US" altLang="zh-CN" b="0" i="1" dirty="0" smtClean="0">
+                          <a:rPr lang="en-US" altLang="zh-CN" i="1" dirty="0">
                             <a:latin typeface="Cambria Math" panose="02040503050406030204" pitchFamily="18" charset="0"/>
                           </a:rPr>
                           <m:t>𝑝</m:t>
                         </m:r>
                         <m:r>
-                          <a:rPr lang="en-US" altLang="zh-CN" b="0" i="1" baseline="-25000" dirty="0" smtClean="0">
+                          <a:rPr lang="en-US" altLang="zh-CN" i="1" baseline="-25000" dirty="0">
                             <a:latin typeface="Cambria Math" panose="02040503050406030204" pitchFamily="18" charset="0"/>
                           </a:rPr>
                           <m:t>3</m:t>
@@ -14576,7 +14593,7 @@
             </p:txBody>
           </p:sp>
         </mc:Choice>
-        <mc:Fallback xmlns="">
+        <mc:Fallback>
           <p:sp>
             <p:nvSpPr>
               <p:cNvPr id="261" name="文本框 260"/>
@@ -14587,16 +14604,16 @@
             </p:nvSpPr>
             <p:spPr>
               <a:xfrm>
-                <a:off x="4952456" y="4741451"/>
+                <a:off x="4952457" y="4741457"/>
                 <a:ext cx="463038" cy="493405"/>
               </a:xfrm>
               <a:prstGeom prst="rect">
                 <a:avLst/>
               </a:prstGeom>
-              <a:blipFill rotWithShape="1">
+              <a:blipFill>
                 <a:blip r:embed="rId4"/>
                 <a:stretch>
-                  <a:fillRect l="-20" t="-110" r="46" b="112"/>
+                  <a:fillRect l="-10526" t="-1235" b="-1235"/>
                 </a:stretch>
               </a:blipFill>
             </p:spPr>
@@ -14623,7 +14640,7 @@
         </p:nvSpPr>
         <p:spPr>
           <a:xfrm rot="2974201">
-            <a:off x="3652118" y="2121920"/>
+            <a:off x="3652124" y="2121925"/>
             <a:ext cx="666707" cy="307777"/>
           </a:xfrm>
           <a:prstGeom prst="rect">
@@ -14675,7 +14692,7 @@
         </p:nvSpPr>
         <p:spPr>
           <a:xfrm rot="4434655">
-            <a:off x="3723608" y="3079965"/>
+            <a:off x="3723614" y="3079971"/>
             <a:ext cx="666707" cy="307777"/>
           </a:xfrm>
           <a:prstGeom prst="rect">
@@ -14727,7 +14744,7 @@
         </p:nvSpPr>
         <p:spPr>
           <a:xfrm rot="4718231">
-            <a:off x="3709826" y="4059750"/>
+            <a:off x="3709832" y="4059755"/>
             <a:ext cx="666707" cy="307777"/>
           </a:xfrm>
           <a:prstGeom prst="rect">
@@ -14771,8 +14788,8 @@
           </a:p>
         </p:txBody>
       </p:sp>
-      <mc:AlternateContent xmlns:mc="http://schemas.openxmlformats.org/markup-compatibility/2006" xmlns:a14="http://schemas.microsoft.com/office/drawing/2010/main">
-        <mc:Choice Requires="a14">
+      <mc:AlternateContent xmlns:mc="http://schemas.openxmlformats.org/markup-compatibility/2006">
+        <mc:Choice xmlns:a14="http://schemas.microsoft.com/office/drawing/2010/main" Requires="a14">
           <p:sp>
             <p:nvSpPr>
               <p:cNvPr id="270" name="文本框 269"/>
@@ -14781,7 +14798,7 @@
             </p:nvSpPr>
             <p:spPr>
               <a:xfrm>
-                <a:off x="2730003" y="2395934"/>
+                <a:off x="2730003" y="2395939"/>
                 <a:ext cx="1083114" cy="498663"/>
               </a:xfrm>
               <a:prstGeom prst="rect">
@@ -14806,7 +14823,7 @@
                     <m:f>
                       <m:fPr>
                         <m:ctrlPr>
-                          <a:rPr lang="en-US" altLang="zh-CN" i="1" dirty="0" smtClean="0">
+                          <a:rPr lang="en-US" altLang="zh-CN" i="1" dirty="0">
                             <a:latin typeface="Cambria Math" panose="02040503050406030204" pitchFamily="18" charset="0"/>
                           </a:rPr>
                         </m:ctrlPr>
@@ -14836,25 +14853,25 @@
                           <m:t>exp</m:t>
                         </m:r>
                         <m:r>
-                          <a:rPr lang="en-US" altLang="zh-CN" b="0" i="1" dirty="0" smtClean="0">
+                          <a:rPr lang="en-US" altLang="zh-CN" i="1" dirty="0">
                             <a:latin typeface="Cambria Math" panose="02040503050406030204" pitchFamily="18" charset="0"/>
                           </a:rPr>
                           <m:t>(</m:t>
                         </m:r>
                         <m:r>
-                          <a:rPr lang="en-US" altLang="zh-CN" b="0" i="1" dirty="0" smtClean="0">
+                          <a:rPr lang="en-US" altLang="zh-CN" i="1" dirty="0">
                             <a:latin typeface="Cambria Math" panose="02040503050406030204" pitchFamily="18" charset="0"/>
                           </a:rPr>
                           <m:t>𝑥</m:t>
                         </m:r>
                         <m:r>
-                          <a:rPr lang="en-US" altLang="zh-CN" b="0" i="1" baseline="-25000" dirty="0" smtClean="0">
+                          <a:rPr lang="en-US" altLang="zh-CN" i="1" baseline="-25000" dirty="0">
                             <a:latin typeface="Cambria Math" panose="02040503050406030204" pitchFamily="18" charset="0"/>
                           </a:rPr>
                           <m:t>1</m:t>
                         </m:r>
                         <m:r>
-                          <a:rPr lang="en-US" altLang="zh-CN" b="0" i="1" dirty="0" smtClean="0">
+                          <a:rPr lang="en-US" altLang="zh-CN" i="1" dirty="0">
                             <a:latin typeface="Cambria Math" panose="02040503050406030204" pitchFamily="18" charset="0"/>
                           </a:rPr>
                           <m:t>)</m:t>
@@ -14870,7 +14887,7 @@
             </p:txBody>
           </p:sp>
         </mc:Choice>
-        <mc:Fallback xmlns="">
+        <mc:Fallback>
           <p:sp>
             <p:nvSpPr>
               <p:cNvPr id="270" name="文本框 269"/>
@@ -14881,16 +14898,16 @@
             </p:nvSpPr>
             <p:spPr>
               <a:xfrm>
-                <a:off x="2730003" y="2395934"/>
+                <a:off x="2730003" y="2395939"/>
                 <a:ext cx="1083114" cy="498663"/>
               </a:xfrm>
               <a:prstGeom prst="rect">
                 <a:avLst/>
               </a:prstGeom>
-              <a:blipFill rotWithShape="1">
+              <a:blipFill>
                 <a:blip r:embed="rId5"/>
                 <a:stretch>
-                  <a:fillRect l="-13" t="-16" r="53" b="54"/>
+                  <a:fillRect l="-5056" b="-6098"/>
                 </a:stretch>
               </a:blipFill>
             </p:spPr>
@@ -14909,8 +14926,8 @@
           </p:sp>
         </mc:Fallback>
       </mc:AlternateContent>
-      <mc:AlternateContent xmlns:mc="http://schemas.openxmlformats.org/markup-compatibility/2006" xmlns:a14="http://schemas.microsoft.com/office/drawing/2010/main">
-        <mc:Choice Requires="a14">
+      <mc:AlternateContent xmlns:mc="http://schemas.openxmlformats.org/markup-compatibility/2006">
+        <mc:Choice xmlns:a14="http://schemas.microsoft.com/office/drawing/2010/main" Requires="a14">
           <p:sp>
             <p:nvSpPr>
               <p:cNvPr id="271" name="文本框 270"/>
@@ -14919,7 +14936,7 @@
             </p:nvSpPr>
             <p:spPr>
               <a:xfrm>
-                <a:off x="2898468" y="1658076"/>
+                <a:off x="2898474" y="1658076"/>
                 <a:ext cx="437559" cy="497124"/>
               </a:xfrm>
               <a:prstGeom prst="rect">
@@ -14943,14 +14960,14 @@
                       <m:f>
                         <m:fPr>
                           <m:ctrlPr>
-                            <a:rPr lang="en-US" altLang="zh-CN" sz="1400" i="1" dirty="0" smtClean="0">
+                            <a:rPr lang="en-US" altLang="zh-CN" sz="1400" i="1" dirty="0">
                               <a:latin typeface="Cambria Math" panose="02040503050406030204" pitchFamily="18" charset="0"/>
                             </a:rPr>
                           </m:ctrlPr>
                         </m:fPr>
                         <m:num>
                           <m:r>
-                            <a:rPr lang="en-US" altLang="zh-CN" sz="1400" b="0" i="1" dirty="0" smtClean="0">
+                            <a:rPr lang="en-US" altLang="zh-CN" sz="1400" i="1" dirty="0">
                               <a:latin typeface="Cambria Math" panose="02040503050406030204" pitchFamily="18" charset="0"/>
                             </a:rPr>
                             <m:t>1</m:t>
@@ -14958,7 +14975,7 @@
                         </m:num>
                         <m:den>
                           <m:r>
-                            <a:rPr lang="en-US" altLang="zh-CN" sz="1400" b="0" i="1" dirty="0" smtClean="0">
+                            <a:rPr lang="en-US" altLang="zh-CN" sz="1400" i="1" dirty="0">
                               <a:latin typeface="Cambria Math" panose="02040503050406030204" pitchFamily="18" charset="0"/>
                             </a:rPr>
                             <m:t>𝑆</m:t>
@@ -14975,7 +14992,7 @@
             </p:txBody>
           </p:sp>
         </mc:Choice>
-        <mc:Fallback xmlns="">
+        <mc:Fallback>
           <p:sp>
             <p:nvSpPr>
               <p:cNvPr id="271" name="文本框 270"/>
@@ -14986,16 +15003,16 @@
             </p:nvSpPr>
             <p:spPr>
               <a:xfrm>
-                <a:off x="2898468" y="1658076"/>
+                <a:off x="2898474" y="1658076"/>
                 <a:ext cx="437559" cy="497124"/>
               </a:xfrm>
               <a:prstGeom prst="rect">
                 <a:avLst/>
               </a:prstGeom>
-              <a:blipFill rotWithShape="1">
+              <a:blipFill>
                 <a:blip r:embed="rId6"/>
                 <a:stretch>
-                  <a:fillRect l="-75" t="-18" r="85" b="2"/>
+                  <a:fillRect/>
                 </a:stretch>
               </a:blipFill>
             </p:spPr>
@@ -15014,8 +15031,8 @@
           </p:sp>
         </mc:Fallback>
       </mc:AlternateContent>
-      <mc:AlternateContent xmlns:mc="http://schemas.openxmlformats.org/markup-compatibility/2006" xmlns:a14="http://schemas.microsoft.com/office/drawing/2010/main">
-        <mc:Choice Requires="a14">
+      <mc:AlternateContent xmlns:mc="http://schemas.openxmlformats.org/markup-compatibility/2006">
+        <mc:Choice xmlns:a14="http://schemas.microsoft.com/office/drawing/2010/main" Requires="a14">
           <p:sp>
             <p:nvSpPr>
               <p:cNvPr id="272" name="文本框 271"/>
@@ -15024,7 +15041,7 @@
             </p:nvSpPr>
             <p:spPr>
               <a:xfrm>
-                <a:off x="2776077" y="3587320"/>
+                <a:off x="2776078" y="3587324"/>
                 <a:ext cx="1083114" cy="498663"/>
               </a:xfrm>
               <a:prstGeom prst="rect">
@@ -15049,7 +15066,7 @@
                     <m:f>
                       <m:fPr>
                         <m:ctrlPr>
-                          <a:rPr lang="en-US" altLang="zh-CN" i="1" dirty="0" smtClean="0">
+                          <a:rPr lang="en-US" altLang="zh-CN" i="1" dirty="0">
                             <a:latin typeface="Cambria Math" panose="02040503050406030204" pitchFamily="18" charset="0"/>
                           </a:rPr>
                         </m:ctrlPr>
@@ -15062,7 +15079,7 @@
                           <m:t>𝑦</m:t>
                         </m:r>
                         <m:r>
-                          <a:rPr lang="en-US" altLang="zh-CN" b="0" i="1" baseline="-25000" dirty="0" smtClean="0">
+                          <a:rPr lang="en-US" altLang="zh-CN" i="1" baseline="-25000" dirty="0">
                             <a:latin typeface="Cambria Math" panose="02040503050406030204" pitchFamily="18" charset="0"/>
                           </a:rPr>
                           <m:t>3</m:t>
@@ -15079,25 +15096,25 @@
                           <m:t>exp</m:t>
                         </m:r>
                         <m:r>
-                          <a:rPr lang="en-US" altLang="zh-CN" b="0" i="1" dirty="0" smtClean="0">
+                          <a:rPr lang="en-US" altLang="zh-CN" i="1" dirty="0">
                             <a:latin typeface="Cambria Math" panose="02040503050406030204" pitchFamily="18" charset="0"/>
                           </a:rPr>
                           <m:t>(</m:t>
                         </m:r>
                         <m:r>
-                          <a:rPr lang="en-US" altLang="zh-CN" b="0" i="1" dirty="0" smtClean="0">
+                          <a:rPr lang="en-US" altLang="zh-CN" i="1" dirty="0">
                             <a:latin typeface="Cambria Math" panose="02040503050406030204" pitchFamily="18" charset="0"/>
                           </a:rPr>
                           <m:t>𝑥</m:t>
                         </m:r>
                         <m:r>
-                          <a:rPr lang="en-US" altLang="zh-CN" b="0" i="1" baseline="-25000" dirty="0" smtClean="0">
+                          <a:rPr lang="en-US" altLang="zh-CN" i="1" baseline="-25000" dirty="0">
                             <a:latin typeface="Cambria Math" panose="02040503050406030204" pitchFamily="18" charset="0"/>
                           </a:rPr>
                           <m:t>3</m:t>
                         </m:r>
                         <m:r>
-                          <a:rPr lang="en-US" altLang="zh-CN" b="0" i="1" dirty="0" smtClean="0">
+                          <a:rPr lang="en-US" altLang="zh-CN" i="1" dirty="0">
                             <a:latin typeface="Cambria Math" panose="02040503050406030204" pitchFamily="18" charset="0"/>
                           </a:rPr>
                           <m:t>)</m:t>
@@ -15113,7 +15130,7 @@
             </p:txBody>
           </p:sp>
         </mc:Choice>
-        <mc:Fallback xmlns="">
+        <mc:Fallback>
           <p:sp>
             <p:nvSpPr>
               <p:cNvPr id="272" name="文本框 271"/>
@@ -15124,16 +15141,16 @@
             </p:nvSpPr>
             <p:spPr>
               <a:xfrm>
-                <a:off x="2776077" y="3587320"/>
+                <a:off x="2776078" y="3587324"/>
                 <a:ext cx="1083114" cy="498663"/>
               </a:xfrm>
               <a:prstGeom prst="rect">
                 <a:avLst/>
               </a:prstGeom>
-              <a:blipFill rotWithShape="1">
+              <a:blipFill>
                 <a:blip r:embed="rId7"/>
                 <a:stretch>
-                  <a:fillRect l="-45" t="-41" r="27" b="79"/>
+                  <a:fillRect l="-4494" b="-6098"/>
                 </a:stretch>
               </a:blipFill>
             </p:spPr>
@@ -15152,8 +15169,8 @@
           </p:sp>
         </mc:Fallback>
       </mc:AlternateContent>
-      <mc:AlternateContent xmlns:mc="http://schemas.openxmlformats.org/markup-compatibility/2006" xmlns:a14="http://schemas.microsoft.com/office/drawing/2010/main">
-        <mc:Choice Requires="a14">
+      <mc:AlternateContent xmlns:mc="http://schemas.openxmlformats.org/markup-compatibility/2006">
+        <mc:Choice xmlns:a14="http://schemas.microsoft.com/office/drawing/2010/main" Requires="a14">
           <p:sp>
             <p:nvSpPr>
               <p:cNvPr id="273" name="文本框 272"/>
@@ -15162,7 +15179,7 @@
             </p:nvSpPr>
             <p:spPr>
               <a:xfrm>
-                <a:off x="2799654" y="4663054"/>
+                <a:off x="2799654" y="4663058"/>
                 <a:ext cx="1083114" cy="498663"/>
               </a:xfrm>
               <a:prstGeom prst="rect">
@@ -15187,7 +15204,7 @@
                     <m:f>
                       <m:fPr>
                         <m:ctrlPr>
-                          <a:rPr lang="en-US" altLang="zh-CN" i="1" dirty="0" smtClean="0">
+                          <a:rPr lang="en-US" altLang="zh-CN" i="1" dirty="0">
                             <a:latin typeface="Cambria Math" panose="02040503050406030204" pitchFamily="18" charset="0"/>
                           </a:rPr>
                         </m:ctrlPr>
@@ -15200,7 +15217,7 @@
                           <m:t>𝑦</m:t>
                         </m:r>
                         <m:r>
-                          <a:rPr lang="en-US" altLang="zh-CN" b="0" i="1" baseline="-25000" dirty="0" smtClean="0">
+                          <a:rPr lang="en-US" altLang="zh-CN" i="1" baseline="-25000" dirty="0">
                             <a:latin typeface="Cambria Math" panose="02040503050406030204" pitchFamily="18" charset="0"/>
                           </a:rPr>
                           <m:t>3</m:t>
@@ -15217,25 +15234,25 @@
                           <m:t>exp</m:t>
                         </m:r>
                         <m:r>
-                          <a:rPr lang="en-US" altLang="zh-CN" b="0" i="1" dirty="0" smtClean="0">
+                          <a:rPr lang="en-US" altLang="zh-CN" i="1" dirty="0">
                             <a:latin typeface="Cambria Math" panose="02040503050406030204" pitchFamily="18" charset="0"/>
                           </a:rPr>
                           <m:t>(</m:t>
                         </m:r>
                         <m:r>
-                          <a:rPr lang="en-US" altLang="zh-CN" b="0" i="1" dirty="0" smtClean="0">
+                          <a:rPr lang="en-US" altLang="zh-CN" i="1" dirty="0">
                             <a:latin typeface="Cambria Math" panose="02040503050406030204" pitchFamily="18" charset="0"/>
                           </a:rPr>
                           <m:t>𝑥</m:t>
                         </m:r>
                         <m:r>
-                          <a:rPr lang="en-US" altLang="zh-CN" b="0" i="1" baseline="-25000" dirty="0" smtClean="0">
+                          <a:rPr lang="en-US" altLang="zh-CN" i="1" baseline="-25000" dirty="0">
                             <a:latin typeface="Cambria Math" panose="02040503050406030204" pitchFamily="18" charset="0"/>
                           </a:rPr>
                           <m:t>3</m:t>
                         </m:r>
                         <m:r>
-                          <a:rPr lang="en-US" altLang="zh-CN" b="0" i="1" dirty="0" smtClean="0">
+                          <a:rPr lang="en-US" altLang="zh-CN" i="1" dirty="0">
                             <a:latin typeface="Cambria Math" panose="02040503050406030204" pitchFamily="18" charset="0"/>
                           </a:rPr>
                           <m:t>)</m:t>
@@ -15251,7 +15268,7 @@
             </p:txBody>
           </p:sp>
         </mc:Choice>
-        <mc:Fallback xmlns="">
+        <mc:Fallback>
           <p:sp>
             <p:nvSpPr>
               <p:cNvPr id="273" name="文本框 272"/>
@@ -15262,16 +15279,16 @@
             </p:nvSpPr>
             <p:spPr>
               <a:xfrm>
-                <a:off x="2799654" y="4663054"/>
+                <a:off x="2799654" y="4663058"/>
                 <a:ext cx="1083114" cy="498663"/>
               </a:xfrm>
               <a:prstGeom prst="rect">
                 <a:avLst/>
               </a:prstGeom>
-              <a:blipFill rotWithShape="1">
-                <a:blip r:embed="rId7"/>
+              <a:blipFill>
+                <a:blip r:embed="rId8"/>
                 <a:stretch>
-                  <a:fillRect l="-53" t="-50" r="35" b="88"/>
+                  <a:fillRect l="-4494" t="-1220" b="-6098"/>
                 </a:stretch>
               </a:blipFill>
             </p:spPr>
@@ -15290,8 +15307,8 @@
           </p:sp>
         </mc:Fallback>
       </mc:AlternateContent>
-      <mc:AlternateContent xmlns:mc="http://schemas.openxmlformats.org/markup-compatibility/2006" xmlns:a14="http://schemas.microsoft.com/office/drawing/2010/main">
-        <mc:Choice Requires="a14">
+      <mc:AlternateContent xmlns:mc="http://schemas.openxmlformats.org/markup-compatibility/2006">
+        <mc:Choice xmlns:a14="http://schemas.microsoft.com/office/drawing/2010/main" Requires="a14">
           <p:sp>
             <p:nvSpPr>
               <p:cNvPr id="274" name="文本框 273"/>
@@ -15300,7 +15317,7 @@
             </p:nvSpPr>
             <p:spPr>
               <a:xfrm rot="1735202">
-                <a:off x="2194495" y="1941168"/>
+                <a:off x="2194499" y="1941168"/>
                 <a:ext cx="437559" cy="497124"/>
               </a:xfrm>
               <a:prstGeom prst="rect">
@@ -15324,14 +15341,14 @@
                       <m:f>
                         <m:fPr>
                           <m:ctrlPr>
-                            <a:rPr lang="en-US" altLang="zh-CN" sz="1400" i="1" dirty="0" smtClean="0">
+                            <a:rPr lang="en-US" altLang="zh-CN" sz="1400" i="1" dirty="0">
                               <a:latin typeface="Cambria Math" panose="02040503050406030204" pitchFamily="18" charset="0"/>
                             </a:rPr>
                           </m:ctrlPr>
                         </m:fPr>
                         <m:num>
                           <m:r>
-                            <a:rPr lang="en-US" altLang="zh-CN" sz="1400" b="0" i="1" dirty="0" smtClean="0">
+                            <a:rPr lang="en-US" altLang="zh-CN" sz="1400" i="1" dirty="0">
                               <a:latin typeface="Cambria Math" panose="02040503050406030204" pitchFamily="18" charset="0"/>
                             </a:rPr>
                             <m:t>1</m:t>
@@ -15339,7 +15356,7 @@
                         </m:num>
                         <m:den>
                           <m:r>
-                            <a:rPr lang="en-US" altLang="zh-CN" sz="1400" b="0" i="1" dirty="0" smtClean="0">
+                            <a:rPr lang="en-US" altLang="zh-CN" sz="1400" i="1" dirty="0">
                               <a:latin typeface="Cambria Math" panose="02040503050406030204" pitchFamily="18" charset="0"/>
                             </a:rPr>
                             <m:t>𝑆</m:t>
@@ -15356,7 +15373,7 @@
             </p:txBody>
           </p:sp>
         </mc:Choice>
-        <mc:Fallback xmlns="">
+        <mc:Fallback>
           <p:sp>
             <p:nvSpPr>
               <p:cNvPr id="274" name="文本框 273"/>
@@ -15367,16 +15384,16 @@
             </p:nvSpPr>
             <p:spPr>
               <a:xfrm rot="1735202">
-                <a:off x="2194495" y="1941168"/>
+                <a:off x="2194499" y="1941168"/>
                 <a:ext cx="437559" cy="497124"/>
               </a:xfrm>
               <a:prstGeom prst="rect">
                 <a:avLst/>
               </a:prstGeom>
-              <a:blipFill rotWithShape="1">
-                <a:blip r:embed="rId8"/>
+              <a:blipFill>
+                <a:blip r:embed="rId9"/>
                 <a:stretch>
-                  <a:fillRect l="-21318" t="-15067" r="-21193" b="-14967"/>
+                  <a:fillRect/>
                 </a:stretch>
               </a:blipFill>
             </p:spPr>
@@ -15395,8 +15412,8 @@
           </p:sp>
         </mc:Fallback>
       </mc:AlternateContent>
-      <mc:AlternateContent xmlns:mc="http://schemas.openxmlformats.org/markup-compatibility/2006" xmlns:a14="http://schemas.microsoft.com/office/drawing/2010/main">
-        <mc:Choice Requires="a14">
+      <mc:AlternateContent xmlns:mc="http://schemas.openxmlformats.org/markup-compatibility/2006">
+        <mc:Choice xmlns:a14="http://schemas.microsoft.com/office/drawing/2010/main" Requires="a14">
           <p:sp>
             <p:nvSpPr>
               <p:cNvPr id="275" name="文本框 274"/>
@@ -15405,7 +15422,7 @@
             </p:nvSpPr>
             <p:spPr>
               <a:xfrm rot="920910">
-                <a:off x="2098045" y="2978888"/>
+                <a:off x="2098050" y="2978889"/>
                 <a:ext cx="437559" cy="497124"/>
               </a:xfrm>
               <a:prstGeom prst="rect">
@@ -15429,14 +15446,14 @@
                       <m:f>
                         <m:fPr>
                           <m:ctrlPr>
-                            <a:rPr lang="en-US" altLang="zh-CN" sz="1400" i="1" dirty="0" smtClean="0">
+                            <a:rPr lang="en-US" altLang="zh-CN" sz="1400" i="1" dirty="0">
                               <a:latin typeface="Cambria Math" panose="02040503050406030204" pitchFamily="18" charset="0"/>
                             </a:rPr>
                           </m:ctrlPr>
                         </m:fPr>
                         <m:num>
                           <m:r>
-                            <a:rPr lang="en-US" altLang="zh-CN" sz="1400" b="0" i="1" dirty="0" smtClean="0">
+                            <a:rPr lang="en-US" altLang="zh-CN" sz="1400" i="1" dirty="0">
                               <a:latin typeface="Cambria Math" panose="02040503050406030204" pitchFamily="18" charset="0"/>
                             </a:rPr>
                             <m:t>1</m:t>
@@ -15444,7 +15461,7 @@
                         </m:num>
                         <m:den>
                           <m:r>
-                            <a:rPr lang="en-US" altLang="zh-CN" sz="1400" b="0" i="1" dirty="0" smtClean="0">
+                            <a:rPr lang="en-US" altLang="zh-CN" sz="1400" i="1" dirty="0">
                               <a:latin typeface="Cambria Math" panose="02040503050406030204" pitchFamily="18" charset="0"/>
                             </a:rPr>
                             <m:t>𝑆</m:t>
@@ -15461,7 +15478,7 @@
             </p:txBody>
           </p:sp>
         </mc:Choice>
-        <mc:Fallback xmlns="">
+        <mc:Fallback>
           <p:sp>
             <p:nvSpPr>
               <p:cNvPr id="275" name="文本框 274"/>
@@ -15472,16 +15489,16 @@
             </p:nvSpPr>
             <p:spPr>
               <a:xfrm rot="920910">
-                <a:off x="2098045" y="2978888"/>
+                <a:off x="2098050" y="2978889"/>
                 <a:ext cx="437559" cy="497124"/>
               </a:xfrm>
               <a:prstGeom prst="rect">
                 <a:avLst/>
               </a:prstGeom>
-              <a:blipFill rotWithShape="1">
-                <a:blip r:embed="rId9"/>
+              <a:blipFill>
+                <a:blip r:embed="rId10"/>
                 <a:stretch>
-                  <a:fillRect l="-13352" t="-9984" r="-13195" b="-9831"/>
+                  <a:fillRect/>
                 </a:stretch>
               </a:blipFill>
             </p:spPr>
@@ -15500,8 +15517,8 @@
           </p:sp>
         </mc:Fallback>
       </mc:AlternateContent>
-      <mc:AlternateContent xmlns:mc="http://schemas.openxmlformats.org/markup-compatibility/2006" xmlns:a14="http://schemas.microsoft.com/office/drawing/2010/main">
-        <mc:Choice Requires="a14">
+      <mc:AlternateContent xmlns:mc="http://schemas.openxmlformats.org/markup-compatibility/2006">
+        <mc:Choice xmlns:a14="http://schemas.microsoft.com/office/drawing/2010/main" Requires="a14">
           <p:sp>
             <p:nvSpPr>
               <p:cNvPr id="282" name="文本框 281"/>
@@ -15510,7 +15527,7 @@
             </p:nvSpPr>
             <p:spPr>
               <a:xfrm rot="897567">
-                <a:off x="2115823" y="3911590"/>
+                <a:off x="2115827" y="3911591"/>
                 <a:ext cx="437559" cy="497124"/>
               </a:xfrm>
               <a:prstGeom prst="rect">
@@ -15534,14 +15551,14 @@
                       <m:f>
                         <m:fPr>
                           <m:ctrlPr>
-                            <a:rPr lang="en-US" altLang="zh-CN" sz="1400" i="1" dirty="0" smtClean="0">
+                            <a:rPr lang="en-US" altLang="zh-CN" sz="1400" i="1" dirty="0">
                               <a:latin typeface="Cambria Math" panose="02040503050406030204" pitchFamily="18" charset="0"/>
                             </a:rPr>
                           </m:ctrlPr>
                         </m:fPr>
                         <m:num>
                           <m:r>
-                            <a:rPr lang="en-US" altLang="zh-CN" sz="1400" b="0" i="1" dirty="0" smtClean="0">
+                            <a:rPr lang="en-US" altLang="zh-CN" sz="1400" i="1" dirty="0">
                               <a:latin typeface="Cambria Math" panose="02040503050406030204" pitchFamily="18" charset="0"/>
                             </a:rPr>
                             <m:t>1</m:t>
@@ -15549,7 +15566,7 @@
                         </m:num>
                         <m:den>
                           <m:r>
-                            <a:rPr lang="en-US" altLang="zh-CN" sz="1400" b="0" i="1" dirty="0" smtClean="0">
+                            <a:rPr lang="en-US" altLang="zh-CN" sz="1400" i="1" dirty="0">
                               <a:latin typeface="Cambria Math" panose="02040503050406030204" pitchFamily="18" charset="0"/>
                             </a:rPr>
                             <m:t>𝑆</m:t>
@@ -15566,7 +15583,7 @@
             </p:txBody>
           </p:sp>
         </mc:Choice>
-        <mc:Fallback xmlns="">
+        <mc:Fallback>
           <p:sp>
             <p:nvSpPr>
               <p:cNvPr id="282" name="文本框 281"/>
@@ -15577,16 +15594,16 @@
             </p:nvSpPr>
             <p:spPr>
               <a:xfrm rot="897567">
-                <a:off x="2115823" y="3911590"/>
+                <a:off x="2115827" y="3911591"/>
                 <a:ext cx="437559" cy="497124"/>
               </a:xfrm>
               <a:prstGeom prst="rect">
                 <a:avLst/>
               </a:prstGeom>
-              <a:blipFill rotWithShape="1">
-                <a:blip r:embed="rId10"/>
+              <a:blipFill>
+                <a:blip r:embed="rId11"/>
                 <a:stretch>
-                  <a:fillRect l="-13062" t="-9706" r="-12905" b="-9598"/>
+                  <a:fillRect/>
                 </a:stretch>
               </a:blipFill>
             </p:spPr>
@@ -15812,10 +15829,10 @@
         </p:nvGrpSpPr>
         <p:grpSpPr>
           <a:xfrm>
-            <a:off x="3079449" y="1545492"/>
-            <a:ext cx="5138677" cy="3034102"/>
+            <a:off x="3079450" y="1545493"/>
+            <a:ext cx="5141882" cy="3034102"/>
             <a:chOff x="1032209" y="1113692"/>
-            <a:chExt cx="5138677" cy="3034102"/>
+            <a:chExt cx="5141883" cy="3034102"/>
           </a:xfrm>
         </p:grpSpPr>
         <p:grpSp>
@@ -15870,8 +15887,8 @@
               </a:p>
             </p:txBody>
           </p:sp>
-          <mc:AlternateContent xmlns:mc="http://schemas.openxmlformats.org/markup-compatibility/2006" xmlns:a14="http://schemas.microsoft.com/office/drawing/2010/main">
-            <mc:Choice Requires="a14">
+          <mc:AlternateContent xmlns:mc="http://schemas.openxmlformats.org/markup-compatibility/2006">
+            <mc:Choice xmlns:a14="http://schemas.microsoft.com/office/drawing/2010/main" Requires="a14">
               <p:sp>
                 <p:nvSpPr>
                   <p:cNvPr id="5" name="文本框 4"/>
@@ -15881,7 +15898,7 @@
                 <p:spPr>
                   <a:xfrm>
                     <a:off x="2104292" y="1213339"/>
-                    <a:ext cx="481222" cy="276999"/>
+                    <a:ext cx="490840" cy="276999"/>
                   </a:xfrm>
                   <a:prstGeom prst="rect">
                     <a:avLst/>
@@ -15904,7 +15921,7 @@
                           <m:sSub>
                             <m:sSubPr>
                               <m:ctrlPr>
-                                <a:rPr lang="zh-CN" altLang="en-US" i="1" smtClean="0">
+                                <a:rPr lang="zh-CN" altLang="en-US" i="1">
                                   <a:solidFill>
                                     <a:srgbClr val="836967"/>
                                   </a:solidFill>
@@ -15928,7 +15945,7 @@
                                 <m:t>𝑡</m:t>
                               </m:r>
                               <m:r>
-                                <a:rPr lang="zh-CN" altLang="en-US" i="0">
+                                <a:rPr lang="zh-CN" altLang="en-US">
                                   <a:latin typeface="Cambria Math" panose="02040503050406030204" pitchFamily="18" charset="0"/>
                                 </a:rPr>
                                 <m:t>−1</m:t>
@@ -15943,7 +15960,7 @@
                 </p:txBody>
               </p:sp>
             </mc:Choice>
-            <mc:Fallback xmlns="">
+            <mc:Fallback>
               <p:sp>
                 <p:nvSpPr>
                   <p:cNvPr id="5" name="文本框 4"/>
@@ -15955,13 +15972,16 @@
                 <p:spPr>
                   <a:xfrm>
                     <a:off x="2104292" y="1213339"/>
-                    <a:ext cx="481222" cy="276999"/>
+                    <a:ext cx="490840" cy="276999"/>
                   </a:xfrm>
                   <a:prstGeom prst="rect">
                     <a:avLst/>
                   </a:prstGeom>
-                  <a:blipFill rotWithShape="1">
+                  <a:blipFill>
                     <a:blip r:embed="rId2"/>
+                    <a:stretch>
+                      <a:fillRect l="-11111" r="-3704" b="-26667"/>
+                    </a:stretch>
                   </a:blipFill>
                 </p:spPr>
                 <p:txBody>
@@ -16032,8 +16052,8 @@
               </a:p>
             </p:txBody>
           </p:sp>
-          <mc:AlternateContent xmlns:mc="http://schemas.openxmlformats.org/markup-compatibility/2006" xmlns:a14="http://schemas.microsoft.com/office/drawing/2010/main">
-            <mc:Choice Requires="a14">
+          <mc:AlternateContent xmlns:mc="http://schemas.openxmlformats.org/markup-compatibility/2006">
+            <mc:Choice xmlns:a14="http://schemas.microsoft.com/office/drawing/2010/main" Requires="a14">
               <p:sp>
                 <p:nvSpPr>
                   <p:cNvPr id="11" name="文本框 10"/>
@@ -16043,7 +16063,7 @@
                 <p:spPr>
                   <a:xfrm>
                     <a:off x="2085882" y="1247054"/>
-                    <a:ext cx="488531" cy="276999"/>
+                    <a:ext cx="498150" cy="276999"/>
                   </a:xfrm>
                   <a:prstGeom prst="rect">
                     <a:avLst/>
@@ -16066,7 +16086,7 @@
                           <m:sSub>
                             <m:sSubPr>
                               <m:ctrlPr>
-                                <a:rPr lang="zh-CN" altLang="en-US" i="1" smtClean="0">
+                                <a:rPr lang="zh-CN" altLang="en-US" i="1">
                                   <a:solidFill>
                                     <a:srgbClr val="836967"/>
                                   </a:solidFill>
@@ -16076,10 +16096,7 @@
                             </m:sSubPr>
                             <m:e>
                               <m:r>
-                                <a:rPr lang="en-US" altLang="zh-CN" b="0" i="1" smtClean="0">
-                                  <a:solidFill>
-                                    <a:schemeClr val="tx1"/>
-                                  </a:solidFill>
+                                <a:rPr lang="en-US" altLang="zh-CN" i="1">
                                   <a:latin typeface="Cambria Math" panose="02040503050406030204" pitchFamily="18" charset="0"/>
                                 </a:rPr>
                                 <m:t>h</m:t>
@@ -16093,7 +16110,7 @@
                                 <m:t>𝑡</m:t>
                               </m:r>
                               <m:r>
-                                <a:rPr lang="zh-CN" altLang="en-US" i="0">
+                                <a:rPr lang="zh-CN" altLang="en-US">
                                   <a:latin typeface="Cambria Math" panose="02040503050406030204" pitchFamily="18" charset="0"/>
                                 </a:rPr>
                                 <m:t>−1</m:t>
@@ -16108,7 +16125,7 @@
                 </p:txBody>
               </p:sp>
             </mc:Choice>
-            <mc:Fallback xmlns="">
+            <mc:Fallback>
               <p:sp>
                 <p:nvSpPr>
                   <p:cNvPr id="11" name="文本框 10"/>
@@ -16120,13 +16137,16 @@
                 <p:spPr>
                   <a:xfrm>
                     <a:off x="2085882" y="1247054"/>
-                    <a:ext cx="488531" cy="276999"/>
+                    <a:ext cx="498150" cy="276999"/>
                   </a:xfrm>
                   <a:prstGeom prst="rect">
                     <a:avLst/>
                   </a:prstGeom>
-                  <a:blipFill rotWithShape="1">
+                  <a:blipFill>
                     <a:blip r:embed="rId3"/>
+                    <a:stretch>
+                      <a:fillRect l="-10976" r="-3659" b="-15217"/>
+                    </a:stretch>
                   </a:blipFill>
                 </p:spPr>
                 <p:txBody>
@@ -16197,8 +16217,8 @@
               </a:p>
             </p:txBody>
           </p:sp>
-          <mc:AlternateContent xmlns:mc="http://schemas.openxmlformats.org/markup-compatibility/2006" xmlns:a14="http://schemas.microsoft.com/office/drawing/2010/main">
-            <mc:Choice Requires="a14">
+          <mc:AlternateContent xmlns:mc="http://schemas.openxmlformats.org/markup-compatibility/2006">
+            <mc:Choice xmlns:a14="http://schemas.microsoft.com/office/drawing/2010/main" Requires="a14">
               <p:sp>
                 <p:nvSpPr>
                   <p:cNvPr id="14" name="文本框 13"/>
@@ -16208,7 +16228,7 @@
                 <p:spPr>
                   <a:xfrm>
                     <a:off x="2104292" y="1227966"/>
-                    <a:ext cx="481478" cy="276999"/>
+                    <a:ext cx="491096" cy="276999"/>
                   </a:xfrm>
                   <a:prstGeom prst="rect">
                     <a:avLst/>
@@ -16231,7 +16251,7 @@
                           <m:sSub>
                             <m:sSubPr>
                               <m:ctrlPr>
-                                <a:rPr lang="zh-CN" altLang="en-US" i="1" smtClean="0">
+                                <a:rPr lang="zh-CN" altLang="en-US" i="1">
                                   <a:solidFill>
                                     <a:srgbClr val="836967"/>
                                   </a:solidFill>
@@ -16255,7 +16275,7 @@
                                 <m:t>𝑡</m:t>
                               </m:r>
                               <m:r>
-                                <a:rPr lang="zh-CN" altLang="en-US" i="0">
+                                <a:rPr lang="zh-CN" altLang="en-US">
                                   <a:latin typeface="Cambria Math" panose="02040503050406030204" pitchFamily="18" charset="0"/>
                                 </a:rPr>
                                 <m:t>−1</m:t>
@@ -16270,7 +16290,7 @@
                 </p:txBody>
               </p:sp>
             </mc:Choice>
-            <mc:Fallback xmlns="">
+            <mc:Fallback>
               <p:sp>
                 <p:nvSpPr>
                   <p:cNvPr id="14" name="文本框 13"/>
@@ -16282,13 +16302,16 @@
                 <p:spPr>
                   <a:xfrm>
                     <a:off x="2104292" y="1227966"/>
-                    <a:ext cx="481478" cy="276999"/>
+                    <a:ext cx="491096" cy="276999"/>
                   </a:xfrm>
                   <a:prstGeom prst="rect">
                     <a:avLst/>
                   </a:prstGeom>
-                  <a:blipFill rotWithShape="1">
+                  <a:blipFill>
                     <a:blip r:embed="rId4"/>
+                    <a:stretch>
+                      <a:fillRect l="-6173" r="-3704" b="-15556"/>
+                    </a:stretch>
                   </a:blipFill>
                 </p:spPr>
                 <p:txBody>
@@ -16359,8 +16382,8 @@
               </a:p>
             </p:txBody>
           </p:sp>
-          <mc:AlternateContent xmlns:mc="http://schemas.openxmlformats.org/markup-compatibility/2006" xmlns:a14="http://schemas.microsoft.com/office/drawing/2010/main">
-            <mc:Choice Requires="a14">
+          <mc:AlternateContent xmlns:mc="http://schemas.openxmlformats.org/markup-compatibility/2006">
+            <mc:Choice xmlns:a14="http://schemas.microsoft.com/office/drawing/2010/main" Requires="a14">
               <p:sp>
                 <p:nvSpPr>
                   <p:cNvPr id="17" name="文本框 16"/>
@@ -16370,7 +16393,7 @@
                 <p:spPr>
                   <a:xfrm>
                     <a:off x="2214098" y="1225792"/>
-                    <a:ext cx="261610" cy="276999"/>
+                    <a:ext cx="271228" cy="276999"/>
                   </a:xfrm>
                   <a:prstGeom prst="rect">
                     <a:avLst/>
@@ -16393,7 +16416,7 @@
                           <m:sSub>
                             <m:sSubPr>
                               <m:ctrlPr>
-                                <a:rPr lang="zh-CN" altLang="en-US" i="1" smtClean="0">
+                                <a:rPr lang="zh-CN" altLang="en-US" i="1">
                                   <a:solidFill>
                                     <a:srgbClr val="836967"/>
                                   </a:solidFill>
@@ -16426,7 +16449,7 @@
                 </p:txBody>
               </p:sp>
             </mc:Choice>
-            <mc:Fallback xmlns="">
+            <mc:Fallback>
               <p:sp>
                 <p:nvSpPr>
                   <p:cNvPr id="17" name="文本框 16"/>
@@ -16438,13 +16461,16 @@
                 <p:spPr>
                   <a:xfrm>
                     <a:off x="2214098" y="1225792"/>
-                    <a:ext cx="261610" cy="276999"/>
+                    <a:ext cx="271228" cy="276999"/>
                   </a:xfrm>
                   <a:prstGeom prst="rect">
                     <a:avLst/>
                   </a:prstGeom>
-                  <a:blipFill rotWithShape="1">
+                  <a:blipFill>
                     <a:blip r:embed="rId5"/>
+                    <a:stretch>
+                      <a:fillRect l="-20455" r="-4545" b="-26667"/>
+                    </a:stretch>
                   </a:blipFill>
                 </p:spPr>
                 <p:txBody>
@@ -16515,8 +16541,8 @@
               </a:p>
             </p:txBody>
           </p:sp>
-          <mc:AlternateContent xmlns:mc="http://schemas.openxmlformats.org/markup-compatibility/2006" xmlns:a14="http://schemas.microsoft.com/office/drawing/2010/main">
-            <mc:Choice Requires="a14">
+          <mc:AlternateContent xmlns:mc="http://schemas.openxmlformats.org/markup-compatibility/2006">
+            <mc:Choice xmlns:a14="http://schemas.microsoft.com/office/drawing/2010/main" Requires="a14">
               <p:sp>
                 <p:nvSpPr>
                   <p:cNvPr id="20" name="文本框 19"/>
@@ -16526,7 +16552,7 @@
                 <p:spPr>
                   <a:xfrm>
                     <a:off x="2194137" y="1258778"/>
-                    <a:ext cx="268920" cy="276999"/>
+                    <a:ext cx="278538" cy="276999"/>
                   </a:xfrm>
                   <a:prstGeom prst="rect">
                     <a:avLst/>
@@ -16582,7 +16608,7 @@
                 </p:txBody>
               </p:sp>
             </mc:Choice>
-            <mc:Fallback xmlns="">
+            <mc:Fallback>
               <p:sp>
                 <p:nvSpPr>
                   <p:cNvPr id="20" name="文本框 19"/>
@@ -16594,13 +16620,16 @@
                 <p:spPr>
                   <a:xfrm>
                     <a:off x="2194137" y="1258778"/>
-                    <a:ext cx="268920" cy="276999"/>
+                    <a:ext cx="278538" cy="276999"/>
                   </a:xfrm>
                   <a:prstGeom prst="rect">
                     <a:avLst/>
                   </a:prstGeom>
-                  <a:blipFill rotWithShape="1">
+                  <a:blipFill>
                     <a:blip r:embed="rId6"/>
+                    <a:stretch>
+                      <a:fillRect l="-19565" r="-2174" b="-13043"/>
+                    </a:stretch>
                   </a:blipFill>
                 </p:spPr>
                 <p:txBody>
@@ -16671,8 +16700,8 @@
               </a:p>
             </p:txBody>
           </p:sp>
-          <mc:AlternateContent xmlns:mc="http://schemas.openxmlformats.org/markup-compatibility/2006" xmlns:a14="http://schemas.microsoft.com/office/drawing/2010/main">
-            <mc:Choice Requires="a14">
+          <mc:AlternateContent xmlns:mc="http://schemas.openxmlformats.org/markup-compatibility/2006">
+            <mc:Choice xmlns:a14="http://schemas.microsoft.com/office/drawing/2010/main" Requires="a14">
               <p:sp>
                 <p:nvSpPr>
                   <p:cNvPr id="23" name="文本框 22"/>
@@ -16682,7 +16711,7 @@
                 <p:spPr>
                   <a:xfrm>
                     <a:off x="2230869" y="1227965"/>
-                    <a:ext cx="261867" cy="276999"/>
+                    <a:ext cx="271485" cy="276999"/>
                   </a:xfrm>
                   <a:prstGeom prst="rect">
                     <a:avLst/>
@@ -16738,7 +16767,7 @@
                 </p:txBody>
               </p:sp>
             </mc:Choice>
-            <mc:Fallback xmlns="">
+            <mc:Fallback>
               <p:sp>
                 <p:nvSpPr>
                   <p:cNvPr id="23" name="文本框 22"/>
@@ -16750,13 +16779,16 @@
                 <p:spPr>
                   <a:xfrm>
                     <a:off x="2230869" y="1227965"/>
-                    <a:ext cx="261867" cy="276999"/>
+                    <a:ext cx="271485" cy="276999"/>
                   </a:xfrm>
                   <a:prstGeom prst="rect">
                     <a:avLst/>
                   </a:prstGeom>
-                  <a:blipFill rotWithShape="1">
+                  <a:blipFill>
                     <a:blip r:embed="rId7"/>
+                    <a:stretch>
+                      <a:fillRect l="-11111" r="-2222" b="-15556"/>
+                    </a:stretch>
                   </a:blipFill>
                 </p:spPr>
                 <p:txBody>
@@ -16827,8 +16859,8 @@
               </a:p>
             </p:txBody>
           </p:sp>
-          <mc:AlternateContent xmlns:mc="http://schemas.openxmlformats.org/markup-compatibility/2006" xmlns:a14="http://schemas.microsoft.com/office/drawing/2010/main">
-            <mc:Choice Requires="a14">
+          <mc:AlternateContent xmlns:mc="http://schemas.openxmlformats.org/markup-compatibility/2006">
+            <mc:Choice xmlns:a14="http://schemas.microsoft.com/office/drawing/2010/main" Requires="a14">
               <p:sp>
                 <p:nvSpPr>
                   <p:cNvPr id="26" name="文本框 25"/>
@@ -16838,7 +16870,7 @@
                 <p:spPr>
                   <a:xfrm>
                     <a:off x="2104292" y="1213339"/>
-                    <a:ext cx="481222" cy="276999"/>
+                    <a:ext cx="490840" cy="276999"/>
                   </a:xfrm>
                   <a:prstGeom prst="rect">
                     <a:avLst/>
@@ -16861,7 +16893,7 @@
                           <m:sSub>
                             <m:sSubPr>
                               <m:ctrlPr>
-                                <a:rPr lang="zh-CN" altLang="en-US" i="1" smtClean="0">
+                                <a:rPr lang="zh-CN" altLang="en-US" i="1">
                                   <a:solidFill>
                                     <a:srgbClr val="836967"/>
                                   </a:solidFill>
@@ -16885,13 +16917,13 @@
                                 <m:t>𝑡</m:t>
                               </m:r>
                               <m:r>
-                                <a:rPr lang="en-US" altLang="zh-CN" b="0" i="0" smtClean="0">
+                                <a:rPr lang="en-US" altLang="zh-CN">
                                   <a:latin typeface="Cambria Math" panose="02040503050406030204" pitchFamily="18" charset="0"/>
                                 </a:rPr>
                                 <m:t>+</m:t>
                               </m:r>
                               <m:r>
-                                <a:rPr lang="zh-CN" altLang="en-US" i="0">
+                                <a:rPr lang="zh-CN" altLang="en-US">
                                   <a:latin typeface="Cambria Math" panose="02040503050406030204" pitchFamily="18" charset="0"/>
                                 </a:rPr>
                                 <m:t>1</m:t>
@@ -16906,7 +16938,7 @@
                 </p:txBody>
               </p:sp>
             </mc:Choice>
-            <mc:Fallback xmlns="">
+            <mc:Fallback>
               <p:sp>
                 <p:nvSpPr>
                   <p:cNvPr id="26" name="文本框 25"/>
@@ -16918,13 +16950,16 @@
                 <p:spPr>
                   <a:xfrm>
                     <a:off x="2104292" y="1213339"/>
-                    <a:ext cx="481222" cy="276999"/>
+                    <a:ext cx="490840" cy="276999"/>
                   </a:xfrm>
                   <a:prstGeom prst="rect">
                     <a:avLst/>
                   </a:prstGeom>
-                  <a:blipFill rotWithShape="1">
+                  <a:blipFill>
                     <a:blip r:embed="rId8"/>
+                    <a:stretch>
+                      <a:fillRect l="-11111" r="-3704" b="-26667"/>
+                    </a:stretch>
                   </a:blipFill>
                 </p:spPr>
                 <p:txBody>
@@ -16995,8 +17030,8 @@
               </a:p>
             </p:txBody>
           </p:sp>
-          <mc:AlternateContent xmlns:mc="http://schemas.openxmlformats.org/markup-compatibility/2006" xmlns:a14="http://schemas.microsoft.com/office/drawing/2010/main">
-            <mc:Choice Requires="a14">
+          <mc:AlternateContent xmlns:mc="http://schemas.openxmlformats.org/markup-compatibility/2006">
+            <mc:Choice xmlns:a14="http://schemas.microsoft.com/office/drawing/2010/main" Requires="a14">
               <p:sp>
                 <p:nvSpPr>
                   <p:cNvPr id="29" name="文本框 28"/>
@@ -17006,7 +17041,7 @@
                 <p:spPr>
                   <a:xfrm>
                     <a:off x="2079835" y="1248846"/>
-                    <a:ext cx="488532" cy="276999"/>
+                    <a:ext cx="498150" cy="276999"/>
                   </a:xfrm>
                   <a:prstGeom prst="rect">
                     <a:avLst/>
@@ -17029,7 +17064,7 @@
                           <m:sSub>
                             <m:sSubPr>
                               <m:ctrlPr>
-                                <a:rPr lang="zh-CN" altLang="en-US" i="1" smtClean="0">
+                                <a:rPr lang="zh-CN" altLang="en-US" i="1">
                                   <a:solidFill>
                                     <a:srgbClr val="836967"/>
                                   </a:solidFill>
@@ -17053,7 +17088,7 @@
                                 <m:t>𝑡</m:t>
                               </m:r>
                               <m:r>
-                                <a:rPr lang="en-US" altLang="zh-CN" b="0" i="0" smtClean="0">
+                                <a:rPr lang="en-US" altLang="zh-CN">
                                   <a:latin typeface="Cambria Math" panose="02040503050406030204" pitchFamily="18" charset="0"/>
                                 </a:rPr>
                                 <m:t>+</m:t>
@@ -17074,7 +17109,7 @@
                 </p:txBody>
               </p:sp>
             </mc:Choice>
-            <mc:Fallback xmlns="">
+            <mc:Fallback>
               <p:sp>
                 <p:nvSpPr>
                   <p:cNvPr id="29" name="文本框 28"/>
@@ -17086,13 +17121,16 @@
                 <p:spPr>
                   <a:xfrm>
                     <a:off x="2079835" y="1248846"/>
-                    <a:ext cx="488532" cy="276999"/>
+                    <a:ext cx="498150" cy="276999"/>
                   </a:xfrm>
                   <a:prstGeom prst="rect">
                     <a:avLst/>
                   </a:prstGeom>
-                  <a:blipFill rotWithShape="1">
+                  <a:blipFill>
                     <a:blip r:embed="rId9"/>
+                    <a:stretch>
+                      <a:fillRect l="-10976" r="-3659" b="-15556"/>
+                    </a:stretch>
                   </a:blipFill>
                 </p:spPr>
                 <p:txBody>
@@ -17163,8 +17201,8 @@
               </a:p>
             </p:txBody>
           </p:sp>
-          <mc:AlternateContent xmlns:mc="http://schemas.openxmlformats.org/markup-compatibility/2006" xmlns:a14="http://schemas.microsoft.com/office/drawing/2010/main">
-            <mc:Choice Requires="a14">
+          <mc:AlternateContent xmlns:mc="http://schemas.openxmlformats.org/markup-compatibility/2006">
+            <mc:Choice xmlns:a14="http://schemas.microsoft.com/office/drawing/2010/main" Requires="a14">
               <p:sp>
                 <p:nvSpPr>
                   <p:cNvPr id="32" name="文本框 31"/>
@@ -17174,7 +17212,7 @@
                 <p:spPr>
                   <a:xfrm>
                     <a:off x="2104292" y="1213339"/>
-                    <a:ext cx="481478" cy="276999"/>
+                    <a:ext cx="491096" cy="276999"/>
                   </a:xfrm>
                   <a:prstGeom prst="rect">
                     <a:avLst/>
@@ -17197,7 +17235,7 @@
                           <m:sSub>
                             <m:sSubPr>
                               <m:ctrlPr>
-                                <a:rPr lang="zh-CN" altLang="en-US" i="1" smtClean="0">
+                                <a:rPr lang="zh-CN" altLang="en-US" i="1">
                                   <a:solidFill>
                                     <a:srgbClr val="836967"/>
                                   </a:solidFill>
@@ -17221,7 +17259,7 @@
                                 <m:t>𝑡</m:t>
                               </m:r>
                               <m:r>
-                                <a:rPr lang="en-US" altLang="zh-CN" b="0" i="0" smtClean="0">
+                                <a:rPr lang="en-US" altLang="zh-CN">
                                   <a:latin typeface="Cambria Math" panose="02040503050406030204" pitchFamily="18" charset="0"/>
                                 </a:rPr>
                                 <m:t>+</m:t>
@@ -17242,7 +17280,7 @@
                 </p:txBody>
               </p:sp>
             </mc:Choice>
-            <mc:Fallback xmlns="">
+            <mc:Fallback>
               <p:sp>
                 <p:nvSpPr>
                   <p:cNvPr id="32" name="文本框 31"/>
@@ -17254,13 +17292,16 @@
                 <p:spPr>
                   <a:xfrm>
                     <a:off x="2104292" y="1213339"/>
-                    <a:ext cx="481478" cy="276999"/>
+                    <a:ext cx="491096" cy="276999"/>
                   </a:xfrm>
                   <a:prstGeom prst="rect">
                     <a:avLst/>
                   </a:prstGeom>
-                  <a:blipFill rotWithShape="1">
+                  <a:blipFill>
                     <a:blip r:embed="rId10"/>
+                    <a:stretch>
+                      <a:fillRect l="-6173" r="-3704" b="-15217"/>
+                    </a:stretch>
                   </a:blipFill>
                 </p:spPr>
                 <p:txBody>
@@ -17576,7 +17617,7 @@
           <p:spPr>
             <a:xfrm>
               <a:off x="1626156" y="2382520"/>
-              <a:ext cx="343364" cy="369332"/>
+              <a:ext cx="346570" cy="369332"/>
             </a:xfrm>
             <a:prstGeom prst="rect">
               <a:avLst/>
@@ -17606,7 +17647,7 @@
           <p:spPr>
             <a:xfrm>
               <a:off x="5827522" y="2397760"/>
-              <a:ext cx="343364" cy="369332"/>
+              <a:ext cx="346570" cy="369332"/>
             </a:xfrm>
             <a:prstGeom prst="rect">
               <a:avLst/>
@@ -17662,8 +17703,8 @@
             </a:fontRef>
           </p:style>
         </p:cxnSp>
-        <mc:AlternateContent xmlns:mc="http://schemas.openxmlformats.org/markup-compatibility/2006" xmlns:a14="http://schemas.microsoft.com/office/drawing/2010/main">
-          <mc:Choice Requires="a14">
+        <mc:AlternateContent xmlns:mc="http://schemas.openxmlformats.org/markup-compatibility/2006">
+          <mc:Choice xmlns:a14="http://schemas.microsoft.com/office/drawing/2010/main" Requires="a14">
             <p:sp>
               <p:nvSpPr>
                 <p:cNvPr id="62" name="文本框 61"/>
@@ -17673,7 +17714,7 @@
               <p:spPr>
                 <a:xfrm>
                   <a:off x="1456415" y="1663117"/>
-                  <a:ext cx="216085" cy="276999"/>
+                  <a:ext cx="225703" cy="276999"/>
                 </a:xfrm>
                 <a:prstGeom prst="rect">
                   <a:avLst/>
@@ -17694,7 +17735,7 @@
                       </m:oMathParaPr>
                       <m:oMath xmlns:m="http://schemas.openxmlformats.org/officeDocument/2006/math">
                         <m:r>
-                          <a:rPr lang="zh-CN" altLang="en-US" i="1" smtClean="0">
+                          <a:rPr lang="zh-CN" altLang="en-US" i="1">
                             <a:latin typeface="Cambria Math" panose="02040503050406030204" pitchFamily="18" charset="0"/>
                           </a:rPr>
                           <m:t>𝑈</m:t>
@@ -17707,7 +17748,7 @@
               </p:txBody>
             </p:sp>
           </mc:Choice>
-          <mc:Fallback xmlns="">
+          <mc:Fallback>
             <p:sp>
               <p:nvSpPr>
                 <p:cNvPr id="62" name="文本框 61"/>
@@ -17719,13 +17760,16 @@
               <p:spPr>
                 <a:xfrm>
                   <a:off x="1456415" y="1663117"/>
-                  <a:ext cx="216085" cy="276999"/>
+                  <a:ext cx="225703" cy="276999"/>
                 </a:xfrm>
                 <a:prstGeom prst="rect">
                   <a:avLst/>
                 </a:prstGeom>
-                <a:blipFill rotWithShape="1">
+                <a:blipFill>
                   <a:blip r:embed="rId11"/>
+                  <a:stretch>
+                    <a:fillRect l="-24324" r="-18919" b="-6667"/>
+                  </a:stretch>
                 </a:blipFill>
               </p:spPr>
               <p:txBody>
@@ -17743,8 +17787,8 @@
             </p:sp>
           </mc:Fallback>
         </mc:AlternateContent>
-        <mc:AlternateContent xmlns:mc="http://schemas.openxmlformats.org/markup-compatibility/2006" xmlns:a14="http://schemas.microsoft.com/office/drawing/2010/main">
-          <mc:Choice Requires="a14">
+        <mc:AlternateContent xmlns:mc="http://schemas.openxmlformats.org/markup-compatibility/2006">
+          <mc:Choice xmlns:a14="http://schemas.microsoft.com/office/drawing/2010/main" Requires="a14">
             <p:sp>
               <p:nvSpPr>
                 <p:cNvPr id="63" name="文本框 62"/>
@@ -17754,7 +17798,7 @@
               <p:spPr>
                 <a:xfrm>
                   <a:off x="3112479" y="1702362"/>
-                  <a:ext cx="216085" cy="276999"/>
+                  <a:ext cx="225703" cy="276999"/>
                 </a:xfrm>
                 <a:prstGeom prst="rect">
                   <a:avLst/>
@@ -17775,7 +17819,7 @@
                       </m:oMathParaPr>
                       <m:oMath xmlns:m="http://schemas.openxmlformats.org/officeDocument/2006/math">
                         <m:r>
-                          <a:rPr lang="zh-CN" altLang="en-US" i="1" smtClean="0">
+                          <a:rPr lang="zh-CN" altLang="en-US" i="1">
                             <a:latin typeface="Cambria Math" panose="02040503050406030204" pitchFamily="18" charset="0"/>
                           </a:rPr>
                           <m:t>𝑈</m:t>
@@ -17788,7 +17832,7 @@
               </p:txBody>
             </p:sp>
           </mc:Choice>
-          <mc:Fallback xmlns="">
+          <mc:Fallback>
             <p:sp>
               <p:nvSpPr>
                 <p:cNvPr id="63" name="文本框 62"/>
@@ -17800,13 +17844,16 @@
               <p:spPr>
                 <a:xfrm>
                   <a:off x="3112479" y="1702362"/>
-                  <a:ext cx="216085" cy="276999"/>
+                  <a:ext cx="225703" cy="276999"/>
                 </a:xfrm>
                 <a:prstGeom prst="rect">
                   <a:avLst/>
                 </a:prstGeom>
-                <a:blipFill rotWithShape="1">
-                  <a:blip r:embed="rId11"/>
+                <a:blipFill>
+                  <a:blip r:embed="rId12"/>
+                  <a:stretch>
+                    <a:fillRect l="-21622" r="-21622" b="-6522"/>
+                  </a:stretch>
                 </a:blipFill>
               </p:spPr>
               <p:txBody>
@@ -17824,8 +17871,8 @@
             </p:sp>
           </mc:Fallback>
         </mc:AlternateContent>
-        <mc:AlternateContent xmlns:mc="http://schemas.openxmlformats.org/markup-compatibility/2006" xmlns:a14="http://schemas.microsoft.com/office/drawing/2010/main">
-          <mc:Choice Requires="a14">
+        <mc:AlternateContent xmlns:mc="http://schemas.openxmlformats.org/markup-compatibility/2006">
+          <mc:Choice xmlns:a14="http://schemas.microsoft.com/office/drawing/2010/main" Requires="a14">
             <p:sp>
               <p:nvSpPr>
                 <p:cNvPr id="64" name="文本框 63"/>
@@ -17835,7 +17882,7 @@
               <p:spPr>
                 <a:xfrm>
                   <a:off x="4689233" y="1733288"/>
-                  <a:ext cx="216085" cy="276999"/>
+                  <a:ext cx="225703" cy="276999"/>
                 </a:xfrm>
                 <a:prstGeom prst="rect">
                   <a:avLst/>
@@ -17856,7 +17903,7 @@
                       </m:oMathParaPr>
                       <m:oMath xmlns:m="http://schemas.openxmlformats.org/officeDocument/2006/math">
                         <m:r>
-                          <a:rPr lang="zh-CN" altLang="en-US" i="1" smtClean="0">
+                          <a:rPr lang="zh-CN" altLang="en-US" i="1">
                             <a:latin typeface="Cambria Math" panose="02040503050406030204" pitchFamily="18" charset="0"/>
                           </a:rPr>
                           <m:t>𝑈</m:t>
@@ -17869,7 +17916,7 @@
               </p:txBody>
             </p:sp>
           </mc:Choice>
-          <mc:Fallback xmlns="">
+          <mc:Fallback>
             <p:sp>
               <p:nvSpPr>
                 <p:cNvPr id="64" name="文本框 63"/>
@@ -17881,13 +17928,16 @@
               <p:spPr>
                 <a:xfrm>
                   <a:off x="4689233" y="1733288"/>
-                  <a:ext cx="216085" cy="276999"/>
+                  <a:ext cx="225703" cy="276999"/>
                 </a:xfrm>
                 <a:prstGeom prst="rect">
                   <a:avLst/>
                 </a:prstGeom>
-                <a:blipFill rotWithShape="1">
-                  <a:blip r:embed="rId11"/>
+                <a:blipFill>
+                  <a:blip r:embed="rId13"/>
+                  <a:stretch>
+                    <a:fillRect l="-21622" r="-21622" b="-6522"/>
+                  </a:stretch>
                 </a:blipFill>
               </p:spPr>
               <p:txBody>
@@ -17905,8 +17955,8 @@
             </p:sp>
           </mc:Fallback>
         </mc:AlternateContent>
-        <mc:AlternateContent xmlns:mc="http://schemas.openxmlformats.org/markup-compatibility/2006" xmlns:a14="http://schemas.microsoft.com/office/drawing/2010/main">
-          <mc:Choice Requires="a14">
+        <mc:AlternateContent xmlns:mc="http://schemas.openxmlformats.org/markup-compatibility/2006">
+          <mc:Choice xmlns:a14="http://schemas.microsoft.com/office/drawing/2010/main" Requires="a14">
             <p:sp>
               <p:nvSpPr>
                 <p:cNvPr id="65" name="文本框 64"/>
@@ -17916,7 +17966,7 @@
               <p:spPr>
                 <a:xfrm>
                   <a:off x="2340682" y="1940116"/>
-                  <a:ext cx="404150" cy="276999"/>
+                  <a:ext cx="413768" cy="276999"/>
                 </a:xfrm>
                 <a:prstGeom prst="rect">
                   <a:avLst/>
@@ -17937,13 +17987,13 @@
                       </m:oMathParaPr>
                       <m:oMath xmlns:m="http://schemas.openxmlformats.org/officeDocument/2006/math">
                         <m:r>
-                          <a:rPr lang="zh-CN" altLang="en-US" i="1" smtClean="0">
+                          <a:rPr lang="zh-CN" altLang="en-US" i="1">
                             <a:latin typeface="Cambria Math" panose="02040503050406030204" pitchFamily="18" charset="0"/>
                           </a:rPr>
                           <m:t>𝑉</m:t>
                         </m:r>
                         <m:r>
-                          <a:rPr lang="zh-CN" altLang="en-US" i="0">
+                          <a:rPr lang="zh-CN" altLang="en-US">
                             <a:latin typeface="Cambria Math" panose="02040503050406030204" pitchFamily="18" charset="0"/>
                           </a:rPr>
                           <m:t>,</m:t>
@@ -17962,7 +18012,7 @@
               </p:txBody>
             </p:sp>
           </mc:Choice>
-          <mc:Fallback xmlns="">
+          <mc:Fallback>
             <p:sp>
               <p:nvSpPr>
                 <p:cNvPr id="65" name="文本框 64"/>
@@ -17974,13 +18024,16 @@
               <p:spPr>
                 <a:xfrm>
                   <a:off x="2340682" y="1940116"/>
-                  <a:ext cx="404150" cy="276999"/>
+                  <a:ext cx="413768" cy="276999"/>
                 </a:xfrm>
                 <a:prstGeom prst="rect">
                   <a:avLst/>
                 </a:prstGeom>
-                <a:blipFill rotWithShape="1">
-                  <a:blip r:embed="rId12"/>
+                <a:blipFill>
+                  <a:blip r:embed="rId14"/>
+                  <a:stretch>
+                    <a:fillRect l="-13235" r="-4412" b="-6522"/>
+                  </a:stretch>
                 </a:blipFill>
               </p:spPr>
               <p:txBody>
@@ -17998,8 +18051,8 @@
             </p:sp>
           </mc:Fallback>
         </mc:AlternateContent>
-        <mc:AlternateContent xmlns:mc="http://schemas.openxmlformats.org/markup-compatibility/2006" xmlns:a14="http://schemas.microsoft.com/office/drawing/2010/main">
-          <mc:Choice Requires="a14">
+        <mc:AlternateContent xmlns:mc="http://schemas.openxmlformats.org/markup-compatibility/2006">
+          <mc:Choice xmlns:a14="http://schemas.microsoft.com/office/drawing/2010/main" Requires="a14">
             <p:sp>
               <p:nvSpPr>
                 <p:cNvPr id="66" name="文本框 65"/>
@@ -18009,7 +18062,7 @@
               <p:spPr>
                 <a:xfrm>
                   <a:off x="3921657" y="1940116"/>
-                  <a:ext cx="404150" cy="276999"/>
+                  <a:ext cx="413768" cy="276999"/>
                 </a:xfrm>
                 <a:prstGeom prst="rect">
                   <a:avLst/>
@@ -18030,13 +18083,13 @@
                       </m:oMathParaPr>
                       <m:oMath xmlns:m="http://schemas.openxmlformats.org/officeDocument/2006/math">
                         <m:r>
-                          <a:rPr lang="zh-CN" altLang="en-US" i="1" smtClean="0">
+                          <a:rPr lang="zh-CN" altLang="en-US" i="1">
                             <a:latin typeface="Cambria Math" panose="02040503050406030204" pitchFamily="18" charset="0"/>
                           </a:rPr>
                           <m:t>𝑉</m:t>
                         </m:r>
                         <m:r>
-                          <a:rPr lang="zh-CN" altLang="en-US" i="0">
+                          <a:rPr lang="zh-CN" altLang="en-US">
                             <a:latin typeface="Cambria Math" panose="02040503050406030204" pitchFamily="18" charset="0"/>
                           </a:rPr>
                           <m:t>,</m:t>
@@ -18055,7 +18108,7 @@
               </p:txBody>
             </p:sp>
           </mc:Choice>
-          <mc:Fallback xmlns="">
+          <mc:Fallback>
             <p:sp>
               <p:nvSpPr>
                 <p:cNvPr id="66" name="文本框 65"/>
@@ -18067,13 +18120,16 @@
               <p:spPr>
                 <a:xfrm>
                   <a:off x="3921657" y="1940116"/>
-                  <a:ext cx="404150" cy="276999"/>
+                  <a:ext cx="413768" cy="276999"/>
                 </a:xfrm>
                 <a:prstGeom prst="rect">
                   <a:avLst/>
                 </a:prstGeom>
-                <a:blipFill rotWithShape="1">
-                  <a:blip r:embed="rId12"/>
+                <a:blipFill>
+                  <a:blip r:embed="rId15"/>
+                  <a:stretch>
+                    <a:fillRect l="-11765" r="-4412" b="-6522"/>
+                  </a:stretch>
                 </a:blipFill>
               </p:spPr>
               <p:txBody>
@@ -18091,8 +18147,8 @@
             </p:sp>
           </mc:Fallback>
         </mc:AlternateContent>
-        <mc:AlternateContent xmlns:mc="http://schemas.openxmlformats.org/markup-compatibility/2006" xmlns:a14="http://schemas.microsoft.com/office/drawing/2010/main">
-          <mc:Choice Requires="a14">
+        <mc:AlternateContent xmlns:mc="http://schemas.openxmlformats.org/markup-compatibility/2006">
+          <mc:Choice xmlns:a14="http://schemas.microsoft.com/office/drawing/2010/main" Requires="a14">
             <p:sp>
               <p:nvSpPr>
                 <p:cNvPr id="67" name="文本框 66"/>
@@ -18102,7 +18158,7 @@
               <p:spPr>
                 <a:xfrm>
                   <a:off x="5536947" y="1940116"/>
-                  <a:ext cx="404150" cy="276999"/>
+                  <a:ext cx="413768" cy="276999"/>
                 </a:xfrm>
                 <a:prstGeom prst="rect">
                   <a:avLst/>
@@ -18123,13 +18179,13 @@
                       </m:oMathParaPr>
                       <m:oMath xmlns:m="http://schemas.openxmlformats.org/officeDocument/2006/math">
                         <m:r>
-                          <a:rPr lang="zh-CN" altLang="en-US" i="1" smtClean="0">
+                          <a:rPr lang="zh-CN" altLang="en-US" i="1">
                             <a:latin typeface="Cambria Math" panose="02040503050406030204" pitchFamily="18" charset="0"/>
                           </a:rPr>
                           <m:t>𝑉</m:t>
                         </m:r>
                         <m:r>
-                          <a:rPr lang="zh-CN" altLang="en-US" i="0">
+                          <a:rPr lang="zh-CN" altLang="en-US">
                             <a:latin typeface="Cambria Math" panose="02040503050406030204" pitchFamily="18" charset="0"/>
                           </a:rPr>
                           <m:t>,</m:t>
@@ -18148,7 +18204,7 @@
               </p:txBody>
             </p:sp>
           </mc:Choice>
-          <mc:Fallback xmlns="">
+          <mc:Fallback>
             <p:sp>
               <p:nvSpPr>
                 <p:cNvPr id="67" name="文本框 66"/>
@@ -18160,13 +18216,16 @@
               <p:spPr>
                 <a:xfrm>
                   <a:off x="5536947" y="1940116"/>
-                  <a:ext cx="404150" cy="276999"/>
+                  <a:ext cx="413768" cy="276999"/>
                 </a:xfrm>
                 <a:prstGeom prst="rect">
                   <a:avLst/>
                 </a:prstGeom>
-                <a:blipFill rotWithShape="1">
-                  <a:blip r:embed="rId12"/>
+                <a:blipFill>
+                  <a:blip r:embed="rId16"/>
+                  <a:stretch>
+                    <a:fillRect l="-11765" r="-4412" b="-6522"/>
+                  </a:stretch>
                 </a:blipFill>
               </p:spPr>
               <p:txBody>
@@ -18184,8 +18243,8 @@
             </p:sp>
           </mc:Fallback>
         </mc:AlternateContent>
-        <mc:AlternateContent xmlns:mc="http://schemas.openxmlformats.org/markup-compatibility/2006" xmlns:a14="http://schemas.microsoft.com/office/drawing/2010/main">
-          <mc:Choice Requires="a14">
+        <mc:AlternateContent xmlns:mc="http://schemas.openxmlformats.org/markup-compatibility/2006">
+          <mc:Choice xmlns:a14="http://schemas.microsoft.com/office/drawing/2010/main" Requires="a14">
             <p:sp>
               <p:nvSpPr>
                 <p:cNvPr id="68" name="文本框 67"/>
@@ -18195,7 +18254,7 @@
               <p:spPr>
                 <a:xfrm>
                   <a:off x="2365160" y="3133018"/>
-                  <a:ext cx="498213" cy="276999"/>
+                  <a:ext cx="507831" cy="276999"/>
                 </a:xfrm>
                 <a:prstGeom prst="rect">
                   <a:avLst/>
@@ -18216,13 +18275,13 @@
                       </m:oMathParaPr>
                       <m:oMath xmlns:m="http://schemas.openxmlformats.org/officeDocument/2006/math">
                         <m:r>
-                          <a:rPr lang="zh-CN" altLang="en-US" i="1" smtClean="0">
+                          <a:rPr lang="zh-CN" altLang="en-US" i="1">
                             <a:latin typeface="Cambria Math" panose="02040503050406030204" pitchFamily="18" charset="0"/>
                           </a:rPr>
                           <m:t>𝑊</m:t>
                         </m:r>
                         <m:r>
-                          <a:rPr lang="zh-CN" altLang="en-US" i="0">
+                          <a:rPr lang="zh-CN" altLang="en-US">
                             <a:latin typeface="Cambria Math" panose="02040503050406030204" pitchFamily="18" charset="0"/>
                           </a:rPr>
                           <m:t>,</m:t>
@@ -18241,7 +18300,7 @@
               </p:txBody>
             </p:sp>
           </mc:Choice>
-          <mc:Fallback xmlns="">
+          <mc:Fallback>
             <p:sp>
               <p:nvSpPr>
                 <p:cNvPr id="68" name="文本框 67"/>
@@ -18253,13 +18312,16 @@
               <p:spPr>
                 <a:xfrm>
                   <a:off x="2365160" y="3133018"/>
-                  <a:ext cx="498213" cy="276999"/>
+                  <a:ext cx="507831" cy="276999"/>
                 </a:xfrm>
                 <a:prstGeom prst="rect">
                   <a:avLst/>
                 </a:prstGeom>
-                <a:blipFill rotWithShape="1">
-                  <a:blip r:embed="rId13"/>
+                <a:blipFill>
+                  <a:blip r:embed="rId17"/>
+                  <a:stretch>
+                    <a:fillRect l="-10843" r="-9639" b="-8889"/>
+                  </a:stretch>
                 </a:blipFill>
               </p:spPr>
               <p:txBody>
@@ -18277,8 +18339,8 @@
             </p:sp>
           </mc:Fallback>
         </mc:AlternateContent>
-        <mc:AlternateContent xmlns:mc="http://schemas.openxmlformats.org/markup-compatibility/2006" xmlns:a14="http://schemas.microsoft.com/office/drawing/2010/main">
-          <mc:Choice Requires="a14">
+        <mc:AlternateContent xmlns:mc="http://schemas.openxmlformats.org/markup-compatibility/2006">
+          <mc:Choice xmlns:a14="http://schemas.microsoft.com/office/drawing/2010/main" Requires="a14">
             <p:sp>
               <p:nvSpPr>
                 <p:cNvPr id="69" name="文本框 68"/>
@@ -18288,7 +18350,7 @@
               <p:spPr>
                 <a:xfrm>
                   <a:off x="3941913" y="3133015"/>
-                  <a:ext cx="498213" cy="276999"/>
+                  <a:ext cx="507831" cy="276999"/>
                 </a:xfrm>
                 <a:prstGeom prst="rect">
                   <a:avLst/>
@@ -18309,13 +18371,13 @@
                       </m:oMathParaPr>
                       <m:oMath xmlns:m="http://schemas.openxmlformats.org/officeDocument/2006/math">
                         <m:r>
-                          <a:rPr lang="zh-CN" altLang="en-US" i="1" smtClean="0">
+                          <a:rPr lang="zh-CN" altLang="en-US" i="1">
                             <a:latin typeface="Cambria Math" panose="02040503050406030204" pitchFamily="18" charset="0"/>
                           </a:rPr>
                           <m:t>𝑊</m:t>
                         </m:r>
                         <m:r>
-                          <a:rPr lang="zh-CN" altLang="en-US" i="0">
+                          <a:rPr lang="zh-CN" altLang="en-US">
                             <a:latin typeface="Cambria Math" panose="02040503050406030204" pitchFamily="18" charset="0"/>
                           </a:rPr>
                           <m:t>,</m:t>
@@ -18334,7 +18396,7 @@
               </p:txBody>
             </p:sp>
           </mc:Choice>
-          <mc:Fallback xmlns="">
+          <mc:Fallback>
             <p:sp>
               <p:nvSpPr>
                 <p:cNvPr id="69" name="文本框 68"/>
@@ -18346,13 +18408,16 @@
               <p:spPr>
                 <a:xfrm>
                   <a:off x="3941913" y="3133015"/>
-                  <a:ext cx="498213" cy="276999"/>
+                  <a:ext cx="507831" cy="276999"/>
                 </a:xfrm>
                 <a:prstGeom prst="rect">
                   <a:avLst/>
                 </a:prstGeom>
-                <a:blipFill rotWithShape="1">
-                  <a:blip r:embed="rId13"/>
+                <a:blipFill>
+                  <a:blip r:embed="rId18"/>
+                  <a:stretch>
+                    <a:fillRect l="-9524" r="-8333" b="-8889"/>
+                  </a:stretch>
                 </a:blipFill>
               </p:spPr>
               <p:txBody>
@@ -18370,8 +18435,8 @@
             </p:sp>
           </mc:Fallback>
         </mc:AlternateContent>
-        <mc:AlternateContent xmlns:mc="http://schemas.openxmlformats.org/markup-compatibility/2006" xmlns:a14="http://schemas.microsoft.com/office/drawing/2010/main">
-          <mc:Choice Requires="a14">
+        <mc:AlternateContent xmlns:mc="http://schemas.openxmlformats.org/markup-compatibility/2006">
+          <mc:Choice xmlns:a14="http://schemas.microsoft.com/office/drawing/2010/main" Requires="a14">
             <p:sp>
               <p:nvSpPr>
                 <p:cNvPr id="70" name="文本框 69"/>
@@ -18381,7 +18446,7 @@
               <p:spPr>
                 <a:xfrm>
                   <a:off x="5536947" y="3126822"/>
-                  <a:ext cx="498213" cy="276999"/>
+                  <a:ext cx="507831" cy="276999"/>
                 </a:xfrm>
                 <a:prstGeom prst="rect">
                   <a:avLst/>
@@ -18402,13 +18467,13 @@
                       </m:oMathParaPr>
                       <m:oMath xmlns:m="http://schemas.openxmlformats.org/officeDocument/2006/math">
                         <m:r>
-                          <a:rPr lang="zh-CN" altLang="en-US" i="1" smtClean="0">
+                          <a:rPr lang="zh-CN" altLang="en-US" i="1">
                             <a:latin typeface="Cambria Math" panose="02040503050406030204" pitchFamily="18" charset="0"/>
                           </a:rPr>
                           <m:t>𝑊</m:t>
                         </m:r>
                         <m:r>
-                          <a:rPr lang="zh-CN" altLang="en-US" i="0">
+                          <a:rPr lang="zh-CN" altLang="en-US">
                             <a:latin typeface="Cambria Math" panose="02040503050406030204" pitchFamily="18" charset="0"/>
                           </a:rPr>
                           <m:t>,</m:t>
@@ -18427,7 +18492,7 @@
               </p:txBody>
             </p:sp>
           </mc:Choice>
-          <mc:Fallback xmlns="">
+          <mc:Fallback>
             <p:sp>
               <p:nvSpPr>
                 <p:cNvPr id="70" name="文本框 69"/>
@@ -18439,13 +18504,16 @@
               <p:spPr>
                 <a:xfrm>
                   <a:off x="5536947" y="3126822"/>
-                  <a:ext cx="498213" cy="276999"/>
+                  <a:ext cx="507831" cy="276999"/>
                 </a:xfrm>
                 <a:prstGeom prst="rect">
                   <a:avLst/>
                 </a:prstGeom>
-                <a:blipFill rotWithShape="1">
-                  <a:blip r:embed="rId13"/>
+                <a:blipFill>
+                  <a:blip r:embed="rId19"/>
+                  <a:stretch>
+                    <a:fillRect l="-9639" r="-9639" b="-8889"/>
+                  </a:stretch>
                 </a:blipFill>
               </p:spPr>
               <p:txBody>
@@ -18503,7 +18571,7 @@
         </p:nvGrpSpPr>
         <p:grpSpPr>
           <a:xfrm>
-            <a:off x="4086481" y="1545492"/>
+            <a:off x="4086483" y="1545492"/>
             <a:ext cx="569722" cy="580294"/>
             <a:chOff x="2039241" y="1113692"/>
             <a:chExt cx="569722" cy="580294"/>
@@ -18553,8 +18621,8 @@
             </a:p>
           </p:txBody>
         </p:sp>
-        <mc:AlternateContent xmlns:mc="http://schemas.openxmlformats.org/markup-compatibility/2006" xmlns:a14="http://schemas.microsoft.com/office/drawing/2010/main">
-          <mc:Choice Requires="a14">
+        <mc:AlternateContent xmlns:mc="http://schemas.openxmlformats.org/markup-compatibility/2006">
+          <mc:Choice xmlns:a14="http://schemas.microsoft.com/office/drawing/2010/main" Requires="a14">
             <p:sp>
               <p:nvSpPr>
                 <p:cNvPr id="51" name="文本框 50">
@@ -18570,7 +18638,7 @@
               <p:spPr>
                 <a:xfrm>
                   <a:off x="2104292" y="1213339"/>
-                  <a:ext cx="481222" cy="276999"/>
+                  <a:ext cx="490840" cy="276999"/>
                 </a:xfrm>
                 <a:prstGeom prst="rect">
                   <a:avLst/>
@@ -18593,7 +18661,7 @@
                         <m:sSub>
                           <m:sSubPr>
                             <m:ctrlPr>
-                              <a:rPr lang="zh-CN" altLang="en-US" i="1" smtClean="0">
+                              <a:rPr lang="zh-CN" altLang="en-US" i="1">
                                 <a:solidFill>
                                   <a:srgbClr val="836967"/>
                                 </a:solidFill>
@@ -18617,7 +18685,7 @@
                               <m:t>𝑡</m:t>
                             </m:r>
                             <m:r>
-                              <a:rPr lang="zh-CN" altLang="en-US" i="0">
+                              <a:rPr lang="zh-CN" altLang="en-US">
                                 <a:latin typeface="Cambria Math" panose="02040503050406030204" pitchFamily="18" charset="0"/>
                               </a:rPr>
                               <m:t>−1</m:t>
@@ -18632,10 +18700,16 @@
               </p:txBody>
             </p:sp>
           </mc:Choice>
-          <mc:Fallback xmlns="">
+          <mc:Fallback>
             <p:sp>
               <p:nvSpPr>
-                <p:cNvPr id="5" name="文本框 4"/>
+                <p:cNvPr id="51" name="文本框 50">
+                  <a:extLst>
+                    <a:ext uri="{FF2B5EF4-FFF2-40B4-BE49-F238E27FC236}">
+                      <a16:creationId xmlns:a16="http://schemas.microsoft.com/office/drawing/2014/main" id="{B06E0661-5BD4-1651-C747-00C0C2061965}"/>
+                    </a:ext>
+                  </a:extLst>
+                </p:cNvPr>
                 <p:cNvSpPr txBox="1">
                   <a:spLocks noRot="1" noChangeAspect="1" noMove="1" noResize="1" noEditPoints="1" noAdjustHandles="1" noChangeArrowheads="1" noChangeShapeType="1" noTextEdit="1"/>
                 </p:cNvSpPr>
@@ -18644,13 +18718,16 @@
               <p:spPr>
                 <a:xfrm>
                   <a:off x="2104292" y="1213339"/>
-                  <a:ext cx="481222" cy="276999"/>
+                  <a:ext cx="490840" cy="276999"/>
                 </a:xfrm>
                 <a:prstGeom prst="rect">
                   <a:avLst/>
                 </a:prstGeom>
-                <a:blipFill rotWithShape="1">
+                <a:blipFill>
                   <a:blip r:embed="rId2"/>
+                  <a:stretch>
+                    <a:fillRect l="-11111" r="-3704" b="-26667"/>
+                  </a:stretch>
                 </a:blipFill>
               </p:spPr>
               <p:txBody>
@@ -18683,7 +18760,7 @@
         </p:nvGrpSpPr>
         <p:grpSpPr>
           <a:xfrm>
-            <a:off x="4086481" y="4051717"/>
+            <a:off x="4086480" y="4051717"/>
             <a:ext cx="569722" cy="580294"/>
             <a:chOff x="2039241" y="1113692"/>
             <a:chExt cx="569722" cy="580294"/>
@@ -18750,7 +18827,7 @@
               <p:spPr>
                 <a:xfrm>
                   <a:off x="2085826" y="1227793"/>
-                  <a:ext cx="499688" cy="348878"/>
+                  <a:ext cx="498150" cy="343812"/>
                 </a:xfrm>
                 <a:prstGeom prst="rect">
                   <a:avLst/>
@@ -18773,7 +18850,7 @@
                         <m:sSubSup>
                           <m:sSubSupPr>
                             <m:ctrlPr>
-                              <a:rPr lang="zh-CN" altLang="en-US" i="1" smtClean="0">
+                              <a:rPr lang="zh-CN" altLang="en-US" i="1">
                                 <a:solidFill>
                                   <a:srgbClr val="836967"/>
                                 </a:solidFill>
@@ -18814,7 +18891,7 @@
                               </m:dPr>
                               <m:e>
                                 <m:r>
-                                  <a:rPr lang="en-US" altLang="zh-CN" b="0" i="1" smtClean="0">
+                                  <a:rPr lang="en-US" altLang="zh-CN" i="1">
                                     <a:latin typeface="Cambria Math" panose="02040503050406030204" pitchFamily="18" charset="0"/>
                                   </a:rPr>
                                   <m:t>1</m:t>
@@ -18849,7 +18926,7 @@
               <p:spPr>
                 <a:xfrm>
                   <a:off x="2085826" y="1227793"/>
-                  <a:ext cx="499688" cy="348878"/>
+                  <a:ext cx="498150" cy="343812"/>
                 </a:xfrm>
                 <a:prstGeom prst="rect">
                   <a:avLst/>
@@ -18857,7 +18934,7 @@
                 <a:blipFill>
                   <a:blip r:embed="rId3"/>
                   <a:stretch>
-                    <a:fillRect l="-9756" r="-2439" b="-13793"/>
+                    <a:fillRect l="-10976" r="-2439" b="-15789"/>
                   </a:stretch>
                 </a:blipFill>
               </p:spPr>
@@ -18958,7 +19035,7 @@
               <p:spPr>
                 <a:xfrm>
                   <a:off x="2094931" y="1227966"/>
-                  <a:ext cx="481478" cy="276999"/>
+                  <a:ext cx="491096" cy="276999"/>
                 </a:xfrm>
                 <a:prstGeom prst="rect">
                   <a:avLst/>
@@ -18981,7 +19058,7 @@
                         <m:sSub>
                           <m:sSubPr>
                             <m:ctrlPr>
-                              <a:rPr lang="zh-CN" altLang="en-US" i="1" smtClean="0">
+                              <a:rPr lang="zh-CN" altLang="en-US" i="1">
                                 <a:solidFill>
                                   <a:srgbClr val="836967"/>
                                 </a:solidFill>
@@ -19005,7 +19082,7 @@
                               <m:t>𝑡</m:t>
                             </m:r>
                             <m:r>
-                              <a:rPr lang="zh-CN" altLang="en-US" i="0">
+                              <a:rPr lang="zh-CN" altLang="en-US">
                                 <a:latin typeface="Cambria Math" panose="02040503050406030204" pitchFamily="18" charset="0"/>
                               </a:rPr>
                               <m:t>−1</m:t>
@@ -19038,7 +19115,7 @@
               <p:spPr>
                 <a:xfrm>
                   <a:off x="2094931" y="1227966"/>
-                  <a:ext cx="481478" cy="276999"/>
+                  <a:ext cx="491096" cy="276999"/>
                 </a:xfrm>
                 <a:prstGeom prst="rect">
                   <a:avLst/>
@@ -19046,7 +19123,7 @@
                 <a:blipFill>
                   <a:blip r:embed="rId4"/>
                   <a:stretch>
-                    <a:fillRect l="-6329" r="-5063" b="-15556"/>
+                    <a:fillRect l="-6173" r="-3704" b="-15556"/>
                   </a:stretch>
                 </a:blipFill>
               </p:spPr>
@@ -19165,7 +19242,7 @@
         <p:spPr>
           <a:xfrm>
             <a:off x="2747792" y="3079593"/>
-            <a:ext cx="343364" cy="369332"/>
+            <a:ext cx="346570" cy="369332"/>
           </a:xfrm>
           <a:prstGeom prst="rect">
             <a:avLst/>
@@ -19201,7 +19278,7 @@
         <p:spPr>
           <a:xfrm>
             <a:off x="8553696" y="3076611"/>
-            <a:ext cx="343364" cy="369332"/>
+            <a:ext cx="346570" cy="369332"/>
           </a:xfrm>
           <a:prstGeom prst="rect">
             <a:avLst/>
@@ -19326,7 +19403,7 @@
                         <m:sSubSup>
                           <m:sSubSupPr>
                             <m:ctrlPr>
-                              <a:rPr lang="zh-CN" altLang="en-US" i="1" smtClean="0">
+                              <a:rPr lang="zh-CN" altLang="en-US" i="1">
                                 <a:solidFill>
                                   <a:srgbClr val="836967"/>
                                 </a:solidFill>
@@ -19350,7 +19427,7 @@
                               <m:t>𝑡</m:t>
                             </m:r>
                             <m:r>
-                              <a:rPr lang="en-US" altLang="zh-CN" b="0" i="1" smtClean="0">
+                              <a:rPr lang="en-US" altLang="zh-CN" i="1">
                                 <a:latin typeface="Cambria Math" panose="02040503050406030204" pitchFamily="18" charset="0"/>
                               </a:rPr>
                               <m:t>−1</m:t>
@@ -19444,7 +19521,7 @@
         </p:nvGrpSpPr>
         <p:grpSpPr>
           <a:xfrm>
-            <a:off x="5509638" y="1545492"/>
+            <a:off x="5509639" y="1545492"/>
             <a:ext cx="569722" cy="580294"/>
             <a:chOff x="2039241" y="1113692"/>
             <a:chExt cx="569722" cy="580294"/>
@@ -19534,7 +19611,7 @@
                         <m:sSub>
                           <m:sSubPr>
                             <m:ctrlPr>
-                              <a:rPr lang="zh-CN" altLang="en-US" i="1" smtClean="0">
+                              <a:rPr lang="zh-CN" altLang="en-US" i="1">
                                 <a:solidFill>
                                   <a:srgbClr val="836967"/>
                                 </a:solidFill>
@@ -19627,7 +19704,7 @@
         </p:nvGrpSpPr>
         <p:grpSpPr>
           <a:xfrm>
-            <a:off x="5509638" y="4051717"/>
+            <a:off x="5509640" y="4051717"/>
             <a:ext cx="569722" cy="580294"/>
             <a:chOff x="2039241" y="1113692"/>
             <a:chExt cx="569722" cy="580294"/>
@@ -19717,7 +19794,7 @@
                         <m:sSubSup>
                           <m:sSubSupPr>
                             <m:ctrlPr>
-                              <a:rPr lang="zh-CN" altLang="en-US" i="1" smtClean="0">
+                              <a:rPr lang="zh-CN" altLang="en-US" i="1">
                                 <a:solidFill>
                                   <a:srgbClr val="836967"/>
                                 </a:solidFill>
@@ -19752,7 +19829,7 @@
                               </m:dPr>
                               <m:e>
                                 <m:r>
-                                  <a:rPr lang="en-US" altLang="zh-CN" b="0" i="1" smtClean="0">
+                                  <a:rPr lang="en-US" altLang="zh-CN" i="1">
                                     <a:latin typeface="Cambria Math" panose="02040503050406030204" pitchFamily="18" charset="0"/>
                                   </a:rPr>
                                   <m:t>1</m:t>
@@ -19829,7 +19906,7 @@
         </p:nvGrpSpPr>
         <p:grpSpPr>
           <a:xfrm>
-            <a:off x="5509638" y="5212861"/>
+            <a:off x="5509639" y="5212861"/>
             <a:ext cx="569722" cy="580294"/>
             <a:chOff x="2039241" y="1113692"/>
             <a:chExt cx="569722" cy="580294"/>
@@ -19919,7 +19996,7 @@
                         <m:sSub>
                           <m:sSubPr>
                             <m:ctrlPr>
-                              <a:rPr lang="zh-CN" altLang="en-US" i="1" smtClean="0">
+                              <a:rPr lang="zh-CN" altLang="en-US" i="1">
                                 <a:solidFill>
                                   <a:srgbClr val="836967"/>
                                 </a:solidFill>
@@ -20097,7 +20174,7 @@
         <p:grpSpPr>
           <a:xfrm>
             <a:off x="5526218" y="2977628"/>
-            <a:ext cx="569722" cy="580294"/>
+            <a:ext cx="569721" cy="580294"/>
             <a:chOff x="2039241" y="1113692"/>
             <a:chExt cx="569722" cy="580294"/>
           </a:xfrm>
@@ -20163,7 +20240,7 @@
               <p:spPr>
                 <a:xfrm>
                   <a:off x="2103112" y="1212675"/>
-                  <a:ext cx="441980" cy="342401"/>
+                  <a:ext cx="441981" cy="342401"/>
                 </a:xfrm>
                 <a:prstGeom prst="rect">
                   <a:avLst/>
@@ -20186,7 +20263,7 @@
                         <m:sSubSup>
                           <m:sSubSupPr>
                             <m:ctrlPr>
-                              <a:rPr lang="zh-CN" altLang="en-US" b="0" i="1" smtClean="0">
+                              <a:rPr lang="zh-CN" altLang="en-US" i="1">
                                 <a:solidFill>
                                   <a:srgbClr val="836967"/>
                                 </a:solidFill>
@@ -20196,10 +20273,7 @@
                           </m:sSubSupPr>
                           <m:e>
                             <m:r>
-                              <a:rPr lang="en-US" altLang="zh-CN" b="0" i="1" smtClean="0">
-                                <a:solidFill>
-                                  <a:schemeClr val="tx1"/>
-                                </a:solidFill>
+                              <a:rPr lang="en-US" altLang="zh-CN" i="1">
                                 <a:latin typeface="Cambria Math" panose="02040503050406030204" pitchFamily="18" charset="0"/>
                               </a:rPr>
                               <m:t>h</m:t>
@@ -20217,14 +20291,14 @@
                             <m:d>
                               <m:dPr>
                                 <m:ctrlPr>
-                                  <a:rPr lang="en-US" altLang="zh-CN" b="0" i="1" smtClean="0">
+                                  <a:rPr lang="en-US" altLang="zh-CN" i="1">
                                     <a:latin typeface="Cambria Math" panose="02040503050406030204" pitchFamily="18" charset="0"/>
                                   </a:rPr>
                                 </m:ctrlPr>
                               </m:dPr>
                               <m:e>
                                 <m:r>
-                                  <a:rPr lang="en-US" altLang="zh-CN" b="0" i="1" smtClean="0">
+                                  <a:rPr lang="en-US" altLang="zh-CN" i="1">
                                     <a:latin typeface="Cambria Math" panose="02040503050406030204" pitchFamily="18" charset="0"/>
                                   </a:rPr>
                                   <m:t>2</m:t>
@@ -20259,7 +20333,7 @@
               <p:spPr>
                 <a:xfrm>
                   <a:off x="2103112" y="1212675"/>
-                  <a:ext cx="441980" cy="342401"/>
+                  <a:ext cx="441981" cy="342401"/>
                 </a:xfrm>
                 <a:prstGeom prst="rect">
                   <a:avLst/>
@@ -20301,7 +20375,7 @@
         </p:nvGrpSpPr>
         <p:grpSpPr>
           <a:xfrm>
-            <a:off x="7023377" y="1548114"/>
+            <a:off x="7023378" y="1548114"/>
             <a:ext cx="569722" cy="580294"/>
             <a:chOff x="2039241" y="1113692"/>
             <a:chExt cx="569722" cy="580294"/>
@@ -20391,7 +20465,7 @@
                         <m:sSub>
                           <m:sSubPr>
                             <m:ctrlPr>
-                              <a:rPr lang="zh-CN" altLang="en-US" i="1" smtClean="0">
+                              <a:rPr lang="zh-CN" altLang="en-US" i="1">
                                 <a:solidFill>
                                   <a:srgbClr val="836967"/>
                                 </a:solidFill>
@@ -20415,13 +20489,13 @@
                               <m:t>𝑡</m:t>
                             </m:r>
                             <m:r>
-                              <a:rPr lang="en-US" altLang="zh-CN" b="0" i="0" smtClean="0">
+                              <a:rPr lang="en-US" altLang="zh-CN">
                                 <a:latin typeface="Cambria Math" panose="02040503050406030204" pitchFamily="18" charset="0"/>
                               </a:rPr>
                               <m:t>+</m:t>
                             </m:r>
                             <m:r>
-                              <a:rPr lang="zh-CN" altLang="en-US" i="0">
+                              <a:rPr lang="zh-CN" altLang="en-US">
                                 <a:latin typeface="Cambria Math" panose="02040503050406030204" pitchFamily="18" charset="0"/>
                               </a:rPr>
                               <m:t>1</m:t>
@@ -20496,7 +20570,7 @@
         </p:nvGrpSpPr>
         <p:grpSpPr>
           <a:xfrm>
-            <a:off x="7023377" y="4054339"/>
+            <a:off x="7023375" y="4054339"/>
             <a:ext cx="569722" cy="580294"/>
             <a:chOff x="2039241" y="1113692"/>
             <a:chExt cx="569722" cy="580294"/>
@@ -20586,7 +20660,7 @@
                         <m:sSubSup>
                           <m:sSubSupPr>
                             <m:ctrlPr>
-                              <a:rPr lang="zh-CN" altLang="en-US" i="1" smtClean="0">
+                              <a:rPr lang="zh-CN" altLang="en-US" i="1">
                                 <a:solidFill>
                                   <a:srgbClr val="836967"/>
                                 </a:solidFill>
@@ -20610,7 +20684,7 @@
                               <m:t>𝑡</m:t>
                             </m:r>
                             <m:r>
-                              <a:rPr lang="en-US" altLang="zh-CN" b="0" i="1" smtClean="0">
+                              <a:rPr lang="en-US" altLang="zh-CN" i="1">
                                 <a:latin typeface="Cambria Math" panose="02040503050406030204" pitchFamily="18" charset="0"/>
                               </a:rPr>
                               <m:t>+1</m:t>
@@ -20627,7 +20701,7 @@
                               </m:dPr>
                               <m:e>
                                 <m:r>
-                                  <a:rPr lang="en-US" altLang="zh-CN" b="0" i="1" smtClean="0">
+                                  <a:rPr lang="en-US" altLang="zh-CN" i="1">
                                     <a:latin typeface="Cambria Math" panose="02040503050406030204" pitchFamily="18" charset="0"/>
                                   </a:rPr>
                                   <m:t>1</m:t>
@@ -20704,7 +20778,7 @@
         </p:nvGrpSpPr>
         <p:grpSpPr>
           <a:xfrm>
-            <a:off x="7023377" y="5215483"/>
+            <a:off x="7023375" y="5215483"/>
             <a:ext cx="569722" cy="580294"/>
             <a:chOff x="2039241" y="1113692"/>
             <a:chExt cx="569722" cy="580294"/>
@@ -20794,7 +20868,7 @@
                         <m:sSub>
                           <m:sSubPr>
                             <m:ctrlPr>
-                              <a:rPr lang="zh-CN" altLang="en-US" i="1" smtClean="0">
+                              <a:rPr lang="zh-CN" altLang="en-US" i="1">
                                 <a:solidFill>
                                   <a:srgbClr val="836967"/>
                                 </a:solidFill>
@@ -20818,13 +20892,13 @@
                               <m:t>𝑡</m:t>
                             </m:r>
                             <m:r>
-                              <a:rPr lang="en-US" altLang="zh-CN" b="0" i="0" smtClean="0">
+                              <a:rPr lang="en-US" altLang="zh-CN">
                                 <a:latin typeface="Cambria Math" panose="02040503050406030204" pitchFamily="18" charset="0"/>
                               </a:rPr>
                               <m:t>+</m:t>
                             </m:r>
                             <m:r>
-                              <a:rPr lang="zh-CN" altLang="en-US" i="0">
+                              <a:rPr lang="zh-CN" altLang="en-US">
                                 <a:latin typeface="Cambria Math" panose="02040503050406030204" pitchFamily="18" charset="0"/>
                               </a:rPr>
                               <m:t>1</m:t>
@@ -20902,7 +20976,7 @@
         </p:nvCxnSpPr>
         <p:spPr>
           <a:xfrm flipV="1">
-            <a:off x="7308238" y="2128408"/>
+            <a:off x="7308238" y="2128409"/>
             <a:ext cx="0" cy="837282"/>
           </a:xfrm>
           <a:prstGeom prst="straightConnector1">
@@ -20983,7 +21057,7 @@
         </p:nvGrpSpPr>
         <p:grpSpPr>
           <a:xfrm>
-            <a:off x="7039957" y="2980250"/>
+            <a:off x="7039958" y="2980250"/>
             <a:ext cx="569722" cy="580294"/>
             <a:chOff x="2039241" y="1113692"/>
             <a:chExt cx="569722" cy="580294"/>
@@ -21073,7 +21147,7 @@
                         <m:sSubSup>
                           <m:sSubSupPr>
                             <m:ctrlPr>
-                              <a:rPr lang="zh-CN" altLang="en-US" i="1" smtClean="0">
+                              <a:rPr lang="zh-CN" altLang="en-US" i="1">
                                 <a:solidFill>
                                   <a:srgbClr val="836967"/>
                                 </a:solidFill>
@@ -21097,7 +21171,7 @@
                               <m:t>𝑡</m:t>
                             </m:r>
                             <m:r>
-                              <a:rPr lang="en-US" altLang="zh-CN" b="0" i="1" smtClean="0">
+                              <a:rPr lang="en-US" altLang="zh-CN" i="1">
                                 <a:latin typeface="Cambria Math" panose="02040503050406030204" pitchFamily="18" charset="0"/>
                               </a:rPr>
                               <m:t>+</m:t>
@@ -21242,7 +21316,7 @@
         </p:nvCxnSpPr>
         <p:spPr>
           <a:xfrm flipH="1">
-            <a:off x="7609679" y="3270397"/>
+            <a:off x="7609685" y="3270397"/>
             <a:ext cx="853435" cy="0"/>
           </a:xfrm>
           <a:prstGeom prst="straightConnector1">
@@ -21328,7 +21402,7 @@
         </p:nvCxnSpPr>
         <p:spPr>
           <a:xfrm flipH="1">
-            <a:off x="4656203" y="1835639"/>
+            <a:off x="4656209" y="1835639"/>
             <a:ext cx="853435" cy="0"/>
           </a:xfrm>
           <a:prstGeom prst="straightConnector1">
@@ -21372,7 +21446,7 @@
         </p:nvCxnSpPr>
         <p:spPr>
           <a:xfrm flipH="1" flipV="1">
-            <a:off x="6079360" y="1835639"/>
+            <a:off x="6079366" y="1835639"/>
             <a:ext cx="944017" cy="2622"/>
           </a:xfrm>
           <a:prstGeom prst="straightConnector1">
@@ -21415,7 +21489,7 @@
         </p:nvCxnSpPr>
         <p:spPr>
           <a:xfrm flipH="1" flipV="1">
-            <a:off x="7593099" y="1838261"/>
+            <a:off x="7593100" y="1838261"/>
             <a:ext cx="935902" cy="5862"/>
           </a:xfrm>
           <a:prstGeom prst="straightConnector1">
@@ -21459,7 +21533,7 @@
         </p:nvCxnSpPr>
         <p:spPr>
           <a:xfrm flipH="1">
-            <a:off x="4672783" y="3267775"/>
+            <a:off x="4672789" y="3267775"/>
             <a:ext cx="853435" cy="0"/>
           </a:xfrm>
           <a:prstGeom prst="straightConnector1">
@@ -21502,7 +21576,7 @@
         </p:nvCxnSpPr>
         <p:spPr>
           <a:xfrm flipH="1" flipV="1">
-            <a:off x="6095940" y="3267775"/>
+            <a:off x="6095944" y="3267775"/>
             <a:ext cx="944017" cy="2622"/>
           </a:xfrm>
           <a:prstGeom prst="straightConnector1">
@@ -21544,7 +21618,7 @@
         </p:nvCxnSpPr>
         <p:spPr>
           <a:xfrm flipV="1">
-            <a:off x="3260725" y="4341864"/>
+            <a:off x="3260725" y="4341865"/>
             <a:ext cx="825756" cy="2344"/>
           </a:xfrm>
           <a:prstGeom prst="straightConnector1">
@@ -21583,8 +21657,8 @@
         </p:nvSpPr>
         <p:spPr>
           <a:xfrm>
-            <a:off x="2752731" y="4176561"/>
-            <a:ext cx="343364" cy="369332"/>
+            <a:off x="2752731" y="4176562"/>
+            <a:ext cx="346570" cy="369332"/>
           </a:xfrm>
           <a:prstGeom prst="rect">
             <a:avLst/>
@@ -21623,7 +21697,7 @@
         </p:nvCxnSpPr>
         <p:spPr>
           <a:xfrm>
-            <a:off x="4656203" y="4341864"/>
+            <a:off x="4656209" y="4341864"/>
             <a:ext cx="853435" cy="0"/>
           </a:xfrm>
           <a:prstGeom prst="straightConnector1">
@@ -21666,7 +21740,7 @@
         </p:nvCxnSpPr>
         <p:spPr>
           <a:xfrm>
-            <a:off x="6079360" y="4341864"/>
+            <a:off x="6079366" y="4341864"/>
             <a:ext cx="944017" cy="2622"/>
           </a:xfrm>
           <a:prstGeom prst="straightConnector1">
@@ -21708,7 +21782,7 @@
         </p:nvCxnSpPr>
         <p:spPr>
           <a:xfrm flipV="1">
-            <a:off x="7593099" y="4344208"/>
+            <a:off x="7593103" y="4344208"/>
             <a:ext cx="944017" cy="278"/>
           </a:xfrm>
           <a:prstGeom prst="straightConnector1">
@@ -21747,8 +21821,8 @@
         </p:nvSpPr>
         <p:spPr>
           <a:xfrm>
-            <a:off x="8553696" y="4183332"/>
-            <a:ext cx="343364" cy="369332"/>
+            <a:off x="8553696" y="4183333"/>
+            <a:ext cx="346570" cy="369332"/>
           </a:xfrm>
           <a:prstGeom prst="rect">
             <a:avLst/>
@@ -21783,7 +21857,7 @@
         </p:nvSpPr>
         <p:spPr>
           <a:xfrm>
-            <a:off x="3644761" y="3385232"/>
+            <a:off x="3644766" y="3385237"/>
             <a:ext cx="505589" cy="1913213"/>
           </a:xfrm>
           <a:custGeom>
@@ -21999,7 +22073,7 @@
         </p:nvSpPr>
         <p:spPr>
           <a:xfrm>
-            <a:off x="5082411" y="3411391"/>
+            <a:off x="5082417" y="3411396"/>
             <a:ext cx="505589" cy="1913213"/>
           </a:xfrm>
           <a:custGeom>
@@ -22215,7 +22289,7 @@
         </p:nvSpPr>
         <p:spPr>
           <a:xfrm>
-            <a:off x="6592419" y="3419012"/>
+            <a:off x="6592424" y="3419016"/>
             <a:ext cx="505589" cy="1913213"/>
           </a:xfrm>
           <a:custGeom>
@@ -22431,7 +22505,7 @@
         </p:nvSpPr>
         <p:spPr>
           <a:xfrm flipH="1">
-            <a:off x="4396025" y="2053884"/>
+            <a:off x="4396030" y="2053889"/>
             <a:ext cx="499205" cy="1994619"/>
           </a:xfrm>
           <a:custGeom>
@@ -22827,7 +22901,7 @@
         </p:nvSpPr>
         <p:spPr>
           <a:xfrm flipH="1">
-            <a:off x="5808354" y="2053884"/>
+            <a:off x="5808359" y="2053889"/>
             <a:ext cx="499205" cy="1994619"/>
           </a:xfrm>
           <a:custGeom>
@@ -23223,7 +23297,7 @@
         </p:nvSpPr>
         <p:spPr>
           <a:xfrm flipH="1">
-            <a:off x="7314786" y="2053884"/>
+            <a:off x="7314791" y="2053889"/>
             <a:ext cx="499205" cy="1994619"/>
           </a:xfrm>
           <a:custGeom>
@@ -23609,6 +23683,3015 @@
     <p:extLst>
       <p:ext uri="{BB962C8B-B14F-4D97-AF65-F5344CB8AC3E}">
         <p14:creationId xmlns:p14="http://schemas.microsoft.com/office/powerpoint/2010/main" val="1133387892"/>
+      </p:ext>
+    </p:extLst>
+  </p:cSld>
+  <p:clrMapOvr>
+    <a:masterClrMapping/>
+  </p:clrMapOvr>
+</p:sld>
+</file>
+
+<file path=ppt/slides/slide7.xml><?xml version="1.0" encoding="utf-8"?>
+<p:sld xmlns:a="http://schemas.openxmlformats.org/drawingml/2006/main" xmlns:r="http://schemas.openxmlformats.org/officeDocument/2006/relationships" xmlns:p="http://schemas.openxmlformats.org/presentationml/2006/main">
+  <p:cSld>
+    <p:spTree>
+      <p:nvGrpSpPr>
+        <p:cNvPr id="1" name=""/>
+        <p:cNvGrpSpPr/>
+        <p:nvPr/>
+      </p:nvGrpSpPr>
+      <p:grpSpPr>
+        <a:xfrm>
+          <a:off x="0" y="0"/>
+          <a:ext cx="0" cy="0"/>
+          <a:chOff x="0" y="0"/>
+          <a:chExt cx="0" cy="0"/>
+        </a:xfrm>
+      </p:grpSpPr>
+      <p:sp>
+        <p:nvSpPr>
+          <p:cNvPr id="4" name="矩形 3">
+            <a:extLst>
+              <a:ext uri="{FF2B5EF4-FFF2-40B4-BE49-F238E27FC236}">
+                <a16:creationId xmlns:a16="http://schemas.microsoft.com/office/drawing/2014/main" id="{23DA878E-51D6-2DC6-C8CD-3ECB4DEBE759}"/>
+              </a:ext>
+            </a:extLst>
+          </p:cNvPr>
+          <p:cNvSpPr/>
+          <p:nvPr/>
+        </p:nvSpPr>
+        <p:spPr>
+          <a:xfrm>
+            <a:off x="2089705" y="2283774"/>
+            <a:ext cx="1892925" cy="327433"/>
+          </a:xfrm>
+          <a:prstGeom prst="rect">
+            <a:avLst/>
+          </a:prstGeom>
+          <a:ln w="19050"/>
+        </p:spPr>
+        <p:style>
+          <a:lnRef idx="2">
+            <a:schemeClr val="dk1"/>
+          </a:lnRef>
+          <a:fillRef idx="1">
+            <a:schemeClr val="lt1"/>
+          </a:fillRef>
+          <a:effectRef idx="0">
+            <a:schemeClr val="dk1"/>
+          </a:effectRef>
+          <a:fontRef idx="minor">
+            <a:schemeClr val="dk1"/>
+          </a:fontRef>
+        </p:style>
+        <p:txBody>
+          <a:bodyPr rtlCol="0" anchor="ctr"/>
+          <a:lstStyle/>
+          <a:p>
+            <a:pPr algn="ctr"/>
+            <a:r>
+              <a:rPr lang="en-US" altLang="zh-CN" sz="1400" dirty="0">
+                <a:latin typeface="Times New Roman" panose="02020603050405020304" pitchFamily="18" charset="0"/>
+                <a:cs typeface="Times New Roman" panose="02020603050405020304" pitchFamily="18" charset="0"/>
+              </a:rPr>
+              <a:t>LSTM-4</a:t>
+            </a:r>
+            <a:endParaRPr lang="zh-CN" altLang="en-US" sz="1400" dirty="0">
+              <a:latin typeface="Times New Roman" panose="02020603050405020304" pitchFamily="18" charset="0"/>
+              <a:cs typeface="Times New Roman" panose="02020603050405020304" pitchFamily="18" charset="0"/>
+            </a:endParaRPr>
+          </a:p>
+        </p:txBody>
+      </p:sp>
+      <p:sp>
+        <p:nvSpPr>
+          <p:cNvPr id="5" name="矩形 4">
+            <a:extLst>
+              <a:ext uri="{FF2B5EF4-FFF2-40B4-BE49-F238E27FC236}">
+                <a16:creationId xmlns:a16="http://schemas.microsoft.com/office/drawing/2014/main" id="{21853252-F669-1F94-5B48-E40ECEBC4996}"/>
+              </a:ext>
+            </a:extLst>
+          </p:cNvPr>
+          <p:cNvSpPr/>
+          <p:nvPr/>
+        </p:nvSpPr>
+        <p:spPr>
+          <a:xfrm>
+            <a:off x="2089705" y="2983799"/>
+            <a:ext cx="1892925" cy="360176"/>
+          </a:xfrm>
+          <a:prstGeom prst="rect">
+            <a:avLst/>
+          </a:prstGeom>
+          <a:ln w="19050"/>
+        </p:spPr>
+        <p:style>
+          <a:lnRef idx="2">
+            <a:schemeClr val="dk1"/>
+          </a:lnRef>
+          <a:fillRef idx="1">
+            <a:schemeClr val="lt1"/>
+          </a:fillRef>
+          <a:effectRef idx="0">
+            <a:schemeClr val="dk1"/>
+          </a:effectRef>
+          <a:fontRef idx="minor">
+            <a:schemeClr val="dk1"/>
+          </a:fontRef>
+        </p:style>
+        <p:txBody>
+          <a:bodyPr rtlCol="0" anchor="ctr"/>
+          <a:lstStyle/>
+          <a:p>
+            <a:pPr algn="ctr"/>
+            <a:r>
+              <a:rPr lang="en-US" altLang="zh-CN" sz="1400" dirty="0">
+                <a:latin typeface="Times New Roman" panose="02020603050405020304" pitchFamily="18" charset="0"/>
+                <a:cs typeface="Times New Roman" panose="02020603050405020304" pitchFamily="18" charset="0"/>
+              </a:rPr>
+              <a:t>LSTM-3</a:t>
+            </a:r>
+            <a:endParaRPr lang="zh-CN" altLang="en-US" sz="1400" dirty="0">
+              <a:latin typeface="Times New Roman" panose="02020603050405020304" pitchFamily="18" charset="0"/>
+              <a:cs typeface="Times New Roman" panose="02020603050405020304" pitchFamily="18" charset="0"/>
+            </a:endParaRPr>
+          </a:p>
+        </p:txBody>
+      </p:sp>
+      <p:sp>
+        <p:nvSpPr>
+          <p:cNvPr id="6" name="矩形 5">
+            <a:extLst>
+              <a:ext uri="{FF2B5EF4-FFF2-40B4-BE49-F238E27FC236}">
+                <a16:creationId xmlns:a16="http://schemas.microsoft.com/office/drawing/2014/main" id="{94E372F4-8EF3-9CF6-3749-1A66259757BD}"/>
+              </a:ext>
+            </a:extLst>
+          </p:cNvPr>
+          <p:cNvSpPr/>
+          <p:nvPr/>
+        </p:nvSpPr>
+        <p:spPr>
+          <a:xfrm>
+            <a:off x="2095604" y="3770976"/>
+            <a:ext cx="1892925" cy="360176"/>
+          </a:xfrm>
+          <a:prstGeom prst="rect">
+            <a:avLst/>
+          </a:prstGeom>
+          <a:ln w="19050"/>
+        </p:spPr>
+        <p:style>
+          <a:lnRef idx="2">
+            <a:schemeClr val="dk1"/>
+          </a:lnRef>
+          <a:fillRef idx="1">
+            <a:schemeClr val="lt1"/>
+          </a:fillRef>
+          <a:effectRef idx="0">
+            <a:schemeClr val="dk1"/>
+          </a:effectRef>
+          <a:fontRef idx="minor">
+            <a:schemeClr val="dk1"/>
+          </a:fontRef>
+        </p:style>
+        <p:txBody>
+          <a:bodyPr rtlCol="0" anchor="ctr"/>
+          <a:lstStyle/>
+          <a:p>
+            <a:pPr algn="ctr"/>
+            <a:r>
+              <a:rPr lang="en-US" altLang="zh-CN" sz="1400" dirty="0">
+                <a:latin typeface="Times New Roman" panose="02020603050405020304" pitchFamily="18" charset="0"/>
+                <a:cs typeface="Times New Roman" panose="02020603050405020304" pitchFamily="18" charset="0"/>
+              </a:rPr>
+              <a:t>LSTM-2</a:t>
+            </a:r>
+            <a:endParaRPr lang="zh-CN" altLang="en-US" sz="1400" dirty="0">
+              <a:latin typeface="Times New Roman" panose="02020603050405020304" pitchFamily="18" charset="0"/>
+              <a:cs typeface="Times New Roman" panose="02020603050405020304" pitchFamily="18" charset="0"/>
+            </a:endParaRPr>
+          </a:p>
+        </p:txBody>
+      </p:sp>
+      <p:sp>
+        <p:nvSpPr>
+          <p:cNvPr id="7" name="矩形 6">
+            <a:extLst>
+              <a:ext uri="{FF2B5EF4-FFF2-40B4-BE49-F238E27FC236}">
+                <a16:creationId xmlns:a16="http://schemas.microsoft.com/office/drawing/2014/main" id="{82E600B8-1484-6BCB-40F1-75290E6C4FE7}"/>
+              </a:ext>
+            </a:extLst>
+          </p:cNvPr>
+          <p:cNvSpPr/>
+          <p:nvPr/>
+        </p:nvSpPr>
+        <p:spPr>
+          <a:xfrm>
+            <a:off x="2089705" y="4541653"/>
+            <a:ext cx="1892925" cy="360176"/>
+          </a:xfrm>
+          <a:prstGeom prst="rect">
+            <a:avLst/>
+          </a:prstGeom>
+          <a:ln w="19050"/>
+        </p:spPr>
+        <p:style>
+          <a:lnRef idx="2">
+            <a:schemeClr val="dk1"/>
+          </a:lnRef>
+          <a:fillRef idx="1">
+            <a:schemeClr val="lt1"/>
+          </a:fillRef>
+          <a:effectRef idx="0">
+            <a:schemeClr val="dk1"/>
+          </a:effectRef>
+          <a:fontRef idx="minor">
+            <a:schemeClr val="dk1"/>
+          </a:fontRef>
+        </p:style>
+        <p:txBody>
+          <a:bodyPr rtlCol="0" anchor="ctr"/>
+          <a:lstStyle/>
+          <a:p>
+            <a:pPr algn="ctr"/>
+            <a:r>
+              <a:rPr lang="en-US" altLang="zh-CN" sz="1400" dirty="0">
+                <a:latin typeface="Times New Roman" panose="02020603050405020304" pitchFamily="18" charset="0"/>
+                <a:cs typeface="Times New Roman" panose="02020603050405020304" pitchFamily="18" charset="0"/>
+              </a:rPr>
+              <a:t>LSTM-1</a:t>
+            </a:r>
+            <a:endParaRPr lang="zh-CN" altLang="en-US" sz="1400" dirty="0">
+              <a:latin typeface="Times New Roman" panose="02020603050405020304" pitchFamily="18" charset="0"/>
+              <a:cs typeface="Times New Roman" panose="02020603050405020304" pitchFamily="18" charset="0"/>
+            </a:endParaRPr>
+          </a:p>
+        </p:txBody>
+      </p:sp>
+      <p:sp>
+        <p:nvSpPr>
+          <p:cNvPr id="8" name="矩形 7">
+            <a:extLst>
+              <a:ext uri="{FF2B5EF4-FFF2-40B4-BE49-F238E27FC236}">
+                <a16:creationId xmlns:a16="http://schemas.microsoft.com/office/drawing/2014/main" id="{CB2698CC-AD9B-A081-8F6D-419737B1A7C0}"/>
+              </a:ext>
+            </a:extLst>
+          </p:cNvPr>
+          <p:cNvSpPr/>
+          <p:nvPr/>
+        </p:nvSpPr>
+        <p:spPr>
+          <a:xfrm>
+            <a:off x="2089705" y="5809019"/>
+            <a:ext cx="1892925" cy="360176"/>
+          </a:xfrm>
+          <a:prstGeom prst="rect">
+            <a:avLst/>
+          </a:prstGeom>
+          <a:ln w="19050"/>
+        </p:spPr>
+        <p:style>
+          <a:lnRef idx="2">
+            <a:schemeClr val="dk1"/>
+          </a:lnRef>
+          <a:fillRef idx="1">
+            <a:schemeClr val="lt1"/>
+          </a:fillRef>
+          <a:effectRef idx="0">
+            <a:schemeClr val="dk1"/>
+          </a:effectRef>
+          <a:fontRef idx="minor">
+            <a:schemeClr val="dk1"/>
+          </a:fontRef>
+        </p:style>
+        <p:txBody>
+          <a:bodyPr rtlCol="0" anchor="ctr"/>
+          <a:lstStyle/>
+          <a:p>
+            <a:pPr algn="ctr"/>
+            <a:r>
+              <a:rPr lang="en-US" altLang="zh-CN" sz="1400" dirty="0">
+                <a:latin typeface="Times New Roman" panose="02020603050405020304" pitchFamily="18" charset="0"/>
+                <a:cs typeface="Times New Roman" panose="02020603050405020304" pitchFamily="18" charset="0"/>
+              </a:rPr>
+              <a:t>Embedding Layer</a:t>
+            </a:r>
+            <a:endParaRPr lang="zh-CN" altLang="en-US" sz="1400" dirty="0">
+              <a:latin typeface="Times New Roman" panose="02020603050405020304" pitchFamily="18" charset="0"/>
+              <a:cs typeface="Times New Roman" panose="02020603050405020304" pitchFamily="18" charset="0"/>
+            </a:endParaRPr>
+          </a:p>
+        </p:txBody>
+      </p:sp>
+      <p:sp>
+        <p:nvSpPr>
+          <p:cNvPr id="9" name="矩形 8">
+            <a:extLst>
+              <a:ext uri="{FF2B5EF4-FFF2-40B4-BE49-F238E27FC236}">
+                <a16:creationId xmlns:a16="http://schemas.microsoft.com/office/drawing/2014/main" id="{CC8A031D-837F-3AB6-11AF-B94012310000}"/>
+              </a:ext>
+            </a:extLst>
+          </p:cNvPr>
+          <p:cNvSpPr/>
+          <p:nvPr/>
+        </p:nvSpPr>
+        <p:spPr>
+          <a:xfrm>
+            <a:off x="5918944" y="2267404"/>
+            <a:ext cx="1892925" cy="360176"/>
+          </a:xfrm>
+          <a:prstGeom prst="rect">
+            <a:avLst/>
+          </a:prstGeom>
+          <a:ln w="19050"/>
+        </p:spPr>
+        <p:style>
+          <a:lnRef idx="2">
+            <a:schemeClr val="dk1"/>
+          </a:lnRef>
+          <a:fillRef idx="1">
+            <a:schemeClr val="lt1"/>
+          </a:fillRef>
+          <a:effectRef idx="0">
+            <a:schemeClr val="dk1"/>
+          </a:effectRef>
+          <a:fontRef idx="minor">
+            <a:schemeClr val="dk1"/>
+          </a:fontRef>
+        </p:style>
+        <p:txBody>
+          <a:bodyPr rtlCol="0" anchor="ctr"/>
+          <a:lstStyle/>
+          <a:p>
+            <a:pPr algn="ctr"/>
+            <a:r>
+              <a:rPr lang="en-US" altLang="zh-CN" sz="1400" dirty="0">
+                <a:latin typeface="Times New Roman" panose="02020603050405020304" pitchFamily="18" charset="0"/>
+                <a:cs typeface="Times New Roman" panose="02020603050405020304" pitchFamily="18" charset="0"/>
+              </a:rPr>
+              <a:t>LSTM-4</a:t>
+            </a:r>
+            <a:endParaRPr lang="zh-CN" altLang="en-US" sz="1400" dirty="0">
+              <a:latin typeface="Times New Roman" panose="02020603050405020304" pitchFamily="18" charset="0"/>
+              <a:cs typeface="Times New Roman" panose="02020603050405020304" pitchFamily="18" charset="0"/>
+            </a:endParaRPr>
+          </a:p>
+        </p:txBody>
+      </p:sp>
+      <p:sp>
+        <p:nvSpPr>
+          <p:cNvPr id="10" name="矩形 9">
+            <a:extLst>
+              <a:ext uri="{FF2B5EF4-FFF2-40B4-BE49-F238E27FC236}">
+                <a16:creationId xmlns:a16="http://schemas.microsoft.com/office/drawing/2014/main" id="{CA658F12-F0CB-C427-5B1E-46F7DC6E8537}"/>
+              </a:ext>
+            </a:extLst>
+          </p:cNvPr>
+          <p:cNvSpPr/>
+          <p:nvPr/>
+        </p:nvSpPr>
+        <p:spPr>
+          <a:xfrm>
+            <a:off x="5918944" y="2983799"/>
+            <a:ext cx="1892925" cy="360176"/>
+          </a:xfrm>
+          <a:prstGeom prst="rect">
+            <a:avLst/>
+          </a:prstGeom>
+          <a:ln w="19050"/>
+        </p:spPr>
+        <p:style>
+          <a:lnRef idx="2">
+            <a:schemeClr val="dk1"/>
+          </a:lnRef>
+          <a:fillRef idx="1">
+            <a:schemeClr val="lt1"/>
+          </a:fillRef>
+          <a:effectRef idx="0">
+            <a:schemeClr val="dk1"/>
+          </a:effectRef>
+          <a:fontRef idx="minor">
+            <a:schemeClr val="dk1"/>
+          </a:fontRef>
+        </p:style>
+        <p:txBody>
+          <a:bodyPr rtlCol="0" anchor="ctr"/>
+          <a:lstStyle/>
+          <a:p>
+            <a:pPr algn="ctr"/>
+            <a:r>
+              <a:rPr lang="en-US" altLang="zh-CN" sz="1400" dirty="0">
+                <a:latin typeface="Times New Roman" panose="02020603050405020304" pitchFamily="18" charset="0"/>
+                <a:cs typeface="Times New Roman" panose="02020603050405020304" pitchFamily="18" charset="0"/>
+              </a:rPr>
+              <a:t>LSTM-3</a:t>
+            </a:r>
+            <a:endParaRPr lang="zh-CN" altLang="en-US" sz="1400" dirty="0">
+              <a:latin typeface="Times New Roman" panose="02020603050405020304" pitchFamily="18" charset="0"/>
+              <a:cs typeface="Times New Roman" panose="02020603050405020304" pitchFamily="18" charset="0"/>
+            </a:endParaRPr>
+          </a:p>
+        </p:txBody>
+      </p:sp>
+      <p:sp>
+        <p:nvSpPr>
+          <p:cNvPr id="11" name="矩形 10">
+            <a:extLst>
+              <a:ext uri="{FF2B5EF4-FFF2-40B4-BE49-F238E27FC236}">
+                <a16:creationId xmlns:a16="http://schemas.microsoft.com/office/drawing/2014/main" id="{C0AF79BA-6DBB-098E-B733-9308E11C6878}"/>
+              </a:ext>
+            </a:extLst>
+          </p:cNvPr>
+          <p:cNvSpPr/>
+          <p:nvPr/>
+        </p:nvSpPr>
+        <p:spPr>
+          <a:xfrm>
+            <a:off x="5924843" y="3770976"/>
+            <a:ext cx="1892925" cy="360176"/>
+          </a:xfrm>
+          <a:prstGeom prst="rect">
+            <a:avLst/>
+          </a:prstGeom>
+          <a:ln w="19050"/>
+        </p:spPr>
+        <p:style>
+          <a:lnRef idx="2">
+            <a:schemeClr val="dk1"/>
+          </a:lnRef>
+          <a:fillRef idx="1">
+            <a:schemeClr val="lt1"/>
+          </a:fillRef>
+          <a:effectRef idx="0">
+            <a:schemeClr val="dk1"/>
+          </a:effectRef>
+          <a:fontRef idx="minor">
+            <a:schemeClr val="dk1"/>
+          </a:fontRef>
+        </p:style>
+        <p:txBody>
+          <a:bodyPr rtlCol="0" anchor="ctr"/>
+          <a:lstStyle/>
+          <a:p>
+            <a:pPr algn="ctr"/>
+            <a:r>
+              <a:rPr lang="en-US" altLang="zh-CN" sz="1400" dirty="0">
+                <a:latin typeface="Times New Roman" panose="02020603050405020304" pitchFamily="18" charset="0"/>
+                <a:cs typeface="Times New Roman" panose="02020603050405020304" pitchFamily="18" charset="0"/>
+              </a:rPr>
+              <a:t>LSTM-2</a:t>
+            </a:r>
+            <a:endParaRPr lang="zh-CN" altLang="en-US" sz="1400" dirty="0">
+              <a:latin typeface="Times New Roman" panose="02020603050405020304" pitchFamily="18" charset="0"/>
+              <a:cs typeface="Times New Roman" panose="02020603050405020304" pitchFamily="18" charset="0"/>
+            </a:endParaRPr>
+          </a:p>
+        </p:txBody>
+      </p:sp>
+      <p:sp>
+        <p:nvSpPr>
+          <p:cNvPr id="12" name="矩形 11">
+            <a:extLst>
+              <a:ext uri="{FF2B5EF4-FFF2-40B4-BE49-F238E27FC236}">
+                <a16:creationId xmlns:a16="http://schemas.microsoft.com/office/drawing/2014/main" id="{CBDEB03A-BEF5-D754-B34E-BDFC110D4215}"/>
+              </a:ext>
+            </a:extLst>
+          </p:cNvPr>
+          <p:cNvSpPr/>
+          <p:nvPr/>
+        </p:nvSpPr>
+        <p:spPr>
+          <a:xfrm>
+            <a:off x="5918944" y="4541653"/>
+            <a:ext cx="1892925" cy="360176"/>
+          </a:xfrm>
+          <a:prstGeom prst="rect">
+            <a:avLst/>
+          </a:prstGeom>
+          <a:ln w="19050"/>
+        </p:spPr>
+        <p:style>
+          <a:lnRef idx="2">
+            <a:schemeClr val="dk1"/>
+          </a:lnRef>
+          <a:fillRef idx="1">
+            <a:schemeClr val="lt1"/>
+          </a:fillRef>
+          <a:effectRef idx="0">
+            <a:schemeClr val="dk1"/>
+          </a:effectRef>
+          <a:fontRef idx="minor">
+            <a:schemeClr val="dk1"/>
+          </a:fontRef>
+        </p:style>
+        <p:txBody>
+          <a:bodyPr rtlCol="0" anchor="ctr"/>
+          <a:lstStyle/>
+          <a:p>
+            <a:pPr algn="ctr"/>
+            <a:r>
+              <a:rPr lang="en-US" altLang="zh-CN" sz="1400" dirty="0">
+                <a:latin typeface="Times New Roman" panose="02020603050405020304" pitchFamily="18" charset="0"/>
+                <a:cs typeface="Times New Roman" panose="02020603050405020304" pitchFamily="18" charset="0"/>
+              </a:rPr>
+              <a:t>LSTM-1</a:t>
+            </a:r>
+            <a:endParaRPr lang="zh-CN" altLang="en-US" sz="1400" dirty="0">
+              <a:latin typeface="Times New Roman" panose="02020603050405020304" pitchFamily="18" charset="0"/>
+              <a:cs typeface="Times New Roman" panose="02020603050405020304" pitchFamily="18" charset="0"/>
+            </a:endParaRPr>
+          </a:p>
+        </p:txBody>
+      </p:sp>
+      <p:sp>
+        <p:nvSpPr>
+          <p:cNvPr id="13" name="矩形 12">
+            <a:extLst>
+              <a:ext uri="{FF2B5EF4-FFF2-40B4-BE49-F238E27FC236}">
+                <a16:creationId xmlns:a16="http://schemas.microsoft.com/office/drawing/2014/main" id="{BAF22AD5-2A1E-B9F5-2BCB-A3E703996362}"/>
+              </a:ext>
+            </a:extLst>
+          </p:cNvPr>
+          <p:cNvSpPr/>
+          <p:nvPr/>
+        </p:nvSpPr>
+        <p:spPr>
+          <a:xfrm>
+            <a:off x="5918943" y="5776156"/>
+            <a:ext cx="1892925" cy="360176"/>
+          </a:xfrm>
+          <a:prstGeom prst="rect">
+            <a:avLst/>
+          </a:prstGeom>
+          <a:ln w="19050"/>
+        </p:spPr>
+        <p:style>
+          <a:lnRef idx="2">
+            <a:schemeClr val="dk1"/>
+          </a:lnRef>
+          <a:fillRef idx="1">
+            <a:schemeClr val="lt1"/>
+          </a:fillRef>
+          <a:effectRef idx="0">
+            <a:schemeClr val="dk1"/>
+          </a:effectRef>
+          <a:fontRef idx="minor">
+            <a:schemeClr val="dk1"/>
+          </a:fontRef>
+        </p:style>
+        <p:txBody>
+          <a:bodyPr rtlCol="0" anchor="ctr"/>
+          <a:lstStyle/>
+          <a:p>
+            <a:pPr algn="ctr"/>
+            <a:r>
+              <a:rPr lang="en-US" altLang="zh-CN" sz="1400" dirty="0">
+                <a:latin typeface="Times New Roman" panose="02020603050405020304" pitchFamily="18" charset="0"/>
+                <a:cs typeface="Times New Roman" panose="02020603050405020304" pitchFamily="18" charset="0"/>
+              </a:rPr>
+              <a:t>Embedding Layer</a:t>
+            </a:r>
+            <a:endParaRPr lang="zh-CN" altLang="en-US" sz="1400" dirty="0">
+              <a:latin typeface="Times New Roman" panose="02020603050405020304" pitchFamily="18" charset="0"/>
+              <a:cs typeface="Times New Roman" panose="02020603050405020304" pitchFamily="18" charset="0"/>
+            </a:endParaRPr>
+          </a:p>
+        </p:txBody>
+      </p:sp>
+      <p:sp>
+        <p:nvSpPr>
+          <p:cNvPr id="14" name="矩形 13">
+            <a:extLst>
+              <a:ext uri="{FF2B5EF4-FFF2-40B4-BE49-F238E27FC236}">
+                <a16:creationId xmlns:a16="http://schemas.microsoft.com/office/drawing/2014/main" id="{9701C940-9518-4832-F1D7-B00A2DCB28BA}"/>
+              </a:ext>
+            </a:extLst>
+          </p:cNvPr>
+          <p:cNvSpPr/>
+          <p:nvPr/>
+        </p:nvSpPr>
+        <p:spPr>
+          <a:xfrm>
+            <a:off x="5918944" y="1504493"/>
+            <a:ext cx="1892925" cy="360176"/>
+          </a:xfrm>
+          <a:prstGeom prst="rect">
+            <a:avLst/>
+          </a:prstGeom>
+          <a:ln w="19050"/>
+        </p:spPr>
+        <p:style>
+          <a:lnRef idx="2">
+            <a:schemeClr val="dk1"/>
+          </a:lnRef>
+          <a:fillRef idx="1">
+            <a:schemeClr val="lt1"/>
+          </a:fillRef>
+          <a:effectRef idx="0">
+            <a:schemeClr val="dk1"/>
+          </a:effectRef>
+          <a:fontRef idx="minor">
+            <a:schemeClr val="dk1"/>
+          </a:fontRef>
+        </p:style>
+        <p:txBody>
+          <a:bodyPr rtlCol="0" anchor="ctr"/>
+          <a:lstStyle/>
+          <a:p>
+            <a:pPr algn="ctr"/>
+            <a:r>
+              <a:rPr lang="en-US" altLang="zh-CN" sz="1400" dirty="0">
+                <a:latin typeface="Times New Roman" panose="02020603050405020304" pitchFamily="18" charset="0"/>
+                <a:cs typeface="Times New Roman" panose="02020603050405020304" pitchFamily="18" charset="0"/>
+              </a:rPr>
+              <a:t>Output Layer</a:t>
+            </a:r>
+            <a:endParaRPr lang="zh-CN" altLang="en-US" sz="1400" dirty="0">
+              <a:latin typeface="Times New Roman" panose="02020603050405020304" pitchFamily="18" charset="0"/>
+              <a:cs typeface="Times New Roman" panose="02020603050405020304" pitchFamily="18" charset="0"/>
+            </a:endParaRPr>
+          </a:p>
+        </p:txBody>
+      </p:sp>
+      <p:cxnSp>
+        <p:nvCxnSpPr>
+          <p:cNvPr id="18" name="直接箭头连接符 17">
+            <a:extLst>
+              <a:ext uri="{FF2B5EF4-FFF2-40B4-BE49-F238E27FC236}">
+                <a16:creationId xmlns:a16="http://schemas.microsoft.com/office/drawing/2014/main" id="{BD4DE740-2222-093C-567C-57D41337CD0C}"/>
+              </a:ext>
+            </a:extLst>
+          </p:cNvPr>
+          <p:cNvCxnSpPr>
+            <a:stCxn id="8" idx="0"/>
+            <a:endCxn id="7" idx="2"/>
+          </p:cNvCxnSpPr>
+          <p:nvPr/>
+        </p:nvCxnSpPr>
+        <p:spPr>
+          <a:xfrm flipV="1">
+            <a:off x="3036168" y="4901829"/>
+            <a:ext cx="0" cy="907190"/>
+          </a:xfrm>
+          <a:prstGeom prst="straightConnector1">
+            <a:avLst/>
+          </a:prstGeom>
+          <a:ln w="19050">
+            <a:tailEnd type="triangle"/>
+          </a:ln>
+        </p:spPr>
+        <p:style>
+          <a:lnRef idx="1">
+            <a:schemeClr val="dk1"/>
+          </a:lnRef>
+          <a:fillRef idx="0">
+            <a:schemeClr val="dk1"/>
+          </a:fillRef>
+          <a:effectRef idx="0">
+            <a:schemeClr val="dk1"/>
+          </a:effectRef>
+          <a:fontRef idx="minor">
+            <a:schemeClr val="tx1"/>
+          </a:fontRef>
+        </p:style>
+      </p:cxnSp>
+      <p:cxnSp>
+        <p:nvCxnSpPr>
+          <p:cNvPr id="19" name="直接箭头连接符 18">
+            <a:extLst>
+              <a:ext uri="{FF2B5EF4-FFF2-40B4-BE49-F238E27FC236}">
+                <a16:creationId xmlns:a16="http://schemas.microsoft.com/office/drawing/2014/main" id="{8B01B245-CD85-C79B-95E0-6ACE4398A090}"/>
+              </a:ext>
+            </a:extLst>
+          </p:cNvPr>
+          <p:cNvCxnSpPr>
+            <a:cxnSpLocks/>
+            <a:stCxn id="7" idx="0"/>
+            <a:endCxn id="6" idx="2"/>
+          </p:cNvCxnSpPr>
+          <p:nvPr/>
+        </p:nvCxnSpPr>
+        <p:spPr>
+          <a:xfrm flipV="1">
+            <a:off x="3036168" y="4131152"/>
+            <a:ext cx="5899" cy="410501"/>
+          </a:xfrm>
+          <a:prstGeom prst="straightConnector1">
+            <a:avLst/>
+          </a:prstGeom>
+          <a:ln w="19050">
+            <a:tailEnd type="triangle"/>
+          </a:ln>
+        </p:spPr>
+        <p:style>
+          <a:lnRef idx="1">
+            <a:schemeClr val="dk1"/>
+          </a:lnRef>
+          <a:fillRef idx="0">
+            <a:schemeClr val="dk1"/>
+          </a:fillRef>
+          <a:effectRef idx="0">
+            <a:schemeClr val="dk1"/>
+          </a:effectRef>
+          <a:fontRef idx="minor">
+            <a:schemeClr val="tx1"/>
+          </a:fontRef>
+        </p:style>
+      </p:cxnSp>
+      <p:cxnSp>
+        <p:nvCxnSpPr>
+          <p:cNvPr id="22" name="直接箭头连接符 21">
+            <a:extLst>
+              <a:ext uri="{FF2B5EF4-FFF2-40B4-BE49-F238E27FC236}">
+                <a16:creationId xmlns:a16="http://schemas.microsoft.com/office/drawing/2014/main" id="{DFE592D0-3401-920C-6A3D-C508400379AF}"/>
+              </a:ext>
+            </a:extLst>
+          </p:cNvPr>
+          <p:cNvCxnSpPr>
+            <a:cxnSpLocks/>
+            <a:stCxn id="6" idx="0"/>
+            <a:endCxn id="5" idx="2"/>
+          </p:cNvCxnSpPr>
+          <p:nvPr/>
+        </p:nvCxnSpPr>
+        <p:spPr>
+          <a:xfrm flipH="1" flipV="1">
+            <a:off x="3036168" y="3343975"/>
+            <a:ext cx="5899" cy="427001"/>
+          </a:xfrm>
+          <a:prstGeom prst="straightConnector1">
+            <a:avLst/>
+          </a:prstGeom>
+          <a:ln w="19050">
+            <a:tailEnd type="triangle"/>
+          </a:ln>
+        </p:spPr>
+        <p:style>
+          <a:lnRef idx="1">
+            <a:schemeClr val="dk1"/>
+          </a:lnRef>
+          <a:fillRef idx="0">
+            <a:schemeClr val="dk1"/>
+          </a:fillRef>
+          <a:effectRef idx="0">
+            <a:schemeClr val="dk1"/>
+          </a:effectRef>
+          <a:fontRef idx="minor">
+            <a:schemeClr val="tx1"/>
+          </a:fontRef>
+        </p:style>
+      </p:cxnSp>
+      <p:cxnSp>
+        <p:nvCxnSpPr>
+          <p:cNvPr id="25" name="直接箭头连接符 24">
+            <a:extLst>
+              <a:ext uri="{FF2B5EF4-FFF2-40B4-BE49-F238E27FC236}">
+                <a16:creationId xmlns:a16="http://schemas.microsoft.com/office/drawing/2014/main" id="{980BD034-5F29-088F-0691-B502FE731893}"/>
+              </a:ext>
+            </a:extLst>
+          </p:cNvPr>
+          <p:cNvCxnSpPr>
+            <a:cxnSpLocks/>
+            <a:stCxn id="5" idx="0"/>
+            <a:endCxn id="4" idx="2"/>
+          </p:cNvCxnSpPr>
+          <p:nvPr/>
+        </p:nvCxnSpPr>
+        <p:spPr>
+          <a:xfrm flipV="1">
+            <a:off x="3036168" y="2611207"/>
+            <a:ext cx="0" cy="372592"/>
+          </a:xfrm>
+          <a:prstGeom prst="straightConnector1">
+            <a:avLst/>
+          </a:prstGeom>
+          <a:ln w="19050">
+            <a:tailEnd type="triangle"/>
+          </a:ln>
+        </p:spPr>
+        <p:style>
+          <a:lnRef idx="1">
+            <a:schemeClr val="dk1"/>
+          </a:lnRef>
+          <a:fillRef idx="0">
+            <a:schemeClr val="dk1"/>
+          </a:fillRef>
+          <a:effectRef idx="0">
+            <a:schemeClr val="dk1"/>
+          </a:effectRef>
+          <a:fontRef idx="minor">
+            <a:schemeClr val="tx1"/>
+          </a:fontRef>
+        </p:style>
+      </p:cxnSp>
+      <p:cxnSp>
+        <p:nvCxnSpPr>
+          <p:cNvPr id="28" name="直接箭头连接符 27">
+            <a:extLst>
+              <a:ext uri="{FF2B5EF4-FFF2-40B4-BE49-F238E27FC236}">
+                <a16:creationId xmlns:a16="http://schemas.microsoft.com/office/drawing/2014/main" id="{F0564CB7-4821-56C2-75DD-BA7F1499BEDD}"/>
+              </a:ext>
+            </a:extLst>
+          </p:cNvPr>
+          <p:cNvCxnSpPr>
+            <a:cxnSpLocks/>
+            <a:stCxn id="9" idx="0"/>
+            <a:endCxn id="14" idx="2"/>
+          </p:cNvCxnSpPr>
+          <p:nvPr/>
+        </p:nvCxnSpPr>
+        <p:spPr>
+          <a:xfrm flipV="1">
+            <a:off x="6865407" y="1864669"/>
+            <a:ext cx="0" cy="402735"/>
+          </a:xfrm>
+          <a:prstGeom prst="straightConnector1">
+            <a:avLst/>
+          </a:prstGeom>
+          <a:ln w="19050">
+            <a:tailEnd type="triangle"/>
+          </a:ln>
+        </p:spPr>
+        <p:style>
+          <a:lnRef idx="1">
+            <a:schemeClr val="dk1"/>
+          </a:lnRef>
+          <a:fillRef idx="0">
+            <a:schemeClr val="dk1"/>
+          </a:fillRef>
+          <a:effectRef idx="0">
+            <a:schemeClr val="dk1"/>
+          </a:effectRef>
+          <a:fontRef idx="minor">
+            <a:schemeClr val="tx1"/>
+          </a:fontRef>
+        </p:style>
+      </p:cxnSp>
+      <p:cxnSp>
+        <p:nvCxnSpPr>
+          <p:cNvPr id="32" name="直接箭头连接符 31">
+            <a:extLst>
+              <a:ext uri="{FF2B5EF4-FFF2-40B4-BE49-F238E27FC236}">
+                <a16:creationId xmlns:a16="http://schemas.microsoft.com/office/drawing/2014/main" id="{F2DF59C8-2F5A-694D-9BA6-2229B8ECF0C7}"/>
+              </a:ext>
+            </a:extLst>
+          </p:cNvPr>
+          <p:cNvCxnSpPr>
+            <a:cxnSpLocks/>
+            <a:stCxn id="10" idx="0"/>
+            <a:endCxn id="9" idx="2"/>
+          </p:cNvCxnSpPr>
+          <p:nvPr/>
+        </p:nvCxnSpPr>
+        <p:spPr>
+          <a:xfrm flipV="1">
+            <a:off x="6865407" y="2627580"/>
+            <a:ext cx="0" cy="356219"/>
+          </a:xfrm>
+          <a:prstGeom prst="straightConnector1">
+            <a:avLst/>
+          </a:prstGeom>
+          <a:ln w="19050">
+            <a:tailEnd type="triangle"/>
+          </a:ln>
+        </p:spPr>
+        <p:style>
+          <a:lnRef idx="1">
+            <a:schemeClr val="dk1"/>
+          </a:lnRef>
+          <a:fillRef idx="0">
+            <a:schemeClr val="dk1"/>
+          </a:fillRef>
+          <a:effectRef idx="0">
+            <a:schemeClr val="dk1"/>
+          </a:effectRef>
+          <a:fontRef idx="minor">
+            <a:schemeClr val="tx1"/>
+          </a:fontRef>
+        </p:style>
+      </p:cxnSp>
+      <p:cxnSp>
+        <p:nvCxnSpPr>
+          <p:cNvPr id="35" name="直接箭头连接符 34">
+            <a:extLst>
+              <a:ext uri="{FF2B5EF4-FFF2-40B4-BE49-F238E27FC236}">
+                <a16:creationId xmlns:a16="http://schemas.microsoft.com/office/drawing/2014/main" id="{D38412D4-0CA2-3F28-374D-D8B3FD2615A0}"/>
+              </a:ext>
+            </a:extLst>
+          </p:cNvPr>
+          <p:cNvCxnSpPr>
+            <a:cxnSpLocks/>
+            <a:stCxn id="11" idx="0"/>
+            <a:endCxn id="10" idx="2"/>
+          </p:cNvCxnSpPr>
+          <p:nvPr/>
+        </p:nvCxnSpPr>
+        <p:spPr>
+          <a:xfrm flipH="1" flipV="1">
+            <a:off x="6865407" y="3343975"/>
+            <a:ext cx="5899" cy="427001"/>
+          </a:xfrm>
+          <a:prstGeom prst="straightConnector1">
+            <a:avLst/>
+          </a:prstGeom>
+          <a:ln w="19050">
+            <a:tailEnd type="triangle"/>
+          </a:ln>
+        </p:spPr>
+        <p:style>
+          <a:lnRef idx="1">
+            <a:schemeClr val="dk1"/>
+          </a:lnRef>
+          <a:fillRef idx="0">
+            <a:schemeClr val="dk1"/>
+          </a:fillRef>
+          <a:effectRef idx="0">
+            <a:schemeClr val="dk1"/>
+          </a:effectRef>
+          <a:fontRef idx="minor">
+            <a:schemeClr val="tx1"/>
+          </a:fontRef>
+        </p:style>
+      </p:cxnSp>
+      <p:cxnSp>
+        <p:nvCxnSpPr>
+          <p:cNvPr id="38" name="直接箭头连接符 37">
+            <a:extLst>
+              <a:ext uri="{FF2B5EF4-FFF2-40B4-BE49-F238E27FC236}">
+                <a16:creationId xmlns:a16="http://schemas.microsoft.com/office/drawing/2014/main" id="{9A14C99F-89E0-CE2F-6B95-C713A6CFBA31}"/>
+              </a:ext>
+            </a:extLst>
+          </p:cNvPr>
+          <p:cNvCxnSpPr>
+            <a:cxnSpLocks/>
+            <a:stCxn id="12" idx="0"/>
+            <a:endCxn id="11" idx="2"/>
+          </p:cNvCxnSpPr>
+          <p:nvPr/>
+        </p:nvCxnSpPr>
+        <p:spPr>
+          <a:xfrm flipV="1">
+            <a:off x="6865407" y="4131152"/>
+            <a:ext cx="5899" cy="410501"/>
+          </a:xfrm>
+          <a:prstGeom prst="straightConnector1">
+            <a:avLst/>
+          </a:prstGeom>
+          <a:ln w="19050">
+            <a:tailEnd type="triangle"/>
+          </a:ln>
+        </p:spPr>
+        <p:style>
+          <a:lnRef idx="1">
+            <a:schemeClr val="dk1"/>
+          </a:lnRef>
+          <a:fillRef idx="0">
+            <a:schemeClr val="dk1"/>
+          </a:fillRef>
+          <a:effectRef idx="0">
+            <a:schemeClr val="dk1"/>
+          </a:effectRef>
+          <a:fontRef idx="minor">
+            <a:schemeClr val="tx1"/>
+          </a:fontRef>
+        </p:style>
+      </p:cxnSp>
+      <p:sp>
+        <p:nvSpPr>
+          <p:cNvPr id="41" name="流程图: 或者 40">
+            <a:extLst>
+              <a:ext uri="{FF2B5EF4-FFF2-40B4-BE49-F238E27FC236}">
+                <a16:creationId xmlns:a16="http://schemas.microsoft.com/office/drawing/2014/main" id="{C48F2712-C675-3DD8-0B17-4F2210F090EF}"/>
+              </a:ext>
+            </a:extLst>
+          </p:cNvPr>
+          <p:cNvSpPr/>
+          <p:nvPr/>
+        </p:nvSpPr>
+        <p:spPr>
+          <a:xfrm>
+            <a:off x="6662696" y="5117277"/>
+            <a:ext cx="405408" cy="405408"/>
+          </a:xfrm>
+          <a:prstGeom prst="flowChartOr">
+            <a:avLst/>
+          </a:prstGeom>
+          <a:ln w="19050"/>
+        </p:spPr>
+        <p:style>
+          <a:lnRef idx="2">
+            <a:schemeClr val="dk1"/>
+          </a:lnRef>
+          <a:fillRef idx="1">
+            <a:schemeClr val="lt1"/>
+          </a:fillRef>
+          <a:effectRef idx="0">
+            <a:schemeClr val="dk1"/>
+          </a:effectRef>
+          <a:fontRef idx="minor">
+            <a:schemeClr val="dk1"/>
+          </a:fontRef>
+        </p:style>
+        <p:txBody>
+          <a:bodyPr rtlCol="0" anchor="ctr"/>
+          <a:lstStyle/>
+          <a:p>
+            <a:pPr algn="ctr"/>
+            <a:endParaRPr lang="zh-CN" altLang="en-US"/>
+          </a:p>
+        </p:txBody>
+      </p:sp>
+      <p:cxnSp>
+        <p:nvCxnSpPr>
+          <p:cNvPr id="42" name="直接箭头连接符 41">
+            <a:extLst>
+              <a:ext uri="{FF2B5EF4-FFF2-40B4-BE49-F238E27FC236}">
+                <a16:creationId xmlns:a16="http://schemas.microsoft.com/office/drawing/2014/main" id="{AB11D028-768A-C086-435D-30FFD1A8F88E}"/>
+              </a:ext>
+            </a:extLst>
+          </p:cNvPr>
+          <p:cNvCxnSpPr>
+            <a:cxnSpLocks/>
+            <a:stCxn id="41" idx="0"/>
+            <a:endCxn id="12" idx="2"/>
+          </p:cNvCxnSpPr>
+          <p:nvPr/>
+        </p:nvCxnSpPr>
+        <p:spPr>
+          <a:xfrm flipV="1">
+            <a:off x="6865400" y="4901829"/>
+            <a:ext cx="7" cy="215448"/>
+          </a:xfrm>
+          <a:prstGeom prst="straightConnector1">
+            <a:avLst/>
+          </a:prstGeom>
+          <a:ln w="19050">
+            <a:tailEnd type="triangle"/>
+          </a:ln>
+        </p:spPr>
+        <p:style>
+          <a:lnRef idx="1">
+            <a:schemeClr val="dk1"/>
+          </a:lnRef>
+          <a:fillRef idx="0">
+            <a:schemeClr val="dk1"/>
+          </a:fillRef>
+          <a:effectRef idx="0">
+            <a:schemeClr val="dk1"/>
+          </a:effectRef>
+          <a:fontRef idx="minor">
+            <a:schemeClr val="tx1"/>
+          </a:fontRef>
+        </p:style>
+      </p:cxnSp>
+      <p:cxnSp>
+        <p:nvCxnSpPr>
+          <p:cNvPr id="45" name="直接箭头连接符 44">
+            <a:extLst>
+              <a:ext uri="{FF2B5EF4-FFF2-40B4-BE49-F238E27FC236}">
+                <a16:creationId xmlns:a16="http://schemas.microsoft.com/office/drawing/2014/main" id="{2553381F-6BEB-0ECB-C3AC-E7C123041D8A}"/>
+              </a:ext>
+            </a:extLst>
+          </p:cNvPr>
+          <p:cNvCxnSpPr>
+            <a:cxnSpLocks/>
+            <a:stCxn id="13" idx="0"/>
+            <a:endCxn id="41" idx="4"/>
+          </p:cNvCxnSpPr>
+          <p:nvPr/>
+        </p:nvCxnSpPr>
+        <p:spPr>
+          <a:xfrm flipH="1" flipV="1">
+            <a:off x="6865400" y="5522685"/>
+            <a:ext cx="6" cy="253471"/>
+          </a:xfrm>
+          <a:prstGeom prst="straightConnector1">
+            <a:avLst/>
+          </a:prstGeom>
+          <a:ln w="19050">
+            <a:tailEnd type="triangle"/>
+          </a:ln>
+        </p:spPr>
+        <p:style>
+          <a:lnRef idx="1">
+            <a:schemeClr val="dk1"/>
+          </a:lnRef>
+          <a:fillRef idx="0">
+            <a:schemeClr val="dk1"/>
+          </a:fillRef>
+          <a:effectRef idx="0">
+            <a:schemeClr val="dk1"/>
+          </a:effectRef>
+          <a:fontRef idx="minor">
+            <a:schemeClr val="tx1"/>
+          </a:fontRef>
+        </p:style>
+      </p:cxnSp>
+      <p:cxnSp>
+        <p:nvCxnSpPr>
+          <p:cNvPr id="48" name="直接箭头连接符 47">
+            <a:extLst>
+              <a:ext uri="{FF2B5EF4-FFF2-40B4-BE49-F238E27FC236}">
+                <a16:creationId xmlns:a16="http://schemas.microsoft.com/office/drawing/2014/main" id="{32459B59-F6C7-4587-A687-EC048EC063B2}"/>
+              </a:ext>
+            </a:extLst>
+          </p:cNvPr>
+          <p:cNvCxnSpPr>
+            <a:cxnSpLocks/>
+            <a:stCxn id="4" idx="3"/>
+            <a:endCxn id="41" idx="2"/>
+          </p:cNvCxnSpPr>
+          <p:nvPr/>
+        </p:nvCxnSpPr>
+        <p:spPr>
+          <a:xfrm>
+            <a:off x="3982630" y="2447491"/>
+            <a:ext cx="2680066" cy="2872490"/>
+          </a:xfrm>
+          <a:prstGeom prst="bentConnector3">
+            <a:avLst>
+              <a:gd name="adj1" fmla="val 50000"/>
+            </a:avLst>
+          </a:prstGeom>
+          <a:ln w="19050">
+            <a:tailEnd type="triangle"/>
+          </a:ln>
+        </p:spPr>
+        <p:style>
+          <a:lnRef idx="1">
+            <a:schemeClr val="dk1"/>
+          </a:lnRef>
+          <a:fillRef idx="0">
+            <a:schemeClr val="dk1"/>
+          </a:fillRef>
+          <a:effectRef idx="0">
+            <a:schemeClr val="dk1"/>
+          </a:effectRef>
+          <a:fontRef idx="minor">
+            <a:schemeClr val="tx1"/>
+          </a:fontRef>
+        </p:style>
+      </p:cxnSp>
+      <mc:AlternateContent xmlns:mc="http://schemas.openxmlformats.org/markup-compatibility/2006">
+        <mc:Choice xmlns:a14="http://schemas.microsoft.com/office/drawing/2010/main" Requires="a14">
+          <p:sp>
+            <p:nvSpPr>
+              <p:cNvPr id="52" name="文本框 51">
+                <a:extLst>
+                  <a:ext uri="{FF2B5EF4-FFF2-40B4-BE49-F238E27FC236}">
+                    <a16:creationId xmlns:a16="http://schemas.microsoft.com/office/drawing/2014/main" id="{A51CA769-9DC2-6A86-531B-5C02581633D6}"/>
+                  </a:ext>
+                </a:extLst>
+              </p:cNvPr>
+              <p:cNvSpPr txBox="1"/>
+              <p:nvPr/>
+            </p:nvSpPr>
+            <p:spPr>
+              <a:xfrm>
+                <a:off x="3116526" y="2667247"/>
+                <a:ext cx="344903" cy="282257"/>
+              </a:xfrm>
+              <a:prstGeom prst="rect">
+                <a:avLst/>
+              </a:prstGeom>
+              <a:noFill/>
+            </p:spPr>
+            <p:txBody>
+              <a:bodyPr wrap="none" lIns="0" tIns="0" rIns="0" bIns="0" rtlCol="0">
+                <a:spAutoFit/>
+              </a:bodyPr>
+              <a:lstStyle/>
+              <a:p>
+                <a14:m>
+                  <m:oMathPara xmlns:m="http://schemas.openxmlformats.org/officeDocument/2006/math">
+                    <m:oMathParaPr>
+                      <m:jc m:val="centerGroup"/>
+                    </m:oMathParaPr>
+                    <m:oMath xmlns:m="http://schemas.openxmlformats.org/officeDocument/2006/math">
+                      <m:sSubSup>
+                        <m:sSubSupPr>
+                          <m:ctrlPr>
+                            <a:rPr lang="zh-CN" altLang="en-US">
+                              <a:solidFill>
+                                <a:srgbClr val="836967"/>
+                              </a:solidFill>
+                              <a:latin typeface="Cambria Math" panose="02040503050406030204" pitchFamily="18" charset="0"/>
+                            </a:rPr>
+                          </m:ctrlPr>
+                        </m:sSubSupPr>
+                        <m:e>
+                          <m:r>
+                            <a:rPr lang="zh-CN" altLang="en-US" i="1">
+                              <a:latin typeface="Cambria Math" panose="02040503050406030204" pitchFamily="18" charset="0"/>
+                            </a:rPr>
+                            <m:t>𝐻</m:t>
+                          </m:r>
+                        </m:e>
+                        <m:sub>
+                          <m:r>
+                            <a:rPr lang="zh-CN" altLang="en-US" i="1">
+                              <a:latin typeface="Cambria Math" panose="02040503050406030204" pitchFamily="18" charset="0"/>
+                            </a:rPr>
+                            <m:t>𝐸</m:t>
+                          </m:r>
+                        </m:sub>
+                        <m:sup>
+                          <m:r>
+                            <a:rPr lang="zh-CN" altLang="en-US">
+                              <a:latin typeface="Cambria Math" panose="02040503050406030204" pitchFamily="18" charset="0"/>
+                            </a:rPr>
+                            <m:t>3</m:t>
+                          </m:r>
+                        </m:sup>
+                      </m:sSubSup>
+                    </m:oMath>
+                  </m:oMathPara>
+                </a14:m>
+                <a:endParaRPr lang="zh-CN" altLang="en-US" dirty="0"/>
+              </a:p>
+            </p:txBody>
+          </p:sp>
+        </mc:Choice>
+        <mc:Fallback>
+          <p:sp>
+            <p:nvSpPr>
+              <p:cNvPr id="52" name="文本框 51">
+                <a:extLst>
+                  <a:ext uri="{FF2B5EF4-FFF2-40B4-BE49-F238E27FC236}">
+                    <a16:creationId xmlns:a16="http://schemas.microsoft.com/office/drawing/2014/main" id="{A51CA769-9DC2-6A86-531B-5C02581633D6}"/>
+                  </a:ext>
+                </a:extLst>
+              </p:cNvPr>
+              <p:cNvSpPr txBox="1">
+                <a:spLocks noRot="1" noChangeAspect="1" noMove="1" noResize="1" noEditPoints="1" noAdjustHandles="1" noChangeArrowheads="1" noChangeShapeType="1" noTextEdit="1"/>
+              </p:cNvSpPr>
+              <p:nvPr/>
+            </p:nvSpPr>
+            <p:spPr>
+              <a:xfrm>
+                <a:off x="3116526" y="2667247"/>
+                <a:ext cx="344903" cy="282257"/>
+              </a:xfrm>
+              <a:prstGeom prst="rect">
+                <a:avLst/>
+              </a:prstGeom>
+              <a:blipFill>
+                <a:blip r:embed="rId2"/>
+                <a:stretch>
+                  <a:fillRect l="-14035" t="-2174" r="-5263" b="-17391"/>
+                </a:stretch>
+              </a:blipFill>
+            </p:spPr>
+            <p:txBody>
+              <a:bodyPr/>
+              <a:lstStyle/>
+              <a:p>
+                <a:r>
+                  <a:rPr lang="zh-CN" altLang="en-US">
+                    <a:noFill/>
+                  </a:rPr>
+                  <a:t> </a:t>
+                </a:r>
+              </a:p>
+            </p:txBody>
+          </p:sp>
+        </mc:Fallback>
+      </mc:AlternateContent>
+      <mc:AlternateContent xmlns:mc="http://schemas.openxmlformats.org/markup-compatibility/2006">
+        <mc:Choice xmlns:a14="http://schemas.microsoft.com/office/drawing/2010/main" Requires="a14">
+          <p:sp>
+            <p:nvSpPr>
+              <p:cNvPr id="53" name="文本框 52">
+                <a:extLst>
+                  <a:ext uri="{FF2B5EF4-FFF2-40B4-BE49-F238E27FC236}">
+                    <a16:creationId xmlns:a16="http://schemas.microsoft.com/office/drawing/2014/main" id="{1CEE260C-5A4A-B7EE-60A1-4C31B88D58D8}"/>
+                  </a:ext>
+                </a:extLst>
+              </p:cNvPr>
+              <p:cNvSpPr txBox="1"/>
+              <p:nvPr/>
+            </p:nvSpPr>
+            <p:spPr>
+              <a:xfrm>
+                <a:off x="3116526" y="3412986"/>
+                <a:ext cx="344903" cy="280846"/>
+              </a:xfrm>
+              <a:prstGeom prst="rect">
+                <a:avLst/>
+              </a:prstGeom>
+              <a:noFill/>
+            </p:spPr>
+            <p:txBody>
+              <a:bodyPr wrap="none" lIns="0" tIns="0" rIns="0" bIns="0" rtlCol="0">
+                <a:spAutoFit/>
+              </a:bodyPr>
+              <a:lstStyle/>
+              <a:p>
+                <a14:m>
+                  <m:oMathPara xmlns:m="http://schemas.openxmlformats.org/officeDocument/2006/math">
+                    <m:oMathParaPr>
+                      <m:jc m:val="centerGroup"/>
+                    </m:oMathParaPr>
+                    <m:oMath xmlns:m="http://schemas.openxmlformats.org/officeDocument/2006/math">
+                      <m:sSubSup>
+                        <m:sSubSupPr>
+                          <m:ctrlPr>
+                            <a:rPr lang="zh-CN" altLang="en-US">
+                              <a:solidFill>
+                                <a:srgbClr val="836967"/>
+                              </a:solidFill>
+                              <a:latin typeface="Cambria Math" panose="02040503050406030204" pitchFamily="18" charset="0"/>
+                            </a:rPr>
+                          </m:ctrlPr>
+                        </m:sSubSupPr>
+                        <m:e>
+                          <m:r>
+                            <a:rPr lang="zh-CN" altLang="en-US" i="1">
+                              <a:latin typeface="Cambria Math" panose="02040503050406030204" pitchFamily="18" charset="0"/>
+                            </a:rPr>
+                            <m:t>𝐻</m:t>
+                          </m:r>
+                        </m:e>
+                        <m:sub>
+                          <m:r>
+                            <a:rPr lang="zh-CN" altLang="en-US" i="1">
+                              <a:latin typeface="Cambria Math" panose="02040503050406030204" pitchFamily="18" charset="0"/>
+                            </a:rPr>
+                            <m:t>𝐸</m:t>
+                          </m:r>
+                        </m:sub>
+                        <m:sup>
+                          <m:r>
+                            <a:rPr lang="en-US" altLang="zh-CN">
+                              <a:latin typeface="Cambria Math" panose="02040503050406030204" pitchFamily="18" charset="0"/>
+                            </a:rPr>
+                            <m:t>2</m:t>
+                          </m:r>
+                        </m:sup>
+                      </m:sSubSup>
+                    </m:oMath>
+                  </m:oMathPara>
+                </a14:m>
+                <a:endParaRPr lang="zh-CN" altLang="en-US" dirty="0"/>
+              </a:p>
+            </p:txBody>
+          </p:sp>
+        </mc:Choice>
+        <mc:Fallback>
+          <p:sp>
+            <p:nvSpPr>
+              <p:cNvPr id="53" name="文本框 52">
+                <a:extLst>
+                  <a:ext uri="{FF2B5EF4-FFF2-40B4-BE49-F238E27FC236}">
+                    <a16:creationId xmlns:a16="http://schemas.microsoft.com/office/drawing/2014/main" id="{1CEE260C-5A4A-B7EE-60A1-4C31B88D58D8}"/>
+                  </a:ext>
+                </a:extLst>
+              </p:cNvPr>
+              <p:cNvSpPr txBox="1">
+                <a:spLocks noRot="1" noChangeAspect="1" noMove="1" noResize="1" noEditPoints="1" noAdjustHandles="1" noChangeArrowheads="1" noChangeShapeType="1" noTextEdit="1"/>
+              </p:cNvSpPr>
+              <p:nvPr/>
+            </p:nvSpPr>
+            <p:spPr>
+              <a:xfrm>
+                <a:off x="3116526" y="3412986"/>
+                <a:ext cx="344903" cy="280846"/>
+              </a:xfrm>
+              <a:prstGeom prst="rect">
+                <a:avLst/>
+              </a:prstGeom>
+              <a:blipFill>
+                <a:blip r:embed="rId3"/>
+                <a:stretch>
+                  <a:fillRect l="-14035" t="-2174" r="-5263" b="-17391"/>
+                </a:stretch>
+              </a:blipFill>
+            </p:spPr>
+            <p:txBody>
+              <a:bodyPr/>
+              <a:lstStyle/>
+              <a:p>
+                <a:r>
+                  <a:rPr lang="zh-CN" altLang="en-US">
+                    <a:noFill/>
+                  </a:rPr>
+                  <a:t> </a:t>
+                </a:r>
+              </a:p>
+            </p:txBody>
+          </p:sp>
+        </mc:Fallback>
+      </mc:AlternateContent>
+      <mc:AlternateContent xmlns:mc="http://schemas.openxmlformats.org/markup-compatibility/2006">
+        <mc:Choice xmlns:a14="http://schemas.microsoft.com/office/drawing/2010/main" Requires="a14">
+          <p:sp>
+            <p:nvSpPr>
+              <p:cNvPr id="54" name="文本框 53">
+                <a:extLst>
+                  <a:ext uri="{FF2B5EF4-FFF2-40B4-BE49-F238E27FC236}">
+                    <a16:creationId xmlns:a16="http://schemas.microsoft.com/office/drawing/2014/main" id="{27594BDB-2630-A9C4-1B1D-B6EF5305A81E}"/>
+                  </a:ext>
+                </a:extLst>
+              </p:cNvPr>
+              <p:cNvSpPr txBox="1"/>
+              <p:nvPr/>
+            </p:nvSpPr>
+            <p:spPr>
+              <a:xfrm>
+                <a:off x="3114732" y="4178357"/>
+                <a:ext cx="340799" cy="280270"/>
+              </a:xfrm>
+              <a:prstGeom prst="rect">
+                <a:avLst/>
+              </a:prstGeom>
+              <a:noFill/>
+            </p:spPr>
+            <p:txBody>
+              <a:bodyPr wrap="none" lIns="0" tIns="0" rIns="0" bIns="0" rtlCol="0">
+                <a:spAutoFit/>
+              </a:bodyPr>
+              <a:lstStyle/>
+              <a:p>
+                <a14:m>
+                  <m:oMathPara xmlns:m="http://schemas.openxmlformats.org/officeDocument/2006/math">
+                    <m:oMathParaPr>
+                      <m:jc m:val="centerGroup"/>
+                    </m:oMathParaPr>
+                    <m:oMath xmlns:m="http://schemas.openxmlformats.org/officeDocument/2006/math">
+                      <m:sSubSup>
+                        <m:sSubSupPr>
+                          <m:ctrlPr>
+                            <a:rPr lang="zh-CN" altLang="en-US">
+                              <a:solidFill>
+                                <a:srgbClr val="836967"/>
+                              </a:solidFill>
+                              <a:latin typeface="Cambria Math" panose="02040503050406030204" pitchFamily="18" charset="0"/>
+                            </a:rPr>
+                          </m:ctrlPr>
+                        </m:sSubSupPr>
+                        <m:e>
+                          <m:r>
+                            <a:rPr lang="zh-CN" altLang="en-US" i="1">
+                              <a:latin typeface="Cambria Math" panose="02040503050406030204" pitchFamily="18" charset="0"/>
+                            </a:rPr>
+                            <m:t>𝐻</m:t>
+                          </m:r>
+                        </m:e>
+                        <m:sub>
+                          <m:r>
+                            <a:rPr lang="zh-CN" altLang="en-US" i="1">
+                              <a:latin typeface="Cambria Math" panose="02040503050406030204" pitchFamily="18" charset="0"/>
+                            </a:rPr>
+                            <m:t>𝐸</m:t>
+                          </m:r>
+                        </m:sub>
+                        <m:sup>
+                          <m:r>
+                            <a:rPr lang="en-US" altLang="zh-CN">
+                              <a:latin typeface="Cambria Math" panose="02040503050406030204" pitchFamily="18" charset="0"/>
+                            </a:rPr>
+                            <m:t>1</m:t>
+                          </m:r>
+                        </m:sup>
+                      </m:sSubSup>
+                    </m:oMath>
+                  </m:oMathPara>
+                </a14:m>
+                <a:endParaRPr lang="zh-CN" altLang="en-US" dirty="0"/>
+              </a:p>
+            </p:txBody>
+          </p:sp>
+        </mc:Choice>
+        <mc:Fallback>
+          <p:sp>
+            <p:nvSpPr>
+              <p:cNvPr id="54" name="文本框 53">
+                <a:extLst>
+                  <a:ext uri="{FF2B5EF4-FFF2-40B4-BE49-F238E27FC236}">
+                    <a16:creationId xmlns:a16="http://schemas.microsoft.com/office/drawing/2014/main" id="{27594BDB-2630-A9C4-1B1D-B6EF5305A81E}"/>
+                  </a:ext>
+                </a:extLst>
+              </p:cNvPr>
+              <p:cNvSpPr txBox="1">
+                <a:spLocks noRot="1" noChangeAspect="1" noMove="1" noResize="1" noEditPoints="1" noAdjustHandles="1" noChangeArrowheads="1" noChangeShapeType="1" noTextEdit="1"/>
+              </p:cNvSpPr>
+              <p:nvPr/>
+            </p:nvSpPr>
+            <p:spPr>
+              <a:xfrm>
+                <a:off x="3114732" y="4178357"/>
+                <a:ext cx="340799" cy="280270"/>
+              </a:xfrm>
+              <a:prstGeom prst="rect">
+                <a:avLst/>
+              </a:prstGeom>
+              <a:blipFill>
+                <a:blip r:embed="rId4"/>
+                <a:stretch>
+                  <a:fillRect l="-16071" t="-2174" r="-3571" b="-19565"/>
+                </a:stretch>
+              </a:blipFill>
+            </p:spPr>
+            <p:txBody>
+              <a:bodyPr/>
+              <a:lstStyle/>
+              <a:p>
+                <a:r>
+                  <a:rPr lang="zh-CN" altLang="en-US">
+                    <a:noFill/>
+                  </a:rPr>
+                  <a:t> </a:t>
+                </a:r>
+              </a:p>
+            </p:txBody>
+          </p:sp>
+        </mc:Fallback>
+      </mc:AlternateContent>
+      <mc:AlternateContent xmlns:mc="http://schemas.openxmlformats.org/markup-compatibility/2006">
+        <mc:Choice xmlns:a14="http://schemas.microsoft.com/office/drawing/2010/main" Requires="a14">
+          <p:sp>
+            <p:nvSpPr>
+              <p:cNvPr id="56" name="文本框 55">
+                <a:extLst>
+                  <a:ext uri="{FF2B5EF4-FFF2-40B4-BE49-F238E27FC236}">
+                    <a16:creationId xmlns:a16="http://schemas.microsoft.com/office/drawing/2014/main" id="{072D2990-320F-56E0-1C7C-961C62AC9A5D}"/>
+                  </a:ext>
+                </a:extLst>
+              </p:cNvPr>
+              <p:cNvSpPr txBox="1"/>
+              <p:nvPr/>
+            </p:nvSpPr>
+            <p:spPr>
+              <a:xfrm>
+                <a:off x="6922135" y="1951814"/>
+                <a:ext cx="351186" cy="279692"/>
+              </a:xfrm>
+              <a:prstGeom prst="rect">
+                <a:avLst/>
+              </a:prstGeom>
+              <a:noFill/>
+            </p:spPr>
+            <p:txBody>
+              <a:bodyPr wrap="none" lIns="0" tIns="0" rIns="0" bIns="0" rtlCol="0">
+                <a:spAutoFit/>
+              </a:bodyPr>
+              <a:lstStyle/>
+              <a:p>
+                <a14:m>
+                  <m:oMathPara xmlns:m="http://schemas.openxmlformats.org/officeDocument/2006/math">
+                    <m:oMathParaPr>
+                      <m:jc m:val="centerGroup"/>
+                    </m:oMathParaPr>
+                    <m:oMath xmlns:m="http://schemas.openxmlformats.org/officeDocument/2006/math">
+                      <m:sSubSup>
+                        <m:sSubSupPr>
+                          <m:ctrlPr>
+                            <a:rPr lang="zh-CN" altLang="en-US">
+                              <a:solidFill>
+                                <a:srgbClr val="836967"/>
+                              </a:solidFill>
+                              <a:latin typeface="Cambria Math" panose="02040503050406030204" pitchFamily="18" charset="0"/>
+                            </a:rPr>
+                          </m:ctrlPr>
+                        </m:sSubSupPr>
+                        <m:e>
+                          <m:r>
+                            <a:rPr lang="zh-CN" altLang="en-US" i="1">
+                              <a:latin typeface="Cambria Math" panose="02040503050406030204" pitchFamily="18" charset="0"/>
+                            </a:rPr>
+                            <m:t>𝐻</m:t>
+                          </m:r>
+                        </m:e>
+                        <m:sub>
+                          <m:r>
+                            <a:rPr lang="en-US" altLang="zh-CN" i="1">
+                              <a:latin typeface="Cambria Math" panose="02040503050406030204" pitchFamily="18" charset="0"/>
+                            </a:rPr>
+                            <m:t>𝐷</m:t>
+                          </m:r>
+                        </m:sub>
+                        <m:sup>
+                          <m:r>
+                            <a:rPr lang="en-US" altLang="zh-CN">
+                              <a:latin typeface="Cambria Math" panose="02040503050406030204" pitchFamily="18" charset="0"/>
+                            </a:rPr>
+                            <m:t>4</m:t>
+                          </m:r>
+                        </m:sup>
+                      </m:sSubSup>
+                    </m:oMath>
+                  </m:oMathPara>
+                </a14:m>
+                <a:endParaRPr lang="zh-CN" altLang="en-US" dirty="0"/>
+              </a:p>
+            </p:txBody>
+          </p:sp>
+        </mc:Choice>
+        <mc:Fallback>
+          <p:sp>
+            <p:nvSpPr>
+              <p:cNvPr id="56" name="文本框 55">
+                <a:extLst>
+                  <a:ext uri="{FF2B5EF4-FFF2-40B4-BE49-F238E27FC236}">
+                    <a16:creationId xmlns:a16="http://schemas.microsoft.com/office/drawing/2014/main" id="{072D2990-320F-56E0-1C7C-961C62AC9A5D}"/>
+                  </a:ext>
+                </a:extLst>
+              </p:cNvPr>
+              <p:cNvSpPr txBox="1">
+                <a:spLocks noRot="1" noChangeAspect="1" noMove="1" noResize="1" noEditPoints="1" noAdjustHandles="1" noChangeArrowheads="1" noChangeShapeType="1" noTextEdit="1"/>
+              </p:cNvSpPr>
+              <p:nvPr/>
+            </p:nvSpPr>
+            <p:spPr>
+              <a:xfrm>
+                <a:off x="6922135" y="1951814"/>
+                <a:ext cx="351186" cy="279692"/>
+              </a:xfrm>
+              <a:prstGeom prst="rect">
+                <a:avLst/>
+              </a:prstGeom>
+              <a:blipFill>
+                <a:blip r:embed="rId5"/>
+                <a:stretch>
+                  <a:fillRect l="-15789" t="-2174" r="-5263" b="-19565"/>
+                </a:stretch>
+              </a:blipFill>
+            </p:spPr>
+            <p:txBody>
+              <a:bodyPr/>
+              <a:lstStyle/>
+              <a:p>
+                <a:r>
+                  <a:rPr lang="zh-CN" altLang="en-US">
+                    <a:noFill/>
+                  </a:rPr>
+                  <a:t> </a:t>
+                </a:r>
+              </a:p>
+            </p:txBody>
+          </p:sp>
+        </mc:Fallback>
+      </mc:AlternateContent>
+      <mc:AlternateContent xmlns:mc="http://schemas.openxmlformats.org/markup-compatibility/2006">
+        <mc:Choice xmlns:a14="http://schemas.microsoft.com/office/drawing/2010/main" Requires="a14">
+          <p:sp>
+            <p:nvSpPr>
+              <p:cNvPr id="57" name="文本框 56">
+                <a:extLst>
+                  <a:ext uri="{FF2B5EF4-FFF2-40B4-BE49-F238E27FC236}">
+                    <a16:creationId xmlns:a16="http://schemas.microsoft.com/office/drawing/2014/main" id="{72C3670B-CF39-740A-D819-AAC806C71ADE}"/>
+                  </a:ext>
+                </a:extLst>
+              </p:cNvPr>
+              <p:cNvSpPr txBox="1"/>
+              <p:nvPr/>
+            </p:nvSpPr>
+            <p:spPr>
+              <a:xfrm>
+                <a:off x="6923673" y="2667247"/>
+                <a:ext cx="351186" cy="282257"/>
+              </a:xfrm>
+              <a:prstGeom prst="rect">
+                <a:avLst/>
+              </a:prstGeom>
+              <a:noFill/>
+            </p:spPr>
+            <p:txBody>
+              <a:bodyPr wrap="none" lIns="0" tIns="0" rIns="0" bIns="0" rtlCol="0">
+                <a:spAutoFit/>
+              </a:bodyPr>
+              <a:lstStyle/>
+              <a:p>
+                <a14:m>
+                  <m:oMathPara xmlns:m="http://schemas.openxmlformats.org/officeDocument/2006/math">
+                    <m:oMathParaPr>
+                      <m:jc m:val="centerGroup"/>
+                    </m:oMathParaPr>
+                    <m:oMath xmlns:m="http://schemas.openxmlformats.org/officeDocument/2006/math">
+                      <m:sSubSup>
+                        <m:sSubSupPr>
+                          <m:ctrlPr>
+                            <a:rPr lang="zh-CN" altLang="en-US">
+                              <a:solidFill>
+                                <a:srgbClr val="836967"/>
+                              </a:solidFill>
+                              <a:latin typeface="Cambria Math" panose="02040503050406030204" pitchFamily="18" charset="0"/>
+                            </a:rPr>
+                          </m:ctrlPr>
+                        </m:sSubSupPr>
+                        <m:e>
+                          <m:r>
+                            <a:rPr lang="zh-CN" altLang="en-US" i="1">
+                              <a:latin typeface="Cambria Math" panose="02040503050406030204" pitchFamily="18" charset="0"/>
+                            </a:rPr>
+                            <m:t>𝐻</m:t>
+                          </m:r>
+                        </m:e>
+                        <m:sub>
+                          <m:r>
+                            <a:rPr lang="en-US" altLang="zh-CN" i="1">
+                              <a:latin typeface="Cambria Math" panose="02040503050406030204" pitchFamily="18" charset="0"/>
+                            </a:rPr>
+                            <m:t>𝐷</m:t>
+                          </m:r>
+                        </m:sub>
+                        <m:sup>
+                          <m:r>
+                            <a:rPr lang="en-US" altLang="zh-CN">
+                              <a:latin typeface="Cambria Math" panose="02040503050406030204" pitchFamily="18" charset="0"/>
+                            </a:rPr>
+                            <m:t>3</m:t>
+                          </m:r>
+                        </m:sup>
+                      </m:sSubSup>
+                    </m:oMath>
+                  </m:oMathPara>
+                </a14:m>
+                <a:endParaRPr lang="zh-CN" altLang="en-US" dirty="0"/>
+              </a:p>
+            </p:txBody>
+          </p:sp>
+        </mc:Choice>
+        <mc:Fallback>
+          <p:sp>
+            <p:nvSpPr>
+              <p:cNvPr id="57" name="文本框 56">
+                <a:extLst>
+                  <a:ext uri="{FF2B5EF4-FFF2-40B4-BE49-F238E27FC236}">
+                    <a16:creationId xmlns:a16="http://schemas.microsoft.com/office/drawing/2014/main" id="{72C3670B-CF39-740A-D819-AAC806C71ADE}"/>
+                  </a:ext>
+                </a:extLst>
+              </p:cNvPr>
+              <p:cNvSpPr txBox="1">
+                <a:spLocks noRot="1" noChangeAspect="1" noMove="1" noResize="1" noEditPoints="1" noAdjustHandles="1" noChangeArrowheads="1" noChangeShapeType="1" noTextEdit="1"/>
+              </p:cNvSpPr>
+              <p:nvPr/>
+            </p:nvSpPr>
+            <p:spPr>
+              <a:xfrm>
+                <a:off x="6923673" y="2667247"/>
+                <a:ext cx="351186" cy="282257"/>
+              </a:xfrm>
+              <a:prstGeom prst="rect">
+                <a:avLst/>
+              </a:prstGeom>
+              <a:blipFill>
+                <a:blip r:embed="rId6"/>
+                <a:stretch>
+                  <a:fillRect l="-15789" t="-2174" r="-5263" b="-17391"/>
+                </a:stretch>
+              </a:blipFill>
+            </p:spPr>
+            <p:txBody>
+              <a:bodyPr/>
+              <a:lstStyle/>
+              <a:p>
+                <a:r>
+                  <a:rPr lang="zh-CN" altLang="en-US">
+                    <a:noFill/>
+                  </a:rPr>
+                  <a:t> </a:t>
+                </a:r>
+              </a:p>
+            </p:txBody>
+          </p:sp>
+        </mc:Fallback>
+      </mc:AlternateContent>
+      <mc:AlternateContent xmlns:mc="http://schemas.openxmlformats.org/markup-compatibility/2006">
+        <mc:Choice xmlns:a14="http://schemas.microsoft.com/office/drawing/2010/main" Requires="a14">
+          <p:sp>
+            <p:nvSpPr>
+              <p:cNvPr id="58" name="文本框 57">
+                <a:extLst>
+                  <a:ext uri="{FF2B5EF4-FFF2-40B4-BE49-F238E27FC236}">
+                    <a16:creationId xmlns:a16="http://schemas.microsoft.com/office/drawing/2014/main" id="{60039094-89F7-4C88-4356-264AAFFB8649}"/>
+                  </a:ext>
+                </a:extLst>
+              </p:cNvPr>
+              <p:cNvSpPr txBox="1"/>
+              <p:nvPr/>
+            </p:nvSpPr>
+            <p:spPr>
+              <a:xfrm>
+                <a:off x="6920656" y="3412986"/>
+                <a:ext cx="351186" cy="280846"/>
+              </a:xfrm>
+              <a:prstGeom prst="rect">
+                <a:avLst/>
+              </a:prstGeom>
+              <a:noFill/>
+            </p:spPr>
+            <p:txBody>
+              <a:bodyPr wrap="none" lIns="0" tIns="0" rIns="0" bIns="0" rtlCol="0">
+                <a:spAutoFit/>
+              </a:bodyPr>
+              <a:lstStyle/>
+              <a:p>
+                <a14:m>
+                  <m:oMathPara xmlns:m="http://schemas.openxmlformats.org/officeDocument/2006/math">
+                    <m:oMathParaPr>
+                      <m:jc m:val="centerGroup"/>
+                    </m:oMathParaPr>
+                    <m:oMath xmlns:m="http://schemas.openxmlformats.org/officeDocument/2006/math">
+                      <m:sSubSup>
+                        <m:sSubSupPr>
+                          <m:ctrlPr>
+                            <a:rPr lang="zh-CN" altLang="en-US">
+                              <a:solidFill>
+                                <a:srgbClr val="836967"/>
+                              </a:solidFill>
+                              <a:latin typeface="Cambria Math" panose="02040503050406030204" pitchFamily="18" charset="0"/>
+                            </a:rPr>
+                          </m:ctrlPr>
+                        </m:sSubSupPr>
+                        <m:e>
+                          <m:r>
+                            <a:rPr lang="zh-CN" altLang="en-US" i="1">
+                              <a:latin typeface="Cambria Math" panose="02040503050406030204" pitchFamily="18" charset="0"/>
+                            </a:rPr>
+                            <m:t>𝐻</m:t>
+                          </m:r>
+                        </m:e>
+                        <m:sub>
+                          <m:r>
+                            <a:rPr lang="en-US" altLang="zh-CN" i="1">
+                              <a:latin typeface="Cambria Math" panose="02040503050406030204" pitchFamily="18" charset="0"/>
+                            </a:rPr>
+                            <m:t>𝐷</m:t>
+                          </m:r>
+                        </m:sub>
+                        <m:sup>
+                          <m:r>
+                            <a:rPr lang="en-US" altLang="zh-CN">
+                              <a:latin typeface="Cambria Math" panose="02040503050406030204" pitchFamily="18" charset="0"/>
+                            </a:rPr>
+                            <m:t>2</m:t>
+                          </m:r>
+                        </m:sup>
+                      </m:sSubSup>
+                    </m:oMath>
+                  </m:oMathPara>
+                </a14:m>
+                <a:endParaRPr lang="zh-CN" altLang="en-US" dirty="0"/>
+              </a:p>
+            </p:txBody>
+          </p:sp>
+        </mc:Choice>
+        <mc:Fallback>
+          <p:sp>
+            <p:nvSpPr>
+              <p:cNvPr id="58" name="文本框 57">
+                <a:extLst>
+                  <a:ext uri="{FF2B5EF4-FFF2-40B4-BE49-F238E27FC236}">
+                    <a16:creationId xmlns:a16="http://schemas.microsoft.com/office/drawing/2014/main" id="{60039094-89F7-4C88-4356-264AAFFB8649}"/>
+                  </a:ext>
+                </a:extLst>
+              </p:cNvPr>
+              <p:cNvSpPr txBox="1">
+                <a:spLocks noRot="1" noChangeAspect="1" noMove="1" noResize="1" noEditPoints="1" noAdjustHandles="1" noChangeArrowheads="1" noChangeShapeType="1" noTextEdit="1"/>
+              </p:cNvSpPr>
+              <p:nvPr/>
+            </p:nvSpPr>
+            <p:spPr>
+              <a:xfrm>
+                <a:off x="6920656" y="3412986"/>
+                <a:ext cx="351186" cy="280846"/>
+              </a:xfrm>
+              <a:prstGeom prst="rect">
+                <a:avLst/>
+              </a:prstGeom>
+              <a:blipFill>
+                <a:blip r:embed="rId7"/>
+                <a:stretch>
+                  <a:fillRect l="-13793" t="-2174" r="-5172" b="-17391"/>
+                </a:stretch>
+              </a:blipFill>
+            </p:spPr>
+            <p:txBody>
+              <a:bodyPr/>
+              <a:lstStyle/>
+              <a:p>
+                <a:r>
+                  <a:rPr lang="zh-CN" altLang="en-US">
+                    <a:noFill/>
+                  </a:rPr>
+                  <a:t> </a:t>
+                </a:r>
+              </a:p>
+            </p:txBody>
+          </p:sp>
+        </mc:Fallback>
+      </mc:AlternateContent>
+      <mc:AlternateContent xmlns:mc="http://schemas.openxmlformats.org/markup-compatibility/2006">
+        <mc:Choice xmlns:a14="http://schemas.microsoft.com/office/drawing/2010/main" Requires="a14">
+          <p:sp>
+            <p:nvSpPr>
+              <p:cNvPr id="59" name="文本框 58">
+                <a:extLst>
+                  <a:ext uri="{FF2B5EF4-FFF2-40B4-BE49-F238E27FC236}">
+                    <a16:creationId xmlns:a16="http://schemas.microsoft.com/office/drawing/2014/main" id="{66A3EE4D-D2B3-4524-8FFC-44131A1B0428}"/>
+                  </a:ext>
+                </a:extLst>
+              </p:cNvPr>
+              <p:cNvSpPr txBox="1"/>
+              <p:nvPr/>
+            </p:nvSpPr>
+            <p:spPr>
+              <a:xfrm>
+                <a:off x="6962714" y="4178357"/>
+                <a:ext cx="351186" cy="280270"/>
+              </a:xfrm>
+              <a:prstGeom prst="rect">
+                <a:avLst/>
+              </a:prstGeom>
+              <a:noFill/>
+            </p:spPr>
+            <p:txBody>
+              <a:bodyPr wrap="none" lIns="0" tIns="0" rIns="0" bIns="0" rtlCol="0">
+                <a:spAutoFit/>
+              </a:bodyPr>
+              <a:lstStyle/>
+              <a:p>
+                <a14:m>
+                  <m:oMathPara xmlns:m="http://schemas.openxmlformats.org/officeDocument/2006/math">
+                    <m:oMathParaPr>
+                      <m:jc m:val="centerGroup"/>
+                    </m:oMathParaPr>
+                    <m:oMath xmlns:m="http://schemas.openxmlformats.org/officeDocument/2006/math">
+                      <m:sSubSup>
+                        <m:sSubSupPr>
+                          <m:ctrlPr>
+                            <a:rPr lang="zh-CN" altLang="en-US">
+                              <a:solidFill>
+                                <a:srgbClr val="836967"/>
+                              </a:solidFill>
+                              <a:latin typeface="Cambria Math" panose="02040503050406030204" pitchFamily="18" charset="0"/>
+                            </a:rPr>
+                          </m:ctrlPr>
+                        </m:sSubSupPr>
+                        <m:e>
+                          <m:r>
+                            <a:rPr lang="zh-CN" altLang="en-US" i="1">
+                              <a:latin typeface="Cambria Math" panose="02040503050406030204" pitchFamily="18" charset="0"/>
+                            </a:rPr>
+                            <m:t>𝐻</m:t>
+                          </m:r>
+                        </m:e>
+                        <m:sub>
+                          <m:r>
+                            <a:rPr lang="en-US" altLang="zh-CN" i="1">
+                              <a:latin typeface="Cambria Math" panose="02040503050406030204" pitchFamily="18" charset="0"/>
+                            </a:rPr>
+                            <m:t>𝐷</m:t>
+                          </m:r>
+                        </m:sub>
+                        <m:sup>
+                          <m:r>
+                            <a:rPr lang="en-US" altLang="zh-CN">
+                              <a:latin typeface="Cambria Math" panose="02040503050406030204" pitchFamily="18" charset="0"/>
+                            </a:rPr>
+                            <m:t>1</m:t>
+                          </m:r>
+                        </m:sup>
+                      </m:sSubSup>
+                    </m:oMath>
+                  </m:oMathPara>
+                </a14:m>
+                <a:endParaRPr lang="zh-CN" altLang="en-US" dirty="0"/>
+              </a:p>
+            </p:txBody>
+          </p:sp>
+        </mc:Choice>
+        <mc:Fallback>
+          <p:sp>
+            <p:nvSpPr>
+              <p:cNvPr id="59" name="文本框 58">
+                <a:extLst>
+                  <a:ext uri="{FF2B5EF4-FFF2-40B4-BE49-F238E27FC236}">
+                    <a16:creationId xmlns:a16="http://schemas.microsoft.com/office/drawing/2014/main" id="{66A3EE4D-D2B3-4524-8FFC-44131A1B0428}"/>
+                  </a:ext>
+                </a:extLst>
+              </p:cNvPr>
+              <p:cNvSpPr txBox="1">
+                <a:spLocks noRot="1" noChangeAspect="1" noMove="1" noResize="1" noEditPoints="1" noAdjustHandles="1" noChangeArrowheads="1" noChangeShapeType="1" noTextEdit="1"/>
+              </p:cNvSpPr>
+              <p:nvPr/>
+            </p:nvSpPr>
+            <p:spPr>
+              <a:xfrm>
+                <a:off x="6962714" y="4178357"/>
+                <a:ext cx="351186" cy="280270"/>
+              </a:xfrm>
+              <a:prstGeom prst="rect">
+                <a:avLst/>
+              </a:prstGeom>
+              <a:blipFill>
+                <a:blip r:embed="rId8"/>
+                <a:stretch>
+                  <a:fillRect l="-13793" t="-2174" r="-5172" b="-19565"/>
+                </a:stretch>
+              </a:blipFill>
+            </p:spPr>
+            <p:txBody>
+              <a:bodyPr/>
+              <a:lstStyle/>
+              <a:p>
+                <a:r>
+                  <a:rPr lang="zh-CN" altLang="en-US">
+                    <a:noFill/>
+                  </a:rPr>
+                  <a:t> </a:t>
+                </a:r>
+              </a:p>
+            </p:txBody>
+          </p:sp>
+        </mc:Fallback>
+      </mc:AlternateContent>
+      <mc:AlternateContent xmlns:mc="http://schemas.openxmlformats.org/markup-compatibility/2006">
+        <mc:Choice xmlns:a14="http://schemas.microsoft.com/office/drawing/2010/main" Requires="a14">
+          <p:sp>
+            <p:nvSpPr>
+              <p:cNvPr id="60" name="文本框 59">
+                <a:extLst>
+                  <a:ext uri="{FF2B5EF4-FFF2-40B4-BE49-F238E27FC236}">
+                    <a16:creationId xmlns:a16="http://schemas.microsoft.com/office/drawing/2014/main" id="{D5E9B4ED-4FD9-1E1F-827B-2565F4B49527}"/>
+                  </a:ext>
+                </a:extLst>
+              </p:cNvPr>
+              <p:cNvSpPr txBox="1"/>
+              <p:nvPr/>
+            </p:nvSpPr>
+            <p:spPr>
+              <a:xfrm>
+                <a:off x="3136470" y="5255590"/>
+                <a:ext cx="324961" cy="276999"/>
+              </a:xfrm>
+              <a:prstGeom prst="rect">
+                <a:avLst/>
+              </a:prstGeom>
+              <a:noFill/>
+            </p:spPr>
+            <p:txBody>
+              <a:bodyPr wrap="none" lIns="0" tIns="0" rIns="0" bIns="0" rtlCol="0">
+                <a:spAutoFit/>
+              </a:bodyPr>
+              <a:lstStyle/>
+              <a:p>
+                <a14:m>
+                  <m:oMathPara xmlns:m="http://schemas.openxmlformats.org/officeDocument/2006/math">
+                    <m:oMathParaPr>
+                      <m:jc m:val="centerGroup"/>
+                    </m:oMathParaPr>
+                    <m:oMath xmlns:m="http://schemas.openxmlformats.org/officeDocument/2006/math">
+                      <m:sSub>
+                        <m:sSubPr>
+                          <m:ctrlPr>
+                            <a:rPr lang="zh-CN" altLang="en-US">
+                              <a:solidFill>
+                                <a:srgbClr val="836967"/>
+                              </a:solidFill>
+                              <a:latin typeface="Cambria Math" panose="02040503050406030204" pitchFamily="18" charset="0"/>
+                            </a:rPr>
+                          </m:ctrlPr>
+                        </m:sSubPr>
+                        <m:e>
+                          <m:r>
+                            <a:rPr lang="zh-CN" altLang="en-US" i="1">
+                              <a:latin typeface="Cambria Math" panose="02040503050406030204" pitchFamily="18" charset="0"/>
+                            </a:rPr>
+                            <m:t>𝑋</m:t>
+                          </m:r>
+                        </m:e>
+                        <m:sub>
+                          <m:r>
+                            <a:rPr lang="zh-CN" altLang="en-US" i="1">
+                              <a:latin typeface="Cambria Math" panose="02040503050406030204" pitchFamily="18" charset="0"/>
+                            </a:rPr>
+                            <m:t>𝐸</m:t>
+                          </m:r>
+                        </m:sub>
+                      </m:sSub>
+                    </m:oMath>
+                  </m:oMathPara>
+                </a14:m>
+                <a:endParaRPr lang="zh-CN" altLang="en-US" dirty="0"/>
+              </a:p>
+            </p:txBody>
+          </p:sp>
+        </mc:Choice>
+        <mc:Fallback>
+          <p:sp>
+            <p:nvSpPr>
+              <p:cNvPr id="60" name="文本框 59">
+                <a:extLst>
+                  <a:ext uri="{FF2B5EF4-FFF2-40B4-BE49-F238E27FC236}">
+                    <a16:creationId xmlns:a16="http://schemas.microsoft.com/office/drawing/2014/main" id="{D5E9B4ED-4FD9-1E1F-827B-2565F4B49527}"/>
+                  </a:ext>
+                </a:extLst>
+              </p:cNvPr>
+              <p:cNvSpPr txBox="1">
+                <a:spLocks noRot="1" noChangeAspect="1" noMove="1" noResize="1" noEditPoints="1" noAdjustHandles="1" noChangeArrowheads="1" noChangeShapeType="1" noTextEdit="1"/>
+              </p:cNvSpPr>
+              <p:nvPr/>
+            </p:nvSpPr>
+            <p:spPr>
+              <a:xfrm>
+                <a:off x="3136470" y="5255590"/>
+                <a:ext cx="324961" cy="276999"/>
+              </a:xfrm>
+              <a:prstGeom prst="rect">
+                <a:avLst/>
+              </a:prstGeom>
+              <a:blipFill>
+                <a:blip r:embed="rId9"/>
+                <a:stretch>
+                  <a:fillRect l="-16981" r="-3774" b="-15217"/>
+                </a:stretch>
+              </a:blipFill>
+            </p:spPr>
+            <p:txBody>
+              <a:bodyPr/>
+              <a:lstStyle/>
+              <a:p>
+                <a:r>
+                  <a:rPr lang="zh-CN" altLang="en-US">
+                    <a:noFill/>
+                  </a:rPr>
+                  <a:t> </a:t>
+                </a:r>
+              </a:p>
+            </p:txBody>
+          </p:sp>
+        </mc:Fallback>
+      </mc:AlternateContent>
+      <mc:AlternateContent xmlns:mc="http://schemas.openxmlformats.org/markup-compatibility/2006">
+        <mc:Choice xmlns:a14="http://schemas.microsoft.com/office/drawing/2010/main" Requires="a14">
+          <p:sp>
+            <p:nvSpPr>
+              <p:cNvPr id="67" name="文本框 66">
+                <a:extLst>
+                  <a:ext uri="{FF2B5EF4-FFF2-40B4-BE49-F238E27FC236}">
+                    <a16:creationId xmlns:a16="http://schemas.microsoft.com/office/drawing/2014/main" id="{791C70D8-77E6-10EE-BB3C-04ED8000CA7F}"/>
+                  </a:ext>
+                </a:extLst>
+              </p:cNvPr>
+              <p:cNvSpPr txBox="1"/>
+              <p:nvPr/>
+            </p:nvSpPr>
+            <p:spPr>
+              <a:xfrm>
+                <a:off x="6999716" y="5468856"/>
+                <a:ext cx="335348" cy="276999"/>
+              </a:xfrm>
+              <a:prstGeom prst="rect">
+                <a:avLst/>
+              </a:prstGeom>
+              <a:noFill/>
+            </p:spPr>
+            <p:txBody>
+              <a:bodyPr wrap="none" lIns="0" tIns="0" rIns="0" bIns="0" rtlCol="0">
+                <a:spAutoFit/>
+              </a:bodyPr>
+              <a:lstStyle/>
+              <a:p>
+                <a14:m>
+                  <m:oMathPara xmlns:m="http://schemas.openxmlformats.org/officeDocument/2006/math">
+                    <m:oMathParaPr>
+                      <m:jc m:val="centerGroup"/>
+                    </m:oMathParaPr>
+                    <m:oMath xmlns:m="http://schemas.openxmlformats.org/officeDocument/2006/math">
+                      <m:sSub>
+                        <m:sSubPr>
+                          <m:ctrlPr>
+                            <a:rPr lang="zh-CN" altLang="en-US">
+                              <a:solidFill>
+                                <a:srgbClr val="836967"/>
+                              </a:solidFill>
+                              <a:latin typeface="Cambria Math" panose="02040503050406030204" pitchFamily="18" charset="0"/>
+                            </a:rPr>
+                          </m:ctrlPr>
+                        </m:sSubPr>
+                        <m:e>
+                          <m:r>
+                            <a:rPr lang="zh-CN" altLang="en-US" i="1">
+                              <a:latin typeface="Cambria Math" panose="02040503050406030204" pitchFamily="18" charset="0"/>
+                            </a:rPr>
+                            <m:t>𝑋</m:t>
+                          </m:r>
+                        </m:e>
+                        <m:sub>
+                          <m:r>
+                            <a:rPr lang="en-US" altLang="zh-CN" i="1">
+                              <a:latin typeface="Cambria Math" panose="02040503050406030204" pitchFamily="18" charset="0"/>
+                            </a:rPr>
+                            <m:t>𝐷</m:t>
+                          </m:r>
+                        </m:sub>
+                      </m:sSub>
+                    </m:oMath>
+                  </m:oMathPara>
+                </a14:m>
+                <a:endParaRPr lang="zh-CN" altLang="en-US" dirty="0"/>
+              </a:p>
+            </p:txBody>
+          </p:sp>
+        </mc:Choice>
+        <mc:Fallback>
+          <p:sp>
+            <p:nvSpPr>
+              <p:cNvPr id="67" name="文本框 66">
+                <a:extLst>
+                  <a:ext uri="{FF2B5EF4-FFF2-40B4-BE49-F238E27FC236}">
+                    <a16:creationId xmlns:a16="http://schemas.microsoft.com/office/drawing/2014/main" id="{791C70D8-77E6-10EE-BB3C-04ED8000CA7F}"/>
+                  </a:ext>
+                </a:extLst>
+              </p:cNvPr>
+              <p:cNvSpPr txBox="1">
+                <a:spLocks noRot="1" noChangeAspect="1" noMove="1" noResize="1" noEditPoints="1" noAdjustHandles="1" noChangeArrowheads="1" noChangeShapeType="1" noTextEdit="1"/>
+              </p:cNvSpPr>
+              <p:nvPr/>
+            </p:nvSpPr>
+            <p:spPr>
+              <a:xfrm>
+                <a:off x="6999716" y="5468856"/>
+                <a:ext cx="335348" cy="276999"/>
+              </a:xfrm>
+              <a:prstGeom prst="rect">
+                <a:avLst/>
+              </a:prstGeom>
+              <a:blipFill>
+                <a:blip r:embed="rId10"/>
+                <a:stretch>
+                  <a:fillRect l="-14545" r="-5455" b="-15217"/>
+                </a:stretch>
+              </a:blipFill>
+            </p:spPr>
+            <p:txBody>
+              <a:bodyPr/>
+              <a:lstStyle/>
+              <a:p>
+                <a:r>
+                  <a:rPr lang="zh-CN" altLang="en-US">
+                    <a:noFill/>
+                  </a:rPr>
+                  <a:t> </a:t>
+                </a:r>
+              </a:p>
+            </p:txBody>
+          </p:sp>
+        </mc:Fallback>
+      </mc:AlternateContent>
+      <p:cxnSp>
+        <p:nvCxnSpPr>
+          <p:cNvPr id="68" name="直接箭头连接符 67">
+            <a:extLst>
+              <a:ext uri="{FF2B5EF4-FFF2-40B4-BE49-F238E27FC236}">
+                <a16:creationId xmlns:a16="http://schemas.microsoft.com/office/drawing/2014/main" id="{EA18C136-8C83-EEAF-2D74-44079270A3CF}"/>
+              </a:ext>
+            </a:extLst>
+          </p:cNvPr>
+          <p:cNvCxnSpPr>
+            <a:cxnSpLocks/>
+            <a:stCxn id="72" idx="0"/>
+            <a:endCxn id="8" idx="2"/>
+          </p:cNvCxnSpPr>
+          <p:nvPr/>
+        </p:nvCxnSpPr>
+        <p:spPr>
+          <a:xfrm flipV="1">
+            <a:off x="3036162" y="6169195"/>
+            <a:ext cx="6" cy="298649"/>
+          </a:xfrm>
+          <a:prstGeom prst="straightConnector1">
+            <a:avLst/>
+          </a:prstGeom>
+          <a:ln w="19050">
+            <a:tailEnd type="triangle"/>
+          </a:ln>
+        </p:spPr>
+        <p:style>
+          <a:lnRef idx="1">
+            <a:schemeClr val="dk1"/>
+          </a:lnRef>
+          <a:fillRef idx="0">
+            <a:schemeClr val="dk1"/>
+          </a:fillRef>
+          <a:effectRef idx="0">
+            <a:schemeClr val="dk1"/>
+          </a:effectRef>
+          <a:fontRef idx="minor">
+            <a:schemeClr val="tx1"/>
+          </a:fontRef>
+        </p:style>
+      </p:cxnSp>
+      <p:cxnSp>
+        <p:nvCxnSpPr>
+          <p:cNvPr id="70" name="直接箭头连接符 69">
+            <a:extLst>
+              <a:ext uri="{FF2B5EF4-FFF2-40B4-BE49-F238E27FC236}">
+                <a16:creationId xmlns:a16="http://schemas.microsoft.com/office/drawing/2014/main" id="{5C9B7446-979E-F272-0642-B58C0E17BD92}"/>
+              </a:ext>
+            </a:extLst>
+          </p:cNvPr>
+          <p:cNvCxnSpPr>
+            <a:cxnSpLocks/>
+            <a:stCxn id="73" idx="0"/>
+            <a:endCxn id="13" idx="2"/>
+          </p:cNvCxnSpPr>
+          <p:nvPr/>
+        </p:nvCxnSpPr>
+        <p:spPr>
+          <a:xfrm flipH="1" flipV="1">
+            <a:off x="6865406" y="6136332"/>
+            <a:ext cx="7728" cy="317300"/>
+          </a:xfrm>
+          <a:prstGeom prst="straightConnector1">
+            <a:avLst/>
+          </a:prstGeom>
+          <a:ln w="19050">
+            <a:tailEnd type="triangle"/>
+          </a:ln>
+        </p:spPr>
+        <p:style>
+          <a:lnRef idx="1">
+            <a:schemeClr val="dk1"/>
+          </a:lnRef>
+          <a:fillRef idx="0">
+            <a:schemeClr val="dk1"/>
+          </a:fillRef>
+          <a:effectRef idx="0">
+            <a:schemeClr val="dk1"/>
+          </a:effectRef>
+          <a:fontRef idx="minor">
+            <a:schemeClr val="tx1"/>
+          </a:fontRef>
+        </p:style>
+      </p:cxnSp>
+      <mc:AlternateContent xmlns:mc="http://schemas.openxmlformats.org/markup-compatibility/2006">
+        <mc:Choice xmlns:a14="http://schemas.microsoft.com/office/drawing/2010/main" Requires="a14">
+          <p:sp>
+            <p:nvSpPr>
+              <p:cNvPr id="72" name="文本框 71">
+                <a:extLst>
+                  <a:ext uri="{FF2B5EF4-FFF2-40B4-BE49-F238E27FC236}">
+                    <a16:creationId xmlns:a16="http://schemas.microsoft.com/office/drawing/2014/main" id="{FFAD29C6-854D-768C-A492-FE4036B66CB1}"/>
+                  </a:ext>
+                </a:extLst>
+              </p:cNvPr>
+              <p:cNvSpPr txBox="1"/>
+              <p:nvPr/>
+            </p:nvSpPr>
+            <p:spPr>
+              <a:xfrm>
+                <a:off x="2848675" y="6467844"/>
+                <a:ext cx="374974" cy="276999"/>
+              </a:xfrm>
+              <a:prstGeom prst="rect">
+                <a:avLst/>
+              </a:prstGeom>
+              <a:noFill/>
+            </p:spPr>
+            <p:txBody>
+              <a:bodyPr wrap="none" lIns="0" tIns="0" rIns="0" bIns="0" rtlCol="0">
+                <a:spAutoFit/>
+              </a:bodyPr>
+              <a:lstStyle/>
+              <a:p>
+                <a14:m>
+                  <m:oMathPara xmlns:m="http://schemas.openxmlformats.org/officeDocument/2006/math">
+                    <m:oMathParaPr>
+                      <m:jc m:val="centerGroup"/>
+                    </m:oMathParaPr>
+                    <m:oMath xmlns:m="http://schemas.openxmlformats.org/officeDocument/2006/math">
+                      <m:sSub>
+                        <m:sSubPr>
+                          <m:ctrlPr>
+                            <a:rPr lang="zh-CN" altLang="en-US">
+                              <a:solidFill>
+                                <a:srgbClr val="836967"/>
+                              </a:solidFill>
+                              <a:latin typeface="Cambria Math" panose="02040503050406030204" pitchFamily="18" charset="0"/>
+                            </a:rPr>
+                          </m:ctrlPr>
+                        </m:sSubPr>
+                        <m:e>
+                          <m:r>
+                            <a:rPr lang="zh-CN" altLang="en-US" i="1">
+                              <a:latin typeface="Cambria Math" panose="02040503050406030204" pitchFamily="18" charset="0"/>
+                            </a:rPr>
+                            <m:t>𝑊</m:t>
+                          </m:r>
+                        </m:e>
+                        <m:sub>
+                          <m:r>
+                            <a:rPr lang="zh-CN" altLang="en-US" i="1">
+                              <a:latin typeface="Cambria Math" panose="02040503050406030204" pitchFamily="18" charset="0"/>
+                            </a:rPr>
+                            <m:t>𝐸</m:t>
+                          </m:r>
+                        </m:sub>
+                      </m:sSub>
+                    </m:oMath>
+                  </m:oMathPara>
+                </a14:m>
+                <a:endParaRPr lang="zh-CN" altLang="en-US" dirty="0"/>
+              </a:p>
+            </p:txBody>
+          </p:sp>
+        </mc:Choice>
+        <mc:Fallback>
+          <p:sp>
+            <p:nvSpPr>
+              <p:cNvPr id="72" name="文本框 71">
+                <a:extLst>
+                  <a:ext uri="{FF2B5EF4-FFF2-40B4-BE49-F238E27FC236}">
+                    <a16:creationId xmlns:a16="http://schemas.microsoft.com/office/drawing/2014/main" id="{FFAD29C6-854D-768C-A492-FE4036B66CB1}"/>
+                  </a:ext>
+                </a:extLst>
+              </p:cNvPr>
+              <p:cNvSpPr txBox="1">
+                <a:spLocks noRot="1" noChangeAspect="1" noMove="1" noResize="1" noEditPoints="1" noAdjustHandles="1" noChangeArrowheads="1" noChangeShapeType="1" noTextEdit="1"/>
+              </p:cNvSpPr>
+              <p:nvPr/>
+            </p:nvSpPr>
+            <p:spPr>
+              <a:xfrm>
+                <a:off x="2848675" y="6467844"/>
+                <a:ext cx="374974" cy="276999"/>
+              </a:xfrm>
+              <a:prstGeom prst="rect">
+                <a:avLst/>
+              </a:prstGeom>
+              <a:blipFill>
+                <a:blip r:embed="rId11"/>
+                <a:stretch>
+                  <a:fillRect l="-12903" r="-3226" b="-15556"/>
+                </a:stretch>
+              </a:blipFill>
+            </p:spPr>
+            <p:txBody>
+              <a:bodyPr/>
+              <a:lstStyle/>
+              <a:p>
+                <a:r>
+                  <a:rPr lang="zh-CN" altLang="en-US">
+                    <a:noFill/>
+                  </a:rPr>
+                  <a:t> </a:t>
+                </a:r>
+              </a:p>
+            </p:txBody>
+          </p:sp>
+        </mc:Fallback>
+      </mc:AlternateContent>
+      <mc:AlternateContent xmlns:mc="http://schemas.openxmlformats.org/markup-compatibility/2006">
+        <mc:Choice xmlns:a14="http://schemas.microsoft.com/office/drawing/2010/main" Requires="a14">
+          <p:sp>
+            <p:nvSpPr>
+              <p:cNvPr id="73" name="文本框 72">
+                <a:extLst>
+                  <a:ext uri="{FF2B5EF4-FFF2-40B4-BE49-F238E27FC236}">
+                    <a16:creationId xmlns:a16="http://schemas.microsoft.com/office/drawing/2014/main" id="{2658C698-D74F-CBC1-FBD0-EA78836B8B7B}"/>
+                  </a:ext>
+                </a:extLst>
+              </p:cNvPr>
+              <p:cNvSpPr txBox="1"/>
+              <p:nvPr/>
+            </p:nvSpPr>
+            <p:spPr>
+              <a:xfrm>
+                <a:off x="6680453" y="6453632"/>
+                <a:ext cx="385362" cy="276999"/>
+              </a:xfrm>
+              <a:prstGeom prst="rect">
+                <a:avLst/>
+              </a:prstGeom>
+              <a:noFill/>
+            </p:spPr>
+            <p:txBody>
+              <a:bodyPr wrap="none" lIns="0" tIns="0" rIns="0" bIns="0" rtlCol="0">
+                <a:spAutoFit/>
+              </a:bodyPr>
+              <a:lstStyle/>
+              <a:p>
+                <a14:m>
+                  <m:oMathPara xmlns:m="http://schemas.openxmlformats.org/officeDocument/2006/math">
+                    <m:oMathParaPr>
+                      <m:jc m:val="centerGroup"/>
+                    </m:oMathParaPr>
+                    <m:oMath xmlns:m="http://schemas.openxmlformats.org/officeDocument/2006/math">
+                      <m:sSub>
+                        <m:sSubPr>
+                          <m:ctrlPr>
+                            <a:rPr lang="zh-CN" altLang="en-US">
+                              <a:solidFill>
+                                <a:srgbClr val="836967"/>
+                              </a:solidFill>
+                              <a:latin typeface="Cambria Math" panose="02040503050406030204" pitchFamily="18" charset="0"/>
+                            </a:rPr>
+                          </m:ctrlPr>
+                        </m:sSubPr>
+                        <m:e>
+                          <m:r>
+                            <a:rPr lang="zh-CN" altLang="en-US" i="1">
+                              <a:latin typeface="Cambria Math" panose="02040503050406030204" pitchFamily="18" charset="0"/>
+                            </a:rPr>
+                            <m:t>𝑊</m:t>
+                          </m:r>
+                        </m:e>
+                        <m:sub>
+                          <m:r>
+                            <a:rPr lang="en-US" altLang="zh-CN" i="1">
+                              <a:latin typeface="Cambria Math" panose="02040503050406030204" pitchFamily="18" charset="0"/>
+                            </a:rPr>
+                            <m:t>𝐷</m:t>
+                          </m:r>
+                        </m:sub>
+                      </m:sSub>
+                    </m:oMath>
+                  </m:oMathPara>
+                </a14:m>
+                <a:endParaRPr lang="zh-CN" altLang="en-US" dirty="0"/>
+              </a:p>
+            </p:txBody>
+          </p:sp>
+        </mc:Choice>
+        <mc:Fallback>
+          <p:sp>
+            <p:nvSpPr>
+              <p:cNvPr id="73" name="文本框 72">
+                <a:extLst>
+                  <a:ext uri="{FF2B5EF4-FFF2-40B4-BE49-F238E27FC236}">
+                    <a16:creationId xmlns:a16="http://schemas.microsoft.com/office/drawing/2014/main" id="{2658C698-D74F-CBC1-FBD0-EA78836B8B7B}"/>
+                  </a:ext>
+                </a:extLst>
+              </p:cNvPr>
+              <p:cNvSpPr txBox="1">
+                <a:spLocks noRot="1" noChangeAspect="1" noMove="1" noResize="1" noEditPoints="1" noAdjustHandles="1" noChangeArrowheads="1" noChangeShapeType="1" noTextEdit="1"/>
+              </p:cNvSpPr>
+              <p:nvPr/>
+            </p:nvSpPr>
+            <p:spPr>
+              <a:xfrm>
+                <a:off x="6680453" y="6453632"/>
+                <a:ext cx="385362" cy="276999"/>
+              </a:xfrm>
+              <a:prstGeom prst="rect">
+                <a:avLst/>
+              </a:prstGeom>
+              <a:blipFill>
+                <a:blip r:embed="rId12"/>
+                <a:stretch>
+                  <a:fillRect l="-14286" r="-3175" b="-15556"/>
+                </a:stretch>
+              </a:blipFill>
+            </p:spPr>
+            <p:txBody>
+              <a:bodyPr/>
+              <a:lstStyle/>
+              <a:p>
+                <a:r>
+                  <a:rPr lang="zh-CN" altLang="en-US">
+                    <a:noFill/>
+                  </a:rPr>
+                  <a:t> </a:t>
+                </a:r>
+              </a:p>
+            </p:txBody>
+          </p:sp>
+        </mc:Fallback>
+      </mc:AlternateContent>
+      <mc:AlternateContent xmlns:mc="http://schemas.openxmlformats.org/markup-compatibility/2006">
+        <mc:Choice xmlns:a14="http://schemas.microsoft.com/office/drawing/2010/main" Requires="a14">
+          <p:sp>
+            <p:nvSpPr>
+              <p:cNvPr id="74" name="文本框 73">
+                <a:extLst>
+                  <a:ext uri="{FF2B5EF4-FFF2-40B4-BE49-F238E27FC236}">
+                    <a16:creationId xmlns:a16="http://schemas.microsoft.com/office/drawing/2014/main" id="{9A7442A3-CB32-06A9-3447-92AEE3A12AF8}"/>
+                  </a:ext>
+                </a:extLst>
+              </p:cNvPr>
+              <p:cNvSpPr txBox="1"/>
+              <p:nvPr/>
+            </p:nvSpPr>
+            <p:spPr>
+              <a:xfrm>
+                <a:off x="5513523" y="4970348"/>
+                <a:ext cx="1083951" cy="279692"/>
+              </a:xfrm>
+              <a:prstGeom prst="rect">
+                <a:avLst/>
+              </a:prstGeom>
+              <a:noFill/>
+            </p:spPr>
+            <p:txBody>
+              <a:bodyPr wrap="none" lIns="0" tIns="0" rIns="0" bIns="0" rtlCol="0">
+                <a:spAutoFit/>
+              </a:bodyPr>
+              <a:lstStyle/>
+              <a:p>
+                <a14:m>
+                  <m:oMathPara xmlns:m="http://schemas.openxmlformats.org/officeDocument/2006/math">
+                    <m:oMathParaPr>
+                      <m:jc m:val="centerGroup"/>
+                    </m:oMathParaPr>
+                    <m:oMath xmlns:m="http://schemas.openxmlformats.org/officeDocument/2006/math">
+                      <m:sSubSup>
+                        <m:sSubSupPr>
+                          <m:ctrlPr>
+                            <a:rPr lang="zh-CN" altLang="en-US">
+                              <a:solidFill>
+                                <a:srgbClr val="836967"/>
+                              </a:solidFill>
+                              <a:latin typeface="Cambria Math" panose="02040503050406030204" pitchFamily="18" charset="0"/>
+                            </a:rPr>
+                          </m:ctrlPr>
+                        </m:sSubSupPr>
+                        <m:e>
+                          <m:r>
+                            <a:rPr lang="zh-CN" altLang="en-US" i="1">
+                              <a:latin typeface="Cambria Math" panose="02040503050406030204" pitchFamily="18" charset="0"/>
+                            </a:rPr>
+                            <m:t>h</m:t>
+                          </m:r>
+                        </m:e>
+                        <m:sub>
+                          <m:r>
+                            <a:rPr lang="zh-CN" altLang="en-US" i="1">
+                              <a:latin typeface="Cambria Math" panose="02040503050406030204" pitchFamily="18" charset="0"/>
+                            </a:rPr>
+                            <m:t>𝐸</m:t>
+                          </m:r>
+                        </m:sub>
+                        <m:sup>
+                          <m:r>
+                            <a:rPr lang="zh-CN" altLang="en-US">
+                              <a:latin typeface="Cambria Math" panose="02040503050406030204" pitchFamily="18" charset="0"/>
+                            </a:rPr>
+                            <m:t>4</m:t>
+                          </m:r>
+                        </m:sup>
+                      </m:sSubSup>
+                      <m:r>
+                        <a:rPr lang="en-US" altLang="zh-CN" i="1">
+                          <a:latin typeface="Cambria Math" panose="02040503050406030204" pitchFamily="18" charset="0"/>
+                        </a:rPr>
+                        <m:t>.</m:t>
+                      </m:r>
+                      <m:r>
+                        <m:rPr>
+                          <m:sty m:val="p"/>
+                        </m:rPr>
+                        <a:rPr lang="en-US" altLang="zh-CN" i="0">
+                          <a:latin typeface="Cambria Math" panose="02040503050406030204" pitchFamily="18" charset="0"/>
+                        </a:rPr>
+                        <m:t>prob</m:t>
+                      </m:r>
+                      <m:r>
+                        <a:rPr lang="en-US" altLang="zh-CN" i="1">
+                          <a:latin typeface="Cambria Math" panose="02040503050406030204" pitchFamily="18" charset="0"/>
+                        </a:rPr>
+                        <m:t>()</m:t>
+                      </m:r>
+                    </m:oMath>
+                  </m:oMathPara>
+                </a14:m>
+                <a:endParaRPr lang="zh-CN" altLang="en-US" dirty="0"/>
+              </a:p>
+            </p:txBody>
+          </p:sp>
+        </mc:Choice>
+        <mc:Fallback>
+          <p:sp>
+            <p:nvSpPr>
+              <p:cNvPr id="74" name="文本框 73">
+                <a:extLst>
+                  <a:ext uri="{FF2B5EF4-FFF2-40B4-BE49-F238E27FC236}">
+                    <a16:creationId xmlns:a16="http://schemas.microsoft.com/office/drawing/2014/main" id="{9A7442A3-CB32-06A9-3447-92AEE3A12AF8}"/>
+                  </a:ext>
+                </a:extLst>
+              </p:cNvPr>
+              <p:cNvSpPr txBox="1">
+                <a:spLocks noRot="1" noChangeAspect="1" noMove="1" noResize="1" noEditPoints="1" noAdjustHandles="1" noChangeArrowheads="1" noChangeShapeType="1" noTextEdit="1"/>
+              </p:cNvSpPr>
+              <p:nvPr/>
+            </p:nvSpPr>
+            <p:spPr>
+              <a:xfrm>
+                <a:off x="5513523" y="4970348"/>
+                <a:ext cx="1083951" cy="279692"/>
+              </a:xfrm>
+              <a:prstGeom prst="rect">
+                <a:avLst/>
+              </a:prstGeom>
+              <a:blipFill>
+                <a:blip r:embed="rId13"/>
+                <a:stretch>
+                  <a:fillRect l="-3933" t="-2174" r="-6180" b="-34783"/>
+                </a:stretch>
+              </a:blipFill>
+            </p:spPr>
+            <p:txBody>
+              <a:bodyPr/>
+              <a:lstStyle/>
+              <a:p>
+                <a:r>
+                  <a:rPr lang="zh-CN" altLang="en-US">
+                    <a:noFill/>
+                  </a:rPr>
+                  <a:t> </a:t>
+                </a:r>
+              </a:p>
+            </p:txBody>
+          </p:sp>
+        </mc:Fallback>
+      </mc:AlternateContent>
+      <p:cxnSp>
+        <p:nvCxnSpPr>
+          <p:cNvPr id="80" name="直接箭头连接符 79">
+            <a:extLst>
+              <a:ext uri="{FF2B5EF4-FFF2-40B4-BE49-F238E27FC236}">
+                <a16:creationId xmlns:a16="http://schemas.microsoft.com/office/drawing/2014/main" id="{F92574F1-1D76-7060-A147-54B151DA78AB}"/>
+              </a:ext>
+            </a:extLst>
+          </p:cNvPr>
+          <p:cNvCxnSpPr>
+            <a:cxnSpLocks/>
+            <a:stCxn id="14" idx="0"/>
+            <a:endCxn id="85" idx="2"/>
+          </p:cNvCxnSpPr>
+          <p:nvPr/>
+        </p:nvCxnSpPr>
+        <p:spPr>
+          <a:xfrm flipV="1">
+            <a:off x="6865407" y="1144317"/>
+            <a:ext cx="7727" cy="360176"/>
+          </a:xfrm>
+          <a:prstGeom prst="straightConnector1">
+            <a:avLst/>
+          </a:prstGeom>
+          <a:ln w="19050">
+            <a:tailEnd type="triangle"/>
+          </a:ln>
+        </p:spPr>
+        <p:style>
+          <a:lnRef idx="1">
+            <a:schemeClr val="dk1"/>
+          </a:lnRef>
+          <a:fillRef idx="0">
+            <a:schemeClr val="dk1"/>
+          </a:fillRef>
+          <a:effectRef idx="0">
+            <a:schemeClr val="dk1"/>
+          </a:effectRef>
+          <a:fontRef idx="minor">
+            <a:schemeClr val="tx1"/>
+          </a:fontRef>
+        </p:style>
+      </p:cxnSp>
+      <mc:AlternateContent xmlns:mc="http://schemas.openxmlformats.org/markup-compatibility/2006">
+        <mc:Choice xmlns:a14="http://schemas.microsoft.com/office/drawing/2010/main" Requires="a14">
+          <p:sp>
+            <p:nvSpPr>
+              <p:cNvPr id="85" name="文本框 84">
+                <a:extLst>
+                  <a:ext uri="{FF2B5EF4-FFF2-40B4-BE49-F238E27FC236}">
+                    <a16:creationId xmlns:a16="http://schemas.microsoft.com/office/drawing/2014/main" id="{F8240A38-13FF-1CA6-C522-7273D969E548}"/>
+                  </a:ext>
+                </a:extLst>
+              </p:cNvPr>
+              <p:cNvSpPr txBox="1"/>
+              <p:nvPr/>
+            </p:nvSpPr>
+            <p:spPr>
+              <a:xfrm>
+                <a:off x="6769323" y="867318"/>
+                <a:ext cx="207621" cy="276999"/>
+              </a:xfrm>
+              <a:prstGeom prst="rect">
+                <a:avLst/>
+              </a:prstGeom>
+              <a:noFill/>
+            </p:spPr>
+            <p:txBody>
+              <a:bodyPr wrap="none" lIns="0" tIns="0" rIns="0" bIns="0" rtlCol="0">
+                <a:spAutoFit/>
+              </a:bodyPr>
+              <a:lstStyle/>
+              <a:p>
+                <a14:m>
+                  <m:oMathPara xmlns:m="http://schemas.openxmlformats.org/officeDocument/2006/math">
+                    <m:oMathParaPr>
+                      <m:jc m:val="centerGroup"/>
+                    </m:oMathParaPr>
+                    <m:oMath xmlns:m="http://schemas.openxmlformats.org/officeDocument/2006/math">
+                      <m:r>
+                        <a:rPr lang="zh-CN" altLang="en-US" i="1" smtClean="0">
+                          <a:latin typeface="Cambria Math" panose="02040503050406030204" pitchFamily="18" charset="0"/>
+                        </a:rPr>
+                        <m:t>𝑌</m:t>
+                      </m:r>
+                    </m:oMath>
+                  </m:oMathPara>
+                </a14:m>
+                <a:endParaRPr lang="zh-CN" altLang="en-US" dirty="0"/>
+              </a:p>
+            </p:txBody>
+          </p:sp>
+        </mc:Choice>
+        <mc:Fallback>
+          <p:sp>
+            <p:nvSpPr>
+              <p:cNvPr id="85" name="文本框 84">
+                <a:extLst>
+                  <a:ext uri="{FF2B5EF4-FFF2-40B4-BE49-F238E27FC236}">
+                    <a16:creationId xmlns:a16="http://schemas.microsoft.com/office/drawing/2014/main" id="{F8240A38-13FF-1CA6-C522-7273D969E548}"/>
+                  </a:ext>
+                </a:extLst>
+              </p:cNvPr>
+              <p:cNvSpPr txBox="1">
+                <a:spLocks noRot="1" noChangeAspect="1" noMove="1" noResize="1" noEditPoints="1" noAdjustHandles="1" noChangeArrowheads="1" noChangeShapeType="1" noTextEdit="1"/>
+              </p:cNvSpPr>
+              <p:nvPr/>
+            </p:nvSpPr>
+            <p:spPr>
+              <a:xfrm>
+                <a:off x="6769323" y="867318"/>
+                <a:ext cx="207621" cy="276999"/>
+              </a:xfrm>
+              <a:prstGeom prst="rect">
+                <a:avLst/>
+              </a:prstGeom>
+              <a:blipFill>
+                <a:blip r:embed="rId14"/>
+                <a:stretch>
+                  <a:fillRect l="-22857" r="-20000" b="-6522"/>
+                </a:stretch>
+              </a:blipFill>
+            </p:spPr>
+            <p:txBody>
+              <a:bodyPr/>
+              <a:lstStyle/>
+              <a:p>
+                <a:r>
+                  <a:rPr lang="zh-CN" altLang="en-US">
+                    <a:noFill/>
+                  </a:rPr>
+                  <a:t> </a:t>
+                </a:r>
+              </a:p>
+            </p:txBody>
+          </p:sp>
+        </mc:Fallback>
+      </mc:AlternateContent>
+      <p:sp>
+        <p:nvSpPr>
+          <p:cNvPr id="88" name="文本框 87">
+            <a:extLst>
+              <a:ext uri="{FF2B5EF4-FFF2-40B4-BE49-F238E27FC236}">
+                <a16:creationId xmlns:a16="http://schemas.microsoft.com/office/drawing/2014/main" id="{F37DC9AA-6A65-D33C-3A84-AC23FF3A4EE9}"/>
+              </a:ext>
+            </a:extLst>
+          </p:cNvPr>
+          <p:cNvSpPr txBox="1"/>
+          <p:nvPr/>
+        </p:nvSpPr>
+        <p:spPr>
+          <a:xfrm>
+            <a:off x="2379572" y="232144"/>
+            <a:ext cx="1313180" cy="584775"/>
+          </a:xfrm>
+          <a:prstGeom prst="rect">
+            <a:avLst/>
+          </a:prstGeom>
+          <a:noFill/>
+        </p:spPr>
+        <p:txBody>
+          <a:bodyPr wrap="none" rtlCol="0">
+            <a:spAutoFit/>
+          </a:bodyPr>
+          <a:lstStyle/>
+          <a:p>
+            <a:pPr algn="ctr"/>
+            <a:r>
+              <a:rPr lang="zh-CN" altLang="en-US" sz="1600" dirty="0">
+                <a:latin typeface="Times New Roman" panose="02020603050405020304" pitchFamily="18" charset="0"/>
+                <a:ea typeface="宋体" panose="02010600030101010101" pitchFamily="2" charset="-122"/>
+                <a:cs typeface="Times New Roman" panose="02020603050405020304" pitchFamily="18" charset="0"/>
+              </a:rPr>
+              <a:t>编码器</a:t>
+            </a:r>
+            <a:endParaRPr lang="en-US" altLang="zh-CN" sz="1600" dirty="0">
+              <a:latin typeface="Times New Roman" panose="02020603050405020304" pitchFamily="18" charset="0"/>
+              <a:ea typeface="宋体" panose="02010600030101010101" pitchFamily="2" charset="-122"/>
+              <a:cs typeface="Times New Roman" panose="02020603050405020304" pitchFamily="18" charset="0"/>
+            </a:endParaRPr>
+          </a:p>
+          <a:p>
+            <a:r>
+              <a:rPr lang="zh-CN" altLang="en-US" sz="1600" dirty="0">
+                <a:latin typeface="Times New Roman" panose="02020603050405020304" pitchFamily="18" charset="0"/>
+                <a:ea typeface="宋体" panose="02010600030101010101" pitchFamily="2" charset="-122"/>
+                <a:cs typeface="Times New Roman" panose="02020603050405020304" pitchFamily="18" charset="0"/>
+              </a:rPr>
+              <a:t>（</a:t>
+            </a:r>
+            <a:r>
+              <a:rPr lang="en-US" altLang="zh-CN" sz="1600" dirty="0">
+                <a:latin typeface="Times New Roman" panose="02020603050405020304" pitchFamily="18" charset="0"/>
+                <a:ea typeface="宋体" panose="02010600030101010101" pitchFamily="2" charset="-122"/>
+                <a:cs typeface="Times New Roman" panose="02020603050405020304" pitchFamily="18" charset="0"/>
+              </a:rPr>
+              <a:t>Encoder</a:t>
+            </a:r>
+            <a:r>
+              <a:rPr lang="zh-CN" altLang="en-US" sz="1600" dirty="0">
+                <a:latin typeface="Times New Roman" panose="02020603050405020304" pitchFamily="18" charset="0"/>
+                <a:ea typeface="宋体" panose="02010600030101010101" pitchFamily="2" charset="-122"/>
+                <a:cs typeface="Times New Roman" panose="02020603050405020304" pitchFamily="18" charset="0"/>
+              </a:rPr>
+              <a:t>）</a:t>
+            </a:r>
+          </a:p>
+        </p:txBody>
+      </p:sp>
+      <p:sp>
+        <p:nvSpPr>
+          <p:cNvPr id="89" name="文本框 88">
+            <a:extLst>
+              <a:ext uri="{FF2B5EF4-FFF2-40B4-BE49-F238E27FC236}">
+                <a16:creationId xmlns:a16="http://schemas.microsoft.com/office/drawing/2014/main" id="{66AEA6B6-1B88-AFCF-3756-F6111E76C12E}"/>
+              </a:ext>
+            </a:extLst>
+          </p:cNvPr>
+          <p:cNvSpPr txBox="1"/>
+          <p:nvPr/>
+        </p:nvSpPr>
+        <p:spPr>
+          <a:xfrm>
+            <a:off x="6227764" y="232145"/>
+            <a:ext cx="1290738" cy="584775"/>
+          </a:xfrm>
+          <a:prstGeom prst="rect">
+            <a:avLst/>
+          </a:prstGeom>
+          <a:noFill/>
+        </p:spPr>
+        <p:txBody>
+          <a:bodyPr wrap="none" rtlCol="0">
+            <a:spAutoFit/>
+          </a:bodyPr>
+          <a:lstStyle/>
+          <a:p>
+            <a:pPr algn="ctr"/>
+            <a:r>
+              <a:rPr lang="zh-CN" altLang="en-US" sz="1600" dirty="0">
+                <a:latin typeface="Times New Roman" panose="02020603050405020304" pitchFamily="18" charset="0"/>
+                <a:ea typeface="宋体" panose="02010600030101010101" pitchFamily="2" charset="-122"/>
+                <a:cs typeface="Times New Roman" panose="02020603050405020304" pitchFamily="18" charset="0"/>
+              </a:rPr>
+              <a:t>解码器</a:t>
+            </a:r>
+            <a:endParaRPr lang="en-US" altLang="zh-CN" sz="1600" dirty="0">
+              <a:latin typeface="Times New Roman" panose="02020603050405020304" pitchFamily="18" charset="0"/>
+              <a:ea typeface="宋体" panose="02010600030101010101" pitchFamily="2" charset="-122"/>
+              <a:cs typeface="Times New Roman" panose="02020603050405020304" pitchFamily="18" charset="0"/>
+            </a:endParaRPr>
+          </a:p>
+          <a:p>
+            <a:r>
+              <a:rPr lang="zh-CN" altLang="en-US" sz="1600" dirty="0">
+                <a:latin typeface="Times New Roman" panose="02020603050405020304" pitchFamily="18" charset="0"/>
+                <a:ea typeface="宋体" panose="02010600030101010101" pitchFamily="2" charset="-122"/>
+                <a:cs typeface="Times New Roman" panose="02020603050405020304" pitchFamily="18" charset="0"/>
+              </a:rPr>
+              <a:t>（</a:t>
+            </a:r>
+            <a:r>
+              <a:rPr lang="en-US" altLang="zh-CN" sz="1600" dirty="0">
+                <a:latin typeface="Times New Roman" panose="02020603050405020304" pitchFamily="18" charset="0"/>
+                <a:ea typeface="宋体" panose="02010600030101010101" pitchFamily="2" charset="-122"/>
+                <a:cs typeface="Times New Roman" panose="02020603050405020304" pitchFamily="18" charset="0"/>
+              </a:rPr>
+              <a:t>Decoder</a:t>
+            </a:r>
+            <a:r>
+              <a:rPr lang="zh-CN" altLang="en-US" sz="1600" dirty="0">
+                <a:latin typeface="Times New Roman" panose="02020603050405020304" pitchFamily="18" charset="0"/>
+                <a:ea typeface="宋体" panose="02010600030101010101" pitchFamily="2" charset="-122"/>
+                <a:cs typeface="Times New Roman" panose="02020603050405020304" pitchFamily="18" charset="0"/>
+              </a:rPr>
+              <a:t>）</a:t>
+            </a:r>
+          </a:p>
+        </p:txBody>
+      </p:sp>
+    </p:spTree>
+    <p:extLst>
+      <p:ext uri="{BB962C8B-B14F-4D97-AF65-F5344CB8AC3E}">
+        <p14:creationId xmlns:p14="http://schemas.microsoft.com/office/powerpoint/2010/main" val="2470975719"/>
       </p:ext>
     </p:extLst>
   </p:cSld>
